--- a/Assignments/Townes_POLS6310_Spring2019_Paper01_slides.pptx
+++ b/Assignments/Townes_POLS6310_Spring2019_Paper01_slides.pptx
@@ -5,10 +5,11 @@
     <p:sldMasterId id="2147483648" r:id="rId1"/>
   </p:sldMasterIdLst>
   <p:sldIdLst>
-    <p:sldId id="256" r:id="rId2"/>
-    <p:sldId id="257" r:id="rId3"/>
-    <p:sldId id="258" r:id="rId4"/>
+    <p:sldId id="260" r:id="rId2"/>
+    <p:sldId id="256" r:id="rId3"/>
+    <p:sldId id="257" r:id="rId4"/>
     <p:sldId id="259" r:id="rId5"/>
+    <p:sldId id="258" r:id="rId6"/>
   </p:sldIdLst>
   <p:sldSz cx="9144000" cy="5715000" type="screen16x10"/>
   <p:notesSz cx="6858000" cy="9144000"/>
@@ -1626,10 +1627,10 @@
         <a:lstStyle/>
         <a:p>
           <a:r>
-            <a:rPr lang="en-US" sz="1000" dirty="0" smtClean="0"/>
+            <a:rPr lang="en-US" sz="1100" b="1" dirty="0" smtClean="0"/>
             <a:t>Decline Narrative</a:t>
           </a:r>
-          <a:endParaRPr lang="en-US" sz="1000" dirty="0"/>
+          <a:endParaRPr lang="en-US" sz="1100" b="1" dirty="0"/>
         </a:p>
       </dgm:t>
     </dgm:pt>
@@ -1663,10 +1664,10 @@
         <a:lstStyle/>
         <a:p>
           <a:r>
-            <a:rPr lang="en-US" sz="1000" dirty="0" smtClean="0"/>
+            <a:rPr lang="en-US" sz="1100" b="1" dirty="0" smtClean="0"/>
             <a:t>America used to have a growing economy and unquestioned global dominance.</a:t>
           </a:r>
-          <a:endParaRPr lang="en-US" sz="1000" dirty="0"/>
+          <a:endParaRPr lang="en-US" sz="1100" b="1" dirty="0"/>
         </a:p>
       </dgm:t>
     </dgm:pt>
@@ -1700,10 +1701,10 @@
         <a:lstStyle/>
         <a:p>
           <a:r>
-            <a:rPr lang="en-US" sz="1000" dirty="0" smtClean="0"/>
+            <a:rPr lang="en-US" sz="1100" dirty="0" smtClean="0"/>
             <a:t>Small business owners</a:t>
           </a:r>
-          <a:endParaRPr lang="en-US" sz="1000" dirty="0"/>
+          <a:endParaRPr lang="en-US" sz="1100" dirty="0"/>
         </a:p>
       </dgm:t>
     </dgm:pt>
@@ -1737,10 +1738,10 @@
         <a:lstStyle/>
         <a:p>
           <a:r>
-            <a:rPr lang="en-US" sz="1000" dirty="0" smtClean="0"/>
+            <a:rPr lang="en-US" sz="1100" b="1" dirty="0" smtClean="0"/>
             <a:t>Efficiency Narrative</a:t>
           </a:r>
-          <a:endParaRPr lang="en-US" sz="1000" dirty="0"/>
+          <a:endParaRPr lang="en-US" sz="1100" b="1" dirty="0"/>
         </a:p>
       </dgm:t>
     </dgm:pt>
@@ -1774,10 +1775,10 @@
         <a:lstStyle/>
         <a:p>
           <a:r>
-            <a:rPr lang="en-US" sz="1000" dirty="0" smtClean="0"/>
+            <a:rPr lang="en-US" sz="1100" b="1" dirty="0" smtClean="0"/>
             <a:t>Small businesses are much more efficient innovators than large businesses.</a:t>
           </a:r>
-          <a:endParaRPr lang="en-US" sz="1000" dirty="0"/>
+          <a:endParaRPr lang="en-US" sz="1100" b="1" dirty="0"/>
         </a:p>
       </dgm:t>
     </dgm:pt>
@@ -1811,10 +1812,10 @@
         <a:lstStyle/>
         <a:p>
           <a:r>
-            <a:rPr lang="en-US" sz="1000" dirty="0" smtClean="0"/>
+            <a:rPr lang="en-US" sz="1100" dirty="0" smtClean="0"/>
             <a:t>Small business owners</a:t>
           </a:r>
-          <a:endParaRPr lang="en-US" sz="1000" dirty="0"/>
+          <a:endParaRPr lang="en-US" sz="1100" dirty="0"/>
         </a:p>
       </dgm:t>
     </dgm:pt>
@@ -1848,14 +1849,10 @@
         <a:lstStyle/>
         <a:p>
           <a:r>
-            <a:rPr lang="en-US" sz="900" dirty="0" smtClean="0"/>
-            <a:t>Mob at </a:t>
+            <a:rPr lang="en-US" sz="1100" b="1" dirty="0" smtClean="0"/>
+            <a:t>Mob at the Gates</a:t>
           </a:r>
-          <a:r>
-            <a:rPr lang="en-US" sz="1000" dirty="0" smtClean="0"/>
-            <a:t>the Gates</a:t>
-          </a:r>
-          <a:endParaRPr lang="en-US" sz="1000" dirty="0"/>
+          <a:endParaRPr lang="en-US" sz="1100" b="1" dirty="0"/>
         </a:p>
       </dgm:t>
     </dgm:pt>
@@ -1889,10 +1886,10 @@
         <a:lstStyle/>
         <a:p>
           <a:r>
-            <a:rPr lang="en-US" sz="1000" dirty="0" smtClean="0"/>
+            <a:rPr lang="en-US" sz="1100" b="1" dirty="0" smtClean="0"/>
             <a:t>America’s enemies will take advantage of this situation and eradicate our way of life.</a:t>
           </a:r>
-          <a:endParaRPr lang="en-US" sz="1000" dirty="0"/>
+          <a:endParaRPr lang="en-US" sz="1100" b="1" dirty="0"/>
         </a:p>
       </dgm:t>
     </dgm:pt>
@@ -1926,10 +1923,10 @@
         <a:lstStyle/>
         <a:p>
           <a:r>
-            <a:rPr lang="en-US" sz="1000" dirty="0" smtClean="0"/>
+            <a:rPr lang="en-US" sz="1100" dirty="0" smtClean="0"/>
             <a:t>Administrator of the U.S. Small Business Administration</a:t>
           </a:r>
-          <a:endParaRPr lang="en-US" sz="1000" dirty="0"/>
+          <a:endParaRPr lang="en-US" sz="1100" dirty="0"/>
         </a:p>
       </dgm:t>
     </dgm:pt>
@@ -1963,10 +1960,10 @@
         <a:lstStyle/>
         <a:p>
           <a:r>
-            <a:rPr lang="en-US" sz="1000" dirty="0" smtClean="0"/>
+            <a:rPr lang="en-US" sz="1100" dirty="0" smtClean="0"/>
             <a:t>Small business advocacy organizations</a:t>
           </a:r>
-          <a:endParaRPr lang="en-US" sz="1000" dirty="0"/>
+          <a:endParaRPr lang="en-US" sz="1100" dirty="0"/>
         </a:p>
       </dgm:t>
     </dgm:pt>
@@ -2000,10 +1997,10 @@
         <a:lstStyle/>
         <a:p>
           <a:r>
-            <a:rPr lang="en-US" sz="1000" dirty="0" smtClean="0"/>
+            <a:rPr lang="en-US" sz="1100" dirty="0" smtClean="0"/>
             <a:t>Executives of large businesses</a:t>
           </a:r>
-          <a:endParaRPr lang="en-US" sz="1000" dirty="0"/>
+          <a:endParaRPr lang="en-US" sz="1100" dirty="0"/>
         </a:p>
       </dgm:t>
     </dgm:pt>
@@ -2037,10 +2034,10 @@
         <a:lstStyle/>
         <a:p>
           <a:r>
-            <a:rPr lang="en-US" sz="1000" dirty="0" smtClean="0"/>
+            <a:rPr lang="en-US" sz="1100" b="1" dirty="0" smtClean="0"/>
             <a:t>Rot at the Top</a:t>
           </a:r>
-          <a:endParaRPr lang="en-US" sz="1000" dirty="0"/>
+          <a:endParaRPr lang="en-US" sz="1100" b="1" dirty="0"/>
         </a:p>
       </dgm:t>
     </dgm:pt>
@@ -2074,10 +2071,10 @@
         <a:lstStyle/>
         <a:p>
           <a:r>
-            <a:rPr lang="en-US" sz="1000" dirty="0" smtClean="0"/>
+            <a:rPr lang="en-US" sz="1100" b="1" dirty="0" smtClean="0"/>
             <a:t>Contract administrators are discriminating against small businesses to make things easier for themselves.</a:t>
           </a:r>
-          <a:endParaRPr lang="en-US" sz="1000" dirty="0"/>
+          <a:endParaRPr lang="en-US" sz="1100" b="1" dirty="0"/>
         </a:p>
       </dgm:t>
     </dgm:pt>
@@ -2111,10 +2108,10 @@
         <a:lstStyle/>
         <a:p>
           <a:r>
-            <a:rPr lang="en-US" sz="1000" dirty="0" smtClean="0"/>
+            <a:rPr lang="en-US" sz="1100" dirty="0" smtClean="0"/>
             <a:t>Small business owners</a:t>
           </a:r>
-          <a:endParaRPr lang="en-US" sz="1000" dirty="0"/>
+          <a:endParaRPr lang="en-US" sz="1100" dirty="0"/>
         </a:p>
       </dgm:t>
     </dgm:pt>
@@ -2148,10 +2145,10 @@
         <a:lstStyle/>
         <a:p>
           <a:r>
-            <a:rPr lang="en-US" sz="1000" dirty="0" smtClean="0"/>
+            <a:rPr lang="en-US" sz="1100" dirty="0" smtClean="0"/>
             <a:t>Executives of large businesses</a:t>
           </a:r>
-          <a:endParaRPr lang="en-US" sz="1000" dirty="0"/>
+          <a:endParaRPr lang="en-US" sz="1100" dirty="0"/>
         </a:p>
       </dgm:t>
     </dgm:pt>
@@ -2185,10 +2182,10 @@
         <a:lstStyle/>
         <a:p>
           <a:r>
-            <a:rPr lang="en-US" sz="1000" dirty="0" smtClean="0"/>
+            <a:rPr lang="en-US" sz="1100" dirty="0" smtClean="0"/>
             <a:t>Administrator of the U.S. Small Business Administration</a:t>
           </a:r>
-          <a:endParaRPr lang="en-US" sz="1000" dirty="0"/>
+          <a:endParaRPr lang="en-US" sz="1100" dirty="0"/>
         </a:p>
       </dgm:t>
     </dgm:pt>
@@ -2222,10 +2219,10 @@
         <a:lstStyle/>
         <a:p>
           <a:r>
-            <a:rPr lang="en-US" sz="1000" dirty="0" smtClean="0"/>
+            <a:rPr lang="en-US" sz="1100" dirty="0" smtClean="0"/>
             <a:t>Small business owners</a:t>
           </a:r>
-          <a:endParaRPr lang="en-US" sz="1000" dirty="0"/>
+          <a:endParaRPr lang="en-US" sz="1100" dirty="0"/>
         </a:p>
       </dgm:t>
     </dgm:pt>
@@ -2611,10 +2608,10 @@
         <a:lstStyle/>
         <a:p>
           <a:r>
-            <a:rPr lang="en-US" sz="1000" dirty="0" smtClean="0"/>
+            <a:rPr lang="en-US" sz="1100" b="1" dirty="0" smtClean="0"/>
             <a:t>Decline Narrative</a:t>
           </a:r>
-          <a:endParaRPr lang="en-US" sz="1000" dirty="0"/>
+          <a:endParaRPr lang="en-US" sz="1100" b="1" dirty="0"/>
         </a:p>
       </dgm:t>
     </dgm:pt>
@@ -2648,10 +2645,10 @@
         <a:lstStyle/>
         <a:p>
           <a:r>
-            <a:rPr lang="en-US" sz="1000" dirty="0" smtClean="0"/>
+            <a:rPr lang="en-US" sz="1100" b="1" dirty="0" smtClean="0"/>
             <a:t>This policy will take the nation on a path towards to sub-par research and development.</a:t>
           </a:r>
-          <a:endParaRPr lang="en-US" sz="1000" dirty="0"/>
+          <a:endParaRPr lang="en-US" sz="1100" b="1" dirty="0"/>
         </a:p>
       </dgm:t>
     </dgm:pt>
@@ -2685,10 +2682,10 @@
         <a:lstStyle/>
         <a:p>
           <a:r>
-            <a:rPr lang="en-US" sz="1000" dirty="0" smtClean="0"/>
+            <a:rPr lang="en-US" sz="1100" dirty="0" smtClean="0"/>
             <a:t>Leaders and faculty of research universities</a:t>
           </a:r>
-          <a:endParaRPr lang="en-US" sz="1000" dirty="0"/>
+          <a:endParaRPr lang="en-US" sz="1100" dirty="0"/>
         </a:p>
       </dgm:t>
     </dgm:pt>
@@ -2722,10 +2719,10 @@
         <a:lstStyle/>
         <a:p>
           <a:r>
-            <a:rPr lang="en-US" sz="1000" dirty="0" smtClean="0"/>
+            <a:rPr lang="en-US" sz="1100" b="1" dirty="0" smtClean="0"/>
             <a:t>Equity Narrative</a:t>
           </a:r>
-          <a:endParaRPr lang="en-US" sz="1000" dirty="0"/>
+          <a:endParaRPr lang="en-US" sz="1100" b="1" dirty="0"/>
         </a:p>
       </dgm:t>
     </dgm:pt>
@@ -2759,10 +2756,14 @@
         <a:lstStyle/>
         <a:p>
           <a:r>
-            <a:rPr lang="en-US" sz="1000" dirty="0" smtClean="0"/>
-            <a:t>This policy will unfairly take away opportunities from highly talented and deserving researchers simply because of where they work.</a:t>
+            <a:rPr lang="en-US" sz="1100" b="1" dirty="0" smtClean="0"/>
+            <a:t>This policy will unfairly take away opportunities from highly talented and deserving researchers </a:t>
           </a:r>
-          <a:endParaRPr lang="en-US" sz="1000" dirty="0"/>
+          <a:r>
+            <a:rPr lang="en-US" sz="1100" b="1" dirty="0" smtClean="0"/>
+            <a:t>.</a:t>
+          </a:r>
+          <a:endParaRPr lang="en-US" sz="1100" b="1" dirty="0"/>
         </a:p>
       </dgm:t>
     </dgm:pt>
@@ -2796,7 +2797,7 @@
         <a:lstStyle/>
         <a:p>
           <a:r>
-            <a:rPr lang="en-US" sz="1000" dirty="0" smtClean="0"/>
+            <a:rPr lang="en-US" sz="1100" dirty="0" smtClean="0"/>
             <a:t>Leaders and faculty of research universities</a:t>
           </a:r>
         </a:p>
@@ -2832,10 +2833,10 @@
         <a:lstStyle/>
         <a:p>
           <a:r>
-            <a:rPr lang="en-US" sz="1000" dirty="0" smtClean="0"/>
+            <a:rPr lang="en-US" sz="1100" b="1" dirty="0" smtClean="0"/>
             <a:t>Decline Narrative</a:t>
           </a:r>
-          <a:endParaRPr lang="en-US" sz="1000" dirty="0"/>
+          <a:endParaRPr lang="en-US" sz="1100" b="1" dirty="0"/>
         </a:p>
       </dgm:t>
     </dgm:pt>
@@ -2869,10 +2870,38 @@
         <a:lstStyle/>
         <a:p>
           <a:r>
-            <a:rPr lang="en-US" sz="1000" dirty="0" smtClean="0"/>
-            <a:t>This policy changes the selection process from a research excellence criteria to a privilege criteria.</a:t>
+            <a:rPr lang="en-US" sz="1100" b="1" dirty="0" smtClean="0"/>
+            <a:t>This policy changes the selection </a:t>
           </a:r>
-          <a:endParaRPr lang="en-US" sz="1000" dirty="0"/>
+          <a:r>
+            <a:rPr lang="en-US" sz="1100" b="1" dirty="0" smtClean="0"/>
+            <a:t>criteria </a:t>
+          </a:r>
+          <a:r>
+            <a:rPr lang="en-US" sz="1100" b="1" dirty="0" smtClean="0"/>
+            <a:t>from </a:t>
+          </a:r>
+          <a:r>
+            <a:rPr lang="en-US" sz="1100" b="1" dirty="0" smtClean="0"/>
+            <a:t> </a:t>
+          </a:r>
+          <a:r>
+            <a:rPr lang="en-US" sz="1100" b="1" dirty="0" smtClean="0"/>
+            <a:t>research </a:t>
+          </a:r>
+          <a:r>
+            <a:rPr lang="en-US" sz="1100" b="1" dirty="0" smtClean="0"/>
+            <a:t>excellence </a:t>
+          </a:r>
+          <a:r>
+            <a:rPr lang="en-US" sz="1100" b="1" dirty="0" smtClean="0"/>
+            <a:t>to a </a:t>
+          </a:r>
+          <a:r>
+            <a:rPr lang="en-US" sz="1100" b="1" dirty="0" smtClean="0"/>
+            <a:t>criteria of privilege.</a:t>
+          </a:r>
+          <a:endParaRPr lang="en-US" sz="1100" b="1" dirty="0"/>
         </a:p>
       </dgm:t>
     </dgm:pt>
@@ -2906,10 +2935,10 @@
         <a:lstStyle/>
         <a:p>
           <a:r>
-            <a:rPr lang="en-US" sz="1000" dirty="0" smtClean="0"/>
+            <a:rPr lang="en-US" sz="1100" dirty="0" smtClean="0"/>
             <a:t>Leaders and faculty of research universities</a:t>
           </a:r>
-          <a:endParaRPr lang="en-US" sz="1000" dirty="0"/>
+          <a:endParaRPr lang="en-US" sz="1100" dirty="0"/>
         </a:p>
       </dgm:t>
     </dgm:pt>
@@ -2943,10 +2972,10 @@
         <a:lstStyle/>
         <a:p>
           <a:r>
-            <a:rPr lang="en-US" sz="1000" dirty="0" smtClean="0"/>
+            <a:rPr lang="en-US" sz="1100" b="1" dirty="0" smtClean="0"/>
             <a:t>Benevolent Community</a:t>
           </a:r>
-          <a:endParaRPr lang="en-US" sz="1000" dirty="0"/>
+          <a:endParaRPr lang="en-US" sz="1100" b="1" dirty="0"/>
         </a:p>
       </dgm:t>
     </dgm:pt>
@@ -2980,10 +3009,10 @@
         <a:lstStyle/>
         <a:p>
           <a:r>
-            <a:rPr lang="en-US" sz="1000" dirty="0" smtClean="0"/>
+            <a:rPr lang="en-US" sz="1100" b="1" dirty="0" smtClean="0"/>
             <a:t>America is guided by the aspirational principle of treating everyone fairly and not showing favoritism to any one group over other groups.</a:t>
           </a:r>
-          <a:endParaRPr lang="en-US" sz="1000" dirty="0"/>
+          <a:endParaRPr lang="en-US" sz="1100" b="1" dirty="0"/>
         </a:p>
       </dgm:t>
     </dgm:pt>
@@ -3017,10 +3046,10 @@
         <a:lstStyle/>
         <a:p>
           <a:r>
-            <a:rPr lang="en-US" sz="1000" dirty="0" smtClean="0"/>
+            <a:rPr lang="en-US" sz="1100" dirty="0" smtClean="0"/>
             <a:t>Leaders of research hospitals</a:t>
           </a:r>
-          <a:endParaRPr lang="en-US" sz="1000" dirty="0"/>
+          <a:endParaRPr lang="en-US" sz="1100" dirty="0"/>
         </a:p>
       </dgm:t>
     </dgm:pt>
@@ -3054,10 +3083,10 @@
         <a:lstStyle/>
         <a:p>
           <a:r>
-            <a:rPr lang="en-US" sz="1000" dirty="0" smtClean="0"/>
+            <a:rPr lang="en-US" sz="1100" dirty="0" smtClean="0"/>
             <a:t>Leadership of the American Medical College Association</a:t>
           </a:r>
-          <a:endParaRPr lang="en-US" sz="1000" dirty="0"/>
+          <a:endParaRPr lang="en-US" sz="1100" dirty="0"/>
         </a:p>
       </dgm:t>
     </dgm:pt>
@@ -3091,10 +3120,10 @@
         <a:lstStyle/>
         <a:p>
           <a:r>
-            <a:rPr lang="en-US" sz="1000" dirty="0" smtClean="0"/>
+            <a:rPr lang="en-US" sz="1100" dirty="0" smtClean="0"/>
             <a:t>Leaders and faculty of research universities</a:t>
           </a:r>
-          <a:endParaRPr lang="en-US" sz="1000" dirty="0"/>
+          <a:endParaRPr lang="en-US" sz="1100" dirty="0"/>
         </a:p>
       </dgm:t>
     </dgm:pt>
@@ -3128,9 +3157,10 @@
         <a:lstStyle/>
         <a:p>
           <a:r>
-            <a:rPr lang="en-US" sz="1000" dirty="0" smtClean="0"/>
+            <a:rPr lang="en-US" sz="1100" dirty="0" smtClean="0"/>
             <a:t>Leaders of research hospitals</a:t>
           </a:r>
+          <a:endParaRPr lang="en-US" sz="1000" dirty="0" smtClean="0"/>
         </a:p>
       </dgm:t>
     </dgm:pt>
@@ -3164,10 +3194,10 @@
         <a:lstStyle/>
         <a:p>
           <a:r>
-            <a:rPr lang="en-US" sz="1000" dirty="0" smtClean="0"/>
+            <a:rPr lang="en-US" sz="1100" dirty="0" smtClean="0"/>
             <a:t>Leaders of research hospitals</a:t>
           </a:r>
-          <a:endParaRPr lang="en-US" sz="1000" dirty="0"/>
+          <a:endParaRPr lang="en-US" sz="1100" dirty="0"/>
         </a:p>
       </dgm:t>
     </dgm:pt>
@@ -3201,12 +3231,12 @@
         <a:lstStyle/>
         <a:p>
           <a:r>
-            <a:rPr lang="en-US" sz="1000" dirty="0" smtClean="0"/>
+            <a:rPr lang="en-US" sz="1100" dirty="0" smtClean="0"/>
             <a:t>Leadership of the American Medical College Association</a:t>
           </a:r>
         </a:p>
         <a:p>
-          <a:endParaRPr lang="en-US" sz="1000" dirty="0"/>
+          <a:endParaRPr lang="en-US" sz="1100" dirty="0"/>
         </a:p>
       </dgm:t>
     </dgm:pt>
@@ -3240,10 +3270,10 @@
         <a:lstStyle/>
         <a:p>
           <a:r>
-            <a:rPr lang="en-US" sz="1000" dirty="0" smtClean="0"/>
+            <a:rPr lang="en-US" sz="1100" dirty="0" smtClean="0"/>
             <a:t>Leaders of research hospitals</a:t>
           </a:r>
-          <a:endParaRPr lang="en-US" sz="1000" dirty="0"/>
+          <a:endParaRPr lang="en-US" sz="1100" dirty="0"/>
         </a:p>
       </dgm:t>
     </dgm:pt>
@@ -3277,12 +3307,12 @@
         <a:lstStyle/>
         <a:p>
           <a:r>
-            <a:rPr lang="en-US" sz="1000" dirty="0" smtClean="0"/>
+            <a:rPr lang="en-US" sz="1100" dirty="0" smtClean="0"/>
             <a:t>Leadership of the American Medical College Association</a:t>
           </a:r>
         </a:p>
         <a:p>
-          <a:endParaRPr lang="en-US" sz="1000" dirty="0"/>
+          <a:endParaRPr lang="en-US" sz="1100" dirty="0"/>
         </a:p>
       </dgm:t>
     </dgm:pt>
@@ -3577,45 +3607,45 @@
     </dgm:pt>
   </dgm:ptLst>
   <dgm:cxnLst>
-    <dgm:cxn modelId="{0EB99273-E40B-4BA4-A24F-424DEB53EF5D}" type="presOf" srcId="{A990AE2A-665D-4A90-91E6-8CAE69B9C799}" destId="{ABD9F4AA-584A-4C32-8AC6-1F842D5E3471}" srcOrd="0" destOrd="0" presId="urn:microsoft.com/office/officeart/2011/layout/TabList"/>
+    <dgm:cxn modelId="{3DB12D0E-B496-47AC-B9D8-B8B2B6369FEF}" srcId="{6B0EF60D-A0B1-46C5-9677-4BEA810977D2}" destId="{03E9865A-20D2-4CF6-AA88-EF74E4A16F4A}" srcOrd="2" destOrd="0" parTransId="{8248E5BD-5697-4B1E-BCB4-ABC0B2D8E72E}" sibTransId="{EEBE7D8C-BEE1-4AE3-A6A1-B72D470C50D8}"/>
+    <dgm:cxn modelId="{A993A3EF-AF47-4DBB-90D8-CF06FBF70E61}" srcId="{19EF64AF-D0D9-429E-86D3-4CE7A62D9930}" destId="{D4A5DE5E-27AD-4B23-B1EC-53CFB1739A11}" srcOrd="2" destOrd="0" parTransId="{C42F195C-72E6-4357-8789-A7DF85FC0BFF}" sibTransId="{D861C33F-DAAB-4018-91B9-D602CB0B9349}"/>
+    <dgm:cxn modelId="{BC8D3C2F-C842-4AEF-9163-91FCF0A63C32}" srcId="{84789903-61AF-4F8F-9430-490306DDBEA0}" destId="{19EF64AF-D0D9-429E-86D3-4CE7A62D9930}" srcOrd="0" destOrd="0" parTransId="{65F72764-603C-4BEA-9757-C2D922CDE6E7}" sibTransId="{A59A006A-971D-4A33-AB31-4CEE6264B4C5}"/>
+    <dgm:cxn modelId="{E2B364F3-498C-4868-BFEB-56E8969D7655}" type="presOf" srcId="{EB3A3517-BC08-4AB8-AB32-CAA355AEBBAA}" destId="{2874E84B-9605-494F-B813-85A702BFCF0F}" srcOrd="0" destOrd="0" presId="urn:microsoft.com/office/officeart/2011/layout/TabList"/>
+    <dgm:cxn modelId="{9139EE07-F69A-425D-9FD3-917AD48F4A26}" type="presOf" srcId="{FCB9211A-ECAF-4092-9AF3-4A80464FEEEF}" destId="{76F4CE38-89D0-4EAB-9E94-FD08C47879E4}" srcOrd="0" destOrd="0" presId="urn:microsoft.com/office/officeart/2011/layout/TabList"/>
+    <dgm:cxn modelId="{42EE89B5-C132-45F6-89DF-FAA355D8AB66}" type="presOf" srcId="{84789903-61AF-4F8F-9430-490306DDBEA0}" destId="{8937854E-C94A-470E-AB4D-2D1BF4D6EC0A}" srcOrd="0" destOrd="0" presId="urn:microsoft.com/office/officeart/2011/layout/TabList"/>
+    <dgm:cxn modelId="{0536D819-2399-475C-9A09-D2166C361830}" type="presOf" srcId="{03E9865A-20D2-4CF6-AA88-EF74E4A16F4A}" destId="{F2E5F12B-CEBA-404F-BC59-D0A75B115C1F}" srcOrd="0" destOrd="1" presId="urn:microsoft.com/office/officeart/2011/layout/TabList"/>
+    <dgm:cxn modelId="{64A82602-28B8-46E2-8A9C-588C292914B6}" type="presOf" srcId="{2F4105CE-F831-4489-A38E-EA308F965E1A}" destId="{8DF5D93B-DC31-4D2E-91E9-BD58313DDF36}" srcOrd="0" destOrd="0" presId="urn:microsoft.com/office/officeart/2011/layout/TabList"/>
+    <dgm:cxn modelId="{B2124052-34AB-4435-8CBA-D34AF146A189}" type="presOf" srcId="{14D29AC4-9FA0-444D-8EE4-E85DEB5E57A2}" destId="{2874E84B-9605-494F-B813-85A702BFCF0F}" srcOrd="0" destOrd="2" presId="urn:microsoft.com/office/officeart/2011/layout/TabList"/>
+    <dgm:cxn modelId="{F1C43613-B926-4646-87FA-D992BF0A7796}" type="presOf" srcId="{8B2750EB-B434-41DC-A189-8424894B839C}" destId="{89B6103A-0012-428D-9057-99CB1F4B4519}" srcOrd="0" destOrd="0" presId="urn:microsoft.com/office/officeart/2011/layout/TabList"/>
+    <dgm:cxn modelId="{3F79F1C5-5A6B-4B5D-ABE8-486E8727C12D}" type="presOf" srcId="{48BF764E-F495-4A56-AE96-47376DC45472}" destId="{F2E5F12B-CEBA-404F-BC59-D0A75B115C1F}" srcOrd="0" destOrd="2" presId="urn:microsoft.com/office/officeart/2011/layout/TabList"/>
+    <dgm:cxn modelId="{6546E246-748E-4D89-8B27-C6C10AA3AC70}" type="presOf" srcId="{ADA4DD4E-A13B-4B3A-BF0B-6A9868DD9270}" destId="{269C0782-BA35-4C3A-B295-D76ACD031E2B}" srcOrd="0" destOrd="1" presId="urn:microsoft.com/office/officeart/2011/layout/TabList"/>
     <dgm:cxn modelId="{4AEC2818-9C22-4CEF-8878-5915FF4711B6}" type="presOf" srcId="{E2EDF958-A636-4721-91E2-1009161BE1BC}" destId="{ABD9F4AA-584A-4C32-8AC6-1F842D5E3471}" srcOrd="0" destOrd="2" presId="urn:microsoft.com/office/officeart/2011/layout/TabList"/>
-    <dgm:cxn modelId="{EC26D4FA-8D0A-4965-860E-E576DA3FE7C2}" srcId="{84789903-61AF-4F8F-9430-490306DDBEA0}" destId="{2F4105CE-F831-4489-A38E-EA308F965E1A}" srcOrd="1" destOrd="0" parTransId="{B2367E5B-DF6B-423A-8C73-6C51AA905F42}" sibTransId="{42FAF69B-DD6C-4C4C-A008-7959F807FCD6}"/>
-    <dgm:cxn modelId="{E50B4537-4222-4FA6-86D6-900B232A905B}" srcId="{84789903-61AF-4F8F-9430-490306DDBEA0}" destId="{DCB77698-D8A7-43AE-8C12-88D22546D4E0}" srcOrd="3" destOrd="0" parTransId="{0256383B-FBF2-49F0-935C-E17EB2C4D7C4}" sibTransId="{866D160B-DB4E-4FF6-BF8A-FD0216203DA1}"/>
-    <dgm:cxn modelId="{A993A3EF-AF47-4DBB-90D8-CF06FBF70E61}" srcId="{19EF64AF-D0D9-429E-86D3-4CE7A62D9930}" destId="{D4A5DE5E-27AD-4B23-B1EC-53CFB1739A11}" srcOrd="2" destOrd="0" parTransId="{C42F195C-72E6-4357-8789-A7DF85FC0BFF}" sibTransId="{D861C33F-DAAB-4018-91B9-D602CB0B9349}"/>
-    <dgm:cxn modelId="{3F79F1C5-5A6B-4B5D-ABE8-486E8727C12D}" type="presOf" srcId="{48BF764E-F495-4A56-AE96-47376DC45472}" destId="{F2E5F12B-CEBA-404F-BC59-D0A75B115C1F}" srcOrd="0" destOrd="2" presId="urn:microsoft.com/office/officeart/2011/layout/TabList"/>
-    <dgm:cxn modelId="{9C741026-5DFA-48E0-BCB8-618D95B45615}" srcId="{2F4105CE-F831-4489-A38E-EA308F965E1A}" destId="{28A4433D-892C-4392-A0C9-31AA297B23D1}" srcOrd="2" destOrd="0" parTransId="{38F9BBF9-BEAA-4EF2-A10C-767F24A70094}" sibTransId="{FF662DDE-5536-4F81-B4BD-F479E8E272D8}"/>
-    <dgm:cxn modelId="{6AEA36B3-723E-4C26-991B-32293EC4977D}" srcId="{DCB77698-D8A7-43AE-8C12-88D22546D4E0}" destId="{F6CCDE68-20A3-48C9-9929-36D9326E50C7}" srcOrd="1" destOrd="0" parTransId="{6D777BDB-A14B-4CB9-848E-609F2B89797D}" sibTransId="{E73E6EC1-A77B-4806-AF59-F300788A17A6}"/>
-    <dgm:cxn modelId="{AD10BF23-1E69-4909-B6FA-24F65C0F2B83}" type="presOf" srcId="{28A4433D-892C-4392-A0C9-31AA297B23D1}" destId="{ABD9F4AA-584A-4C32-8AC6-1F842D5E3471}" srcOrd="0" destOrd="1" presId="urn:microsoft.com/office/officeart/2011/layout/TabList"/>
-    <dgm:cxn modelId="{EA29C83E-1DCA-4FBB-975D-0E40E46D2194}" type="presOf" srcId="{432382F3-03DD-4963-A6A5-C32D1C07F990}" destId="{F2E5F12B-CEBA-404F-BC59-D0A75B115C1F}" srcOrd="0" destOrd="0" presId="urn:microsoft.com/office/officeart/2011/layout/TabList"/>
-    <dgm:cxn modelId="{42EE89B5-C132-45F6-89DF-FAA355D8AB66}" type="presOf" srcId="{84789903-61AF-4F8F-9430-490306DDBEA0}" destId="{8937854E-C94A-470E-AB4D-2D1BF4D6EC0A}" srcOrd="0" destOrd="0" presId="urn:microsoft.com/office/officeart/2011/layout/TabList"/>
-    <dgm:cxn modelId="{2367FF4F-D248-4F58-A0D9-784D3549B7D2}" type="presOf" srcId="{F6CCDE68-20A3-48C9-9929-36D9326E50C7}" destId="{269C0782-BA35-4C3A-B295-D76ACD031E2B}" srcOrd="0" destOrd="0" presId="urn:microsoft.com/office/officeart/2011/layout/TabList"/>
-    <dgm:cxn modelId="{9E0BBC12-F01A-46AF-A765-697A5062C11D}" type="presOf" srcId="{54C77FC2-06D5-494F-88FF-639A9A2ADF2B}" destId="{BDDE8257-E413-4550-9DF4-ACE5D4DAF407}" srcOrd="0" destOrd="0" presId="urn:microsoft.com/office/officeart/2011/layout/TabList"/>
-    <dgm:cxn modelId="{FB51F38E-5F9F-4D3E-BF90-82BB4C1D2DB9}" type="presOf" srcId="{6992769E-C929-46E1-B5DC-0D224D6E5340}" destId="{F82F5449-D542-4810-B467-43A5C2614DD5}" srcOrd="0" destOrd="0" presId="urn:microsoft.com/office/officeart/2011/layout/TabList"/>
-    <dgm:cxn modelId="{6FBD327E-F3DD-4D5F-892E-365E295EB833}" type="presOf" srcId="{DCB77698-D8A7-43AE-8C12-88D22546D4E0}" destId="{9059B661-BA02-491A-9141-4597C2088440}" srcOrd="0" destOrd="0" presId="urn:microsoft.com/office/officeart/2011/layout/TabList"/>
-    <dgm:cxn modelId="{0536D819-2399-475C-9A09-D2166C361830}" type="presOf" srcId="{03E9865A-20D2-4CF6-AA88-EF74E4A16F4A}" destId="{F2E5F12B-CEBA-404F-BC59-D0A75B115C1F}" srcOrd="0" destOrd="1" presId="urn:microsoft.com/office/officeart/2011/layout/TabList"/>
-    <dgm:cxn modelId="{2657FA28-A895-46D4-90D1-07F9A903CBBC}" srcId="{19EF64AF-D0D9-429E-86D3-4CE7A62D9930}" destId="{EB3A3517-BC08-4AB8-AB32-CAA355AEBBAA}" srcOrd="1" destOrd="0" parTransId="{B734E8AD-9F0E-4587-9C1F-9483C3D89D69}" sibTransId="{6388FC91-51F0-4583-AFC8-08BE7A667D2D}"/>
-    <dgm:cxn modelId="{5F094A65-8D03-4DE2-90BC-845E0B1DF3F3}" srcId="{2F4105CE-F831-4489-A38E-EA308F965E1A}" destId="{8B2750EB-B434-41DC-A189-8424894B839C}" srcOrd="0" destOrd="0" parTransId="{FFC1F60D-411F-463B-80BE-8626FCEE6E20}" sibTransId="{1C68FAD9-F9C9-4D4A-9B81-2E6FECE526EB}"/>
-    <dgm:cxn modelId="{E2B364F3-498C-4868-BFEB-56E8969D7655}" type="presOf" srcId="{EB3A3517-BC08-4AB8-AB32-CAA355AEBBAA}" destId="{2874E84B-9605-494F-B813-85A702BFCF0F}" srcOrd="0" destOrd="0" presId="urn:microsoft.com/office/officeart/2011/layout/TabList"/>
-    <dgm:cxn modelId="{96A20728-4B71-426D-8207-8D974A3F5B06}" srcId="{84789903-61AF-4F8F-9430-490306DDBEA0}" destId="{6B0EF60D-A0B1-46C5-9677-4BEA810977D2}" srcOrd="2" destOrd="0" parTransId="{DF3844A8-4E17-463F-BAAD-4ACB2C215D90}" sibTransId="{9DADB796-DA90-4478-BCA3-5929CA4ED0C6}"/>
-    <dgm:cxn modelId="{272F4F47-B6F0-44E6-BE53-1E568010F73F}" srcId="{6B0EF60D-A0B1-46C5-9677-4BEA810977D2}" destId="{432382F3-03DD-4963-A6A5-C32D1C07F990}" srcOrd="1" destOrd="0" parTransId="{428261C4-B743-4CC1-8298-2B59764B7274}" sibTransId="{19522E25-3C1D-4596-9D61-BE8AA7854562}"/>
-    <dgm:cxn modelId="{59C1BA7D-4D40-4BB3-8566-6C1139A98E64}" srcId="{19EF64AF-D0D9-429E-86D3-4CE7A62D9930}" destId="{6992769E-C929-46E1-B5DC-0D224D6E5340}" srcOrd="0" destOrd="0" parTransId="{37B9B495-CA51-4955-9418-9A2A7D83A101}" sibTransId="{025A960F-A828-4BA1-B49F-B19476EFF631}"/>
-    <dgm:cxn modelId="{A9F942E9-1197-421A-8955-236A83F08879}" type="presOf" srcId="{6B0EF60D-A0B1-46C5-9677-4BEA810977D2}" destId="{79569B4D-C26F-4F14-9A58-54D0240E4532}" srcOrd="0" destOrd="0" presId="urn:microsoft.com/office/officeart/2011/layout/TabList"/>
-    <dgm:cxn modelId="{C40B86E0-D802-4C2B-9B30-FF087E46B20A}" srcId="{2F4105CE-F831-4489-A38E-EA308F965E1A}" destId="{A990AE2A-665D-4A90-91E6-8CAE69B9C799}" srcOrd="1" destOrd="0" parTransId="{C4D8ABC1-84E3-45E5-AE1D-9D540D360E76}" sibTransId="{6B7AAB65-DFF8-472A-BB24-DFEC163070BA}"/>
-    <dgm:cxn modelId="{64A82602-28B8-46E2-8A9C-588C292914B6}" type="presOf" srcId="{2F4105CE-F831-4489-A38E-EA308F965E1A}" destId="{8DF5D93B-DC31-4D2E-91E9-BD58313DDF36}" srcOrd="0" destOrd="0" presId="urn:microsoft.com/office/officeart/2011/layout/TabList"/>
-    <dgm:cxn modelId="{C53AA40F-C7B5-48B1-9833-6AADD820240F}" srcId="{DCB77698-D8A7-43AE-8C12-88D22546D4E0}" destId="{ADA4DD4E-A13B-4B3A-BF0B-6A9868DD9270}" srcOrd="2" destOrd="0" parTransId="{A69BEB30-D4D0-4373-A980-FBE1B2210F40}" sibTransId="{31FC63FF-B7FD-42AA-95A2-FED2E149343F}"/>
-    <dgm:cxn modelId="{F1C43613-B926-4646-87FA-D992BF0A7796}" type="presOf" srcId="{8B2750EB-B434-41DC-A189-8424894B839C}" destId="{89B6103A-0012-428D-9057-99CB1F4B4519}" srcOrd="0" destOrd="0" presId="urn:microsoft.com/office/officeart/2011/layout/TabList"/>
-    <dgm:cxn modelId="{08D37855-A906-4ED9-B03D-BFDBE60EF8C7}" srcId="{6B0EF60D-A0B1-46C5-9677-4BEA810977D2}" destId="{FCB9211A-ECAF-4092-9AF3-4A80464FEEEF}" srcOrd="0" destOrd="0" parTransId="{96E2E2CF-28EB-47BD-B8D8-43FB5B4BBC76}" sibTransId="{80A46D5D-E138-4619-973A-52836DB4B626}"/>
     <dgm:cxn modelId="{D9904F38-9A5D-48F4-991F-91A4A57053FD}" type="presOf" srcId="{19EF64AF-D0D9-429E-86D3-4CE7A62D9930}" destId="{B06197F1-B041-4747-A702-99E72A52C66D}" srcOrd="0" destOrd="0" presId="urn:microsoft.com/office/officeart/2011/layout/TabList"/>
     <dgm:cxn modelId="{2896DAC6-E607-42B4-9D8E-740D71F49BEA}" srcId="{DCB77698-D8A7-43AE-8C12-88D22546D4E0}" destId="{54C77FC2-06D5-494F-88FF-639A9A2ADF2B}" srcOrd="0" destOrd="0" parTransId="{59058AE7-0BCA-42FD-8DA7-9E303C2F3598}" sibTransId="{DD5B0AF5-4F1F-4F54-9327-3F9C5FD2ADF5}"/>
-    <dgm:cxn modelId="{9139EE07-F69A-425D-9FD3-917AD48F4A26}" type="presOf" srcId="{FCB9211A-ECAF-4092-9AF3-4A80464FEEEF}" destId="{76F4CE38-89D0-4EAB-9E94-FD08C47879E4}" srcOrd="0" destOrd="0" presId="urn:microsoft.com/office/officeart/2011/layout/TabList"/>
+    <dgm:cxn modelId="{D1EABC93-08A9-4A6F-84B0-B428BA9969D7}" type="presOf" srcId="{D4A5DE5E-27AD-4B23-B1EC-53CFB1739A11}" destId="{2874E84B-9605-494F-B813-85A702BFCF0F}" srcOrd="0" destOrd="1" presId="urn:microsoft.com/office/officeart/2011/layout/TabList"/>
+    <dgm:cxn modelId="{5F094A65-8D03-4DE2-90BC-845E0B1DF3F3}" srcId="{2F4105CE-F831-4489-A38E-EA308F965E1A}" destId="{8B2750EB-B434-41DC-A189-8424894B839C}" srcOrd="0" destOrd="0" parTransId="{FFC1F60D-411F-463B-80BE-8626FCEE6E20}" sibTransId="{1C68FAD9-F9C9-4D4A-9B81-2E6FECE526EB}"/>
+    <dgm:cxn modelId="{576B1C0C-BC74-4AB0-84AC-D638255D8C52}" srcId="{2F4105CE-F831-4489-A38E-EA308F965E1A}" destId="{E2EDF958-A636-4721-91E2-1009161BE1BC}" srcOrd="3" destOrd="0" parTransId="{56017F76-3EE4-4B10-980E-2962F4DDFEEC}" sibTransId="{D4D47A36-D2AE-41C2-A545-1538EA1F1179}"/>
+    <dgm:cxn modelId="{5B81B842-285D-4C21-BC2F-2555AB323F47}" srcId="{19EF64AF-D0D9-429E-86D3-4CE7A62D9930}" destId="{14D29AC4-9FA0-444D-8EE4-E85DEB5E57A2}" srcOrd="3" destOrd="0" parTransId="{8F845681-B05B-4E32-AD5D-21295FC02A07}" sibTransId="{EE9BAB10-D308-456A-ADB5-78C6FFFB97E6}"/>
+    <dgm:cxn modelId="{2657FA28-A895-46D4-90D1-07F9A903CBBC}" srcId="{19EF64AF-D0D9-429E-86D3-4CE7A62D9930}" destId="{EB3A3517-BC08-4AB8-AB32-CAA355AEBBAA}" srcOrd="1" destOrd="0" parTransId="{B734E8AD-9F0E-4587-9C1F-9483C3D89D69}" sibTransId="{6388FC91-51F0-4583-AFC8-08BE7A667D2D}"/>
+    <dgm:cxn modelId="{0EB99273-E40B-4BA4-A24F-424DEB53EF5D}" type="presOf" srcId="{A990AE2A-665D-4A90-91E6-8CAE69B9C799}" destId="{ABD9F4AA-584A-4C32-8AC6-1F842D5E3471}" srcOrd="0" destOrd="0" presId="urn:microsoft.com/office/officeart/2011/layout/TabList"/>
+    <dgm:cxn modelId="{59C1BA7D-4D40-4BB3-8566-6C1139A98E64}" srcId="{19EF64AF-D0D9-429E-86D3-4CE7A62D9930}" destId="{6992769E-C929-46E1-B5DC-0D224D6E5340}" srcOrd="0" destOrd="0" parTransId="{37B9B495-CA51-4955-9418-9A2A7D83A101}" sibTransId="{025A960F-A828-4BA1-B49F-B19476EFF631}"/>
     <dgm:cxn modelId="{C33B3223-996C-4204-9B9A-61F80D001862}" srcId="{6B0EF60D-A0B1-46C5-9677-4BEA810977D2}" destId="{48BF764E-F495-4A56-AE96-47376DC45472}" srcOrd="3" destOrd="0" parTransId="{CED2C589-1478-4EE9-8864-36B6C00D583D}" sibTransId="{D6B20742-473A-4B9F-A0CC-85E95BE0720F}"/>
-    <dgm:cxn modelId="{BC8D3C2F-C842-4AEF-9163-91FCF0A63C32}" srcId="{84789903-61AF-4F8F-9430-490306DDBEA0}" destId="{19EF64AF-D0D9-429E-86D3-4CE7A62D9930}" srcOrd="0" destOrd="0" parTransId="{65F72764-603C-4BEA-9757-C2D922CDE6E7}" sibTransId="{A59A006A-971D-4A33-AB31-4CEE6264B4C5}"/>
-    <dgm:cxn modelId="{B2124052-34AB-4435-8CBA-D34AF146A189}" type="presOf" srcId="{14D29AC4-9FA0-444D-8EE4-E85DEB5E57A2}" destId="{2874E84B-9605-494F-B813-85A702BFCF0F}" srcOrd="0" destOrd="2" presId="urn:microsoft.com/office/officeart/2011/layout/TabList"/>
-    <dgm:cxn modelId="{D1EABC93-08A9-4A6F-84B0-B428BA9969D7}" type="presOf" srcId="{D4A5DE5E-27AD-4B23-B1EC-53CFB1739A11}" destId="{2874E84B-9605-494F-B813-85A702BFCF0F}" srcOrd="0" destOrd="1" presId="urn:microsoft.com/office/officeart/2011/layout/TabList"/>
-    <dgm:cxn modelId="{576B1C0C-BC74-4AB0-84AC-D638255D8C52}" srcId="{2F4105CE-F831-4489-A38E-EA308F965E1A}" destId="{E2EDF958-A636-4721-91E2-1009161BE1BC}" srcOrd="3" destOrd="0" parTransId="{56017F76-3EE4-4B10-980E-2962F4DDFEEC}" sibTransId="{D4D47A36-D2AE-41C2-A545-1538EA1F1179}"/>
-    <dgm:cxn modelId="{3DB12D0E-B496-47AC-B9D8-B8B2B6369FEF}" srcId="{6B0EF60D-A0B1-46C5-9677-4BEA810977D2}" destId="{03E9865A-20D2-4CF6-AA88-EF74E4A16F4A}" srcOrd="2" destOrd="0" parTransId="{8248E5BD-5697-4B1E-BCB4-ABC0B2D8E72E}" sibTransId="{EEBE7D8C-BEE1-4AE3-A6A1-B72D470C50D8}"/>
-    <dgm:cxn modelId="{6546E246-748E-4D89-8B27-C6C10AA3AC70}" type="presOf" srcId="{ADA4DD4E-A13B-4B3A-BF0B-6A9868DD9270}" destId="{269C0782-BA35-4C3A-B295-D76ACD031E2B}" srcOrd="0" destOrd="1" presId="urn:microsoft.com/office/officeart/2011/layout/TabList"/>
-    <dgm:cxn modelId="{5B81B842-285D-4C21-BC2F-2555AB323F47}" srcId="{19EF64AF-D0D9-429E-86D3-4CE7A62D9930}" destId="{14D29AC4-9FA0-444D-8EE4-E85DEB5E57A2}" srcOrd="3" destOrd="0" parTransId="{8F845681-B05B-4E32-AD5D-21295FC02A07}" sibTransId="{EE9BAB10-D308-456A-ADB5-78C6FFFB97E6}"/>
+    <dgm:cxn modelId="{C40B86E0-D802-4C2B-9B30-FF087E46B20A}" srcId="{2F4105CE-F831-4489-A38E-EA308F965E1A}" destId="{A990AE2A-665D-4A90-91E6-8CAE69B9C799}" srcOrd="1" destOrd="0" parTransId="{C4D8ABC1-84E3-45E5-AE1D-9D540D360E76}" sibTransId="{6B7AAB65-DFF8-472A-BB24-DFEC163070BA}"/>
+    <dgm:cxn modelId="{6FBD327E-F3DD-4D5F-892E-365E295EB833}" type="presOf" srcId="{DCB77698-D8A7-43AE-8C12-88D22546D4E0}" destId="{9059B661-BA02-491A-9141-4597C2088440}" srcOrd="0" destOrd="0" presId="urn:microsoft.com/office/officeart/2011/layout/TabList"/>
+    <dgm:cxn modelId="{A9F942E9-1197-421A-8955-236A83F08879}" type="presOf" srcId="{6B0EF60D-A0B1-46C5-9677-4BEA810977D2}" destId="{79569B4D-C26F-4F14-9A58-54D0240E4532}" srcOrd="0" destOrd="0" presId="urn:microsoft.com/office/officeart/2011/layout/TabList"/>
+    <dgm:cxn modelId="{9E0BBC12-F01A-46AF-A765-697A5062C11D}" type="presOf" srcId="{54C77FC2-06D5-494F-88FF-639A9A2ADF2B}" destId="{BDDE8257-E413-4550-9DF4-ACE5D4DAF407}" srcOrd="0" destOrd="0" presId="urn:microsoft.com/office/officeart/2011/layout/TabList"/>
+    <dgm:cxn modelId="{08D37855-A906-4ED9-B03D-BFDBE60EF8C7}" srcId="{6B0EF60D-A0B1-46C5-9677-4BEA810977D2}" destId="{FCB9211A-ECAF-4092-9AF3-4A80464FEEEF}" srcOrd="0" destOrd="0" parTransId="{96E2E2CF-28EB-47BD-B8D8-43FB5B4BBC76}" sibTransId="{80A46D5D-E138-4619-973A-52836DB4B626}"/>
+    <dgm:cxn modelId="{272F4F47-B6F0-44E6-BE53-1E568010F73F}" srcId="{6B0EF60D-A0B1-46C5-9677-4BEA810977D2}" destId="{432382F3-03DD-4963-A6A5-C32D1C07F990}" srcOrd="1" destOrd="0" parTransId="{428261C4-B743-4CC1-8298-2B59764B7274}" sibTransId="{19522E25-3C1D-4596-9D61-BE8AA7854562}"/>
+    <dgm:cxn modelId="{6AEA36B3-723E-4C26-991B-32293EC4977D}" srcId="{DCB77698-D8A7-43AE-8C12-88D22546D4E0}" destId="{F6CCDE68-20A3-48C9-9929-36D9326E50C7}" srcOrd="1" destOrd="0" parTransId="{6D777BDB-A14B-4CB9-848E-609F2B89797D}" sibTransId="{E73E6EC1-A77B-4806-AF59-F300788A17A6}"/>
+    <dgm:cxn modelId="{9C741026-5DFA-48E0-BCB8-618D95B45615}" srcId="{2F4105CE-F831-4489-A38E-EA308F965E1A}" destId="{28A4433D-892C-4392-A0C9-31AA297B23D1}" srcOrd="2" destOrd="0" parTransId="{38F9BBF9-BEAA-4EF2-A10C-767F24A70094}" sibTransId="{FF662DDE-5536-4F81-B4BD-F479E8E272D8}"/>
+    <dgm:cxn modelId="{C53AA40F-C7B5-48B1-9833-6AADD820240F}" srcId="{DCB77698-D8A7-43AE-8C12-88D22546D4E0}" destId="{ADA4DD4E-A13B-4B3A-BF0B-6A9868DD9270}" srcOrd="2" destOrd="0" parTransId="{A69BEB30-D4D0-4373-A980-FBE1B2210F40}" sibTransId="{31FC63FF-B7FD-42AA-95A2-FED2E149343F}"/>
+    <dgm:cxn modelId="{EA29C83E-1DCA-4FBB-975D-0E40E46D2194}" type="presOf" srcId="{432382F3-03DD-4963-A6A5-C32D1C07F990}" destId="{F2E5F12B-CEBA-404F-BC59-D0A75B115C1F}" srcOrd="0" destOrd="0" presId="urn:microsoft.com/office/officeart/2011/layout/TabList"/>
+    <dgm:cxn modelId="{2367FF4F-D248-4F58-A0D9-784D3549B7D2}" type="presOf" srcId="{F6CCDE68-20A3-48C9-9929-36D9326E50C7}" destId="{269C0782-BA35-4C3A-B295-D76ACD031E2B}" srcOrd="0" destOrd="0" presId="urn:microsoft.com/office/officeart/2011/layout/TabList"/>
+    <dgm:cxn modelId="{AD10BF23-1E69-4909-B6FA-24F65C0F2B83}" type="presOf" srcId="{28A4433D-892C-4392-A0C9-31AA297B23D1}" destId="{ABD9F4AA-584A-4C32-8AC6-1F842D5E3471}" srcOrd="0" destOrd="1" presId="urn:microsoft.com/office/officeart/2011/layout/TabList"/>
+    <dgm:cxn modelId="{96A20728-4B71-426D-8207-8D974A3F5B06}" srcId="{84789903-61AF-4F8F-9430-490306DDBEA0}" destId="{6B0EF60D-A0B1-46C5-9677-4BEA810977D2}" srcOrd="2" destOrd="0" parTransId="{DF3844A8-4E17-463F-BAAD-4ACB2C215D90}" sibTransId="{9DADB796-DA90-4478-BCA3-5929CA4ED0C6}"/>
+    <dgm:cxn modelId="{FB51F38E-5F9F-4D3E-BF90-82BB4C1D2DB9}" type="presOf" srcId="{6992769E-C929-46E1-B5DC-0D224D6E5340}" destId="{F82F5449-D542-4810-B467-43A5C2614DD5}" srcOrd="0" destOrd="0" presId="urn:microsoft.com/office/officeart/2011/layout/TabList"/>
+    <dgm:cxn modelId="{E50B4537-4222-4FA6-86D6-900B232A905B}" srcId="{84789903-61AF-4F8F-9430-490306DDBEA0}" destId="{DCB77698-D8A7-43AE-8C12-88D22546D4E0}" srcOrd="3" destOrd="0" parTransId="{0256383B-FBF2-49F0-935C-E17EB2C4D7C4}" sibTransId="{866D160B-DB4E-4FF6-BF8A-FD0216203DA1}"/>
+    <dgm:cxn modelId="{EC26D4FA-8D0A-4965-860E-E576DA3FE7C2}" srcId="{84789903-61AF-4F8F-9430-490306DDBEA0}" destId="{2F4105CE-F831-4489-A38E-EA308F965E1A}" srcOrd="1" destOrd="0" parTransId="{B2367E5B-DF6B-423A-8C73-6C51AA905F42}" sibTransId="{42FAF69B-DD6C-4C4C-A008-7959F807FCD6}"/>
     <dgm:cxn modelId="{2F47F51D-5D99-460D-A41A-7BA1B38FCB61}" type="presParOf" srcId="{8937854E-C94A-470E-AB4D-2D1BF4D6EC0A}" destId="{63CF07DF-294E-4215-9B6C-5C3BCCC45688}" srcOrd="0" destOrd="0" presId="urn:microsoft.com/office/officeart/2011/layout/TabList"/>
     <dgm:cxn modelId="{01393574-0C7D-4580-B867-B93CADED6C7E}" type="presParOf" srcId="{63CF07DF-294E-4215-9B6C-5C3BCCC45688}" destId="{F82F5449-D542-4810-B467-43A5C2614DD5}" srcOrd="0" destOrd="0" presId="urn:microsoft.com/office/officeart/2011/layout/TabList"/>
     <dgm:cxn modelId="{2A2C2DA9-9F74-4E94-9167-80C01FF3DC10}" type="presParOf" srcId="{63CF07DF-294E-4215-9B6C-5C3BCCC45688}" destId="{B06197F1-B041-4747-A702-99E72A52C66D}" srcOrd="1" destOrd="0" presId="urn:microsoft.com/office/officeart/2011/layout/TabList"/>
@@ -3665,7 +3695,7 @@
       </dsp:nvSpPr>
       <dsp:spPr>
         <a:xfrm>
-          <a:off x="0" y="3280405"/>
+          <a:off x="0" y="3513318"/>
           <a:ext cx="4114800" cy="0"/>
         </a:xfrm>
         <a:prstGeom prst="line">
@@ -3706,7 +3736,7 @@
       </dsp:nvSpPr>
       <dsp:spPr>
         <a:xfrm>
-          <a:off x="0" y="2294867"/>
+          <a:off x="0" y="2457806"/>
           <a:ext cx="4114800" cy="0"/>
         </a:xfrm>
         <a:prstGeom prst="line">
@@ -3747,7 +3777,7 @@
       </dsp:nvSpPr>
       <dsp:spPr>
         <a:xfrm>
-          <a:off x="0" y="1309330"/>
+          <a:off x="0" y="1402294"/>
           <a:ext cx="4114800" cy="0"/>
         </a:xfrm>
         <a:prstGeom prst="line">
@@ -3788,7 +3818,7 @@
       </dsp:nvSpPr>
       <dsp:spPr>
         <a:xfrm>
-          <a:off x="0" y="323792"/>
+          <a:off x="0" y="346782"/>
           <a:ext cx="4114800" cy="0"/>
         </a:xfrm>
         <a:prstGeom prst="line">
@@ -3829,8 +3859,8 @@
       </dsp:nvSpPr>
       <dsp:spPr>
         <a:xfrm>
-          <a:off x="1167225" y="697"/>
-          <a:ext cx="2850196" cy="323095"/>
+          <a:off x="1167225" y="747"/>
+          <a:ext cx="2850196" cy="346035"/>
         </a:xfrm>
         <a:prstGeom prst="rect">
           <a:avLst/>
@@ -3854,12 +3884,12 @@
         <a:fontRef idx="minor"/>
       </dsp:style>
       <dsp:txBody>
-        <a:bodyPr spcFirstLastPara="0" vert="horz" wrap="square" lIns="19050" tIns="19050" rIns="19050" bIns="19050" numCol="1" spcCol="1270" anchor="b" anchorCtr="0">
+        <a:bodyPr spcFirstLastPara="0" vert="horz" wrap="square" lIns="20955" tIns="20955" rIns="20955" bIns="20955" numCol="1" spcCol="1270" anchor="b" anchorCtr="0">
           <a:noAutofit/>
         </a:bodyPr>
         <a:lstStyle/>
         <a:p>
-          <a:pPr lvl="0" algn="l" defTabSz="444500">
+          <a:pPr lvl="0" algn="l" defTabSz="488950">
             <a:lnSpc>
               <a:spcPct val="90000"/>
             </a:lnSpc>
@@ -3871,15 +3901,15 @@
             </a:spcAft>
           </a:pPr>
           <a:r>
-            <a:rPr lang="en-US" sz="1000" kern="1200" dirty="0" smtClean="0"/>
+            <a:rPr lang="en-US" sz="1100" b="1" kern="1200" dirty="0" smtClean="0"/>
             <a:t>America’s enemies will take advantage of this situation and eradicate our way of life.</a:t>
           </a:r>
-          <a:endParaRPr lang="en-US" sz="1000" kern="1200" dirty="0"/>
+          <a:endParaRPr lang="en-US" sz="1100" b="1" kern="1200" dirty="0"/>
         </a:p>
       </dsp:txBody>
       <dsp:txXfrm>
-        <a:off x="1167225" y="697"/>
-        <a:ext cx="2850196" cy="323095"/>
+        <a:off x="1167225" y="747"/>
+        <a:ext cx="2850196" cy="346035"/>
       </dsp:txXfrm>
     </dsp:sp>
     <dsp:sp modelId="{8DF5D93B-DC31-4D2E-91E9-BD58313DDF36}">
@@ -3889,8 +3919,8 @@
       </dsp:nvSpPr>
       <dsp:spPr>
         <a:xfrm>
-          <a:off x="0" y="697"/>
-          <a:ext cx="1069848" cy="323095"/>
+          <a:off x="0" y="747"/>
+          <a:ext cx="1069848" cy="346035"/>
         </a:xfrm>
         <a:prstGeom prst="round2SameRect">
           <a:avLst>
@@ -3934,12 +3964,12 @@
         </a:fontRef>
       </dsp:style>
       <dsp:txBody>
-        <a:bodyPr spcFirstLastPara="0" vert="horz" wrap="square" lIns="17145" tIns="17145" rIns="17145" bIns="17145" numCol="1" spcCol="1270" anchor="ctr" anchorCtr="0">
+        <a:bodyPr spcFirstLastPara="0" vert="horz" wrap="square" lIns="20955" tIns="20955" rIns="20955" bIns="20955" numCol="1" spcCol="1270" anchor="ctr" anchorCtr="0">
           <a:noAutofit/>
         </a:bodyPr>
         <a:lstStyle/>
         <a:p>
-          <a:pPr lvl="0" algn="ctr" defTabSz="400050">
+          <a:pPr lvl="0" algn="ctr" defTabSz="488950">
             <a:lnSpc>
               <a:spcPct val="90000"/>
             </a:lnSpc>
@@ -3951,19 +3981,15 @@
             </a:spcAft>
           </a:pPr>
           <a:r>
-            <a:rPr lang="en-US" sz="900" kern="1200" dirty="0" smtClean="0"/>
-            <a:t>Mob at </a:t>
+            <a:rPr lang="en-US" sz="1100" b="1" kern="1200" dirty="0" smtClean="0"/>
+            <a:t>Mob at the Gates</a:t>
           </a:r>
-          <a:r>
-            <a:rPr lang="en-US" sz="1000" kern="1200" dirty="0" smtClean="0"/>
-            <a:t>the Gates</a:t>
-          </a:r>
-          <a:endParaRPr lang="en-US" sz="1000" kern="1200" dirty="0"/>
+          <a:endParaRPr lang="en-US" sz="1100" b="1" kern="1200" dirty="0"/>
         </a:p>
       </dsp:txBody>
       <dsp:txXfrm>
-        <a:off x="15775" y="16472"/>
-        <a:ext cx="1038298" cy="307320"/>
+        <a:off x="16895" y="17642"/>
+        <a:ext cx="1036058" cy="329140"/>
       </dsp:txXfrm>
     </dsp:sp>
     <dsp:sp modelId="{ABD9F4AA-584A-4C32-8AC6-1F842D5E3471}">
@@ -3973,8 +3999,8 @@
       </dsp:nvSpPr>
       <dsp:spPr>
         <a:xfrm>
-          <a:off x="0" y="323792"/>
-          <a:ext cx="4114800" cy="646287"/>
+          <a:off x="0" y="346782"/>
+          <a:ext cx="4114800" cy="692174"/>
         </a:xfrm>
         <a:prstGeom prst="rect">
           <a:avLst/>
@@ -3998,12 +4024,12 @@
         <a:fontRef idx="minor"/>
       </dsp:style>
       <dsp:txBody>
-        <a:bodyPr spcFirstLastPara="0" vert="horz" wrap="square" lIns="19050" tIns="19050" rIns="19050" bIns="19050" numCol="1" spcCol="1270" anchor="t" anchorCtr="0">
+        <a:bodyPr spcFirstLastPara="0" vert="horz" wrap="square" lIns="20955" tIns="20955" rIns="20955" bIns="20955" numCol="1" spcCol="1270" anchor="t" anchorCtr="0">
           <a:noAutofit/>
         </a:bodyPr>
         <a:lstStyle/>
         <a:p>
-          <a:pPr marL="57150" lvl="1" indent="-57150" algn="l" defTabSz="444500">
+          <a:pPr marL="57150" lvl="1" indent="-57150" algn="l" defTabSz="488950">
             <a:lnSpc>
               <a:spcPct val="90000"/>
             </a:lnSpc>
@@ -4016,13 +4042,13 @@
             <a:buChar char="••"/>
           </a:pPr>
           <a:r>
-            <a:rPr lang="en-US" sz="1000" kern="1200" dirty="0" smtClean="0"/>
+            <a:rPr lang="en-US" sz="1100" kern="1200" dirty="0" smtClean="0"/>
             <a:t>Small business owners</a:t>
           </a:r>
-          <a:endParaRPr lang="en-US" sz="1000" kern="1200" dirty="0"/>
-        </a:p>
-        <a:p>
-          <a:pPr marL="57150" lvl="1" indent="-57150" algn="l" defTabSz="444500">
+          <a:endParaRPr lang="en-US" sz="1100" kern="1200" dirty="0"/>
+        </a:p>
+        <a:p>
+          <a:pPr marL="57150" lvl="1" indent="-57150" algn="l" defTabSz="488950">
             <a:lnSpc>
               <a:spcPct val="90000"/>
             </a:lnSpc>
@@ -4035,15 +4061,15 @@
             <a:buChar char="••"/>
           </a:pPr>
           <a:r>
-            <a:rPr lang="en-US" sz="1000" kern="1200" dirty="0" smtClean="0"/>
+            <a:rPr lang="en-US" sz="1100" kern="1200" dirty="0" smtClean="0"/>
             <a:t>Administrator of the U.S. Small Business Administration</a:t>
           </a:r>
-          <a:endParaRPr lang="en-US" sz="1000" kern="1200" dirty="0"/>
+          <a:endParaRPr lang="en-US" sz="1100" kern="1200" dirty="0"/>
         </a:p>
       </dsp:txBody>
       <dsp:txXfrm>
-        <a:off x="0" y="323792"/>
-        <a:ext cx="4114800" cy="646287"/>
+        <a:off x="0" y="346782"/>
+        <a:ext cx="4114800" cy="692174"/>
       </dsp:txXfrm>
     </dsp:sp>
     <dsp:sp modelId="{F82F5449-D542-4810-B467-43A5C2614DD5}">
@@ -4053,8 +4079,8 @@
       </dsp:nvSpPr>
       <dsp:spPr>
         <a:xfrm>
-          <a:off x="1167225" y="986234"/>
-          <a:ext cx="2850196" cy="323095"/>
+          <a:off x="1167225" y="1056258"/>
+          <a:ext cx="2850196" cy="346035"/>
         </a:xfrm>
         <a:prstGeom prst="rect">
           <a:avLst/>
@@ -4078,12 +4104,12 @@
         <a:fontRef idx="minor"/>
       </dsp:style>
       <dsp:txBody>
-        <a:bodyPr spcFirstLastPara="0" vert="horz" wrap="square" lIns="19050" tIns="19050" rIns="19050" bIns="19050" numCol="1" spcCol="1270" anchor="b" anchorCtr="0">
+        <a:bodyPr spcFirstLastPara="0" vert="horz" wrap="square" lIns="20955" tIns="20955" rIns="20955" bIns="20955" numCol="1" spcCol="1270" anchor="b" anchorCtr="0">
           <a:noAutofit/>
         </a:bodyPr>
         <a:lstStyle/>
         <a:p>
-          <a:pPr lvl="0" algn="l" defTabSz="444500">
+          <a:pPr lvl="0" algn="l" defTabSz="488950">
             <a:lnSpc>
               <a:spcPct val="90000"/>
             </a:lnSpc>
@@ -4095,15 +4121,15 @@
             </a:spcAft>
           </a:pPr>
           <a:r>
-            <a:rPr lang="en-US" sz="1000" kern="1200" dirty="0" smtClean="0"/>
+            <a:rPr lang="en-US" sz="1100" b="1" kern="1200" dirty="0" smtClean="0"/>
             <a:t>Contract administrators are discriminating against small businesses to make things easier for themselves.</a:t>
           </a:r>
-          <a:endParaRPr lang="en-US" sz="1000" kern="1200" dirty="0"/>
+          <a:endParaRPr lang="en-US" sz="1100" b="1" kern="1200" dirty="0"/>
         </a:p>
       </dsp:txBody>
       <dsp:txXfrm>
-        <a:off x="1167225" y="986234"/>
-        <a:ext cx="2850196" cy="323095"/>
+        <a:off x="1167225" y="1056258"/>
+        <a:ext cx="2850196" cy="346035"/>
       </dsp:txXfrm>
     </dsp:sp>
     <dsp:sp modelId="{B06197F1-B041-4747-A702-99E72A52C66D}">
@@ -4113,8 +4139,8 @@
       </dsp:nvSpPr>
       <dsp:spPr>
         <a:xfrm>
-          <a:off x="0" y="986234"/>
-          <a:ext cx="1069848" cy="323095"/>
+          <a:off x="0" y="1056258"/>
+          <a:ext cx="1069848" cy="346035"/>
         </a:xfrm>
         <a:prstGeom prst="round2SameRect">
           <a:avLst>
@@ -4158,12 +4184,12 @@
         </a:fontRef>
       </dsp:style>
       <dsp:txBody>
-        <a:bodyPr spcFirstLastPara="0" vert="horz" wrap="square" lIns="19050" tIns="19050" rIns="19050" bIns="19050" numCol="1" spcCol="1270" anchor="ctr" anchorCtr="0">
+        <a:bodyPr spcFirstLastPara="0" vert="horz" wrap="square" lIns="20955" tIns="20955" rIns="20955" bIns="20955" numCol="1" spcCol="1270" anchor="ctr" anchorCtr="0">
           <a:noAutofit/>
         </a:bodyPr>
         <a:lstStyle/>
         <a:p>
-          <a:pPr lvl="0" algn="ctr" defTabSz="444500">
+          <a:pPr lvl="0" algn="ctr" defTabSz="488950">
             <a:lnSpc>
               <a:spcPct val="90000"/>
             </a:lnSpc>
@@ -4175,15 +4201,15 @@
             </a:spcAft>
           </a:pPr>
           <a:r>
-            <a:rPr lang="en-US" sz="1000" kern="1200" dirty="0" smtClean="0"/>
+            <a:rPr lang="en-US" sz="1100" b="1" kern="1200" dirty="0" smtClean="0"/>
             <a:t>Rot at the Top</a:t>
           </a:r>
-          <a:endParaRPr lang="en-US" sz="1000" kern="1200" dirty="0"/>
+          <a:endParaRPr lang="en-US" sz="1100" b="1" kern="1200" dirty="0"/>
         </a:p>
       </dsp:txBody>
       <dsp:txXfrm>
-        <a:off x="15775" y="1002009"/>
-        <a:ext cx="1038298" cy="307320"/>
+        <a:off x="16895" y="1073153"/>
+        <a:ext cx="1036058" cy="329140"/>
       </dsp:txXfrm>
     </dsp:sp>
     <dsp:sp modelId="{2874E84B-9605-494F-B813-85A702BFCF0F}">
@@ -4193,8 +4219,8 @@
       </dsp:nvSpPr>
       <dsp:spPr>
         <a:xfrm>
-          <a:off x="0" y="1309330"/>
-          <a:ext cx="4114800" cy="646287"/>
+          <a:off x="0" y="1402294"/>
+          <a:ext cx="4114800" cy="692174"/>
         </a:xfrm>
         <a:prstGeom prst="rect">
           <a:avLst/>
@@ -4218,12 +4244,12 @@
         <a:fontRef idx="minor"/>
       </dsp:style>
       <dsp:txBody>
-        <a:bodyPr spcFirstLastPara="0" vert="horz" wrap="square" lIns="19050" tIns="19050" rIns="19050" bIns="19050" numCol="1" spcCol="1270" anchor="t" anchorCtr="0">
+        <a:bodyPr spcFirstLastPara="0" vert="horz" wrap="square" lIns="20955" tIns="20955" rIns="20955" bIns="20955" numCol="1" spcCol="1270" anchor="t" anchorCtr="0">
           <a:noAutofit/>
         </a:bodyPr>
         <a:lstStyle/>
         <a:p>
-          <a:pPr marL="57150" lvl="1" indent="-57150" algn="l" defTabSz="444500">
+          <a:pPr marL="57150" lvl="1" indent="-57150" algn="l" defTabSz="488950">
             <a:lnSpc>
               <a:spcPct val="90000"/>
             </a:lnSpc>
@@ -4236,13 +4262,13 @@
             <a:buChar char="••"/>
           </a:pPr>
           <a:r>
-            <a:rPr lang="en-US" sz="1000" kern="1200" dirty="0" smtClean="0"/>
+            <a:rPr lang="en-US" sz="1100" kern="1200" dirty="0" smtClean="0"/>
             <a:t>Small business owners</a:t>
           </a:r>
-          <a:endParaRPr lang="en-US" sz="1000" kern="1200" dirty="0"/>
-        </a:p>
-        <a:p>
-          <a:pPr marL="57150" lvl="1" indent="-57150" algn="l" defTabSz="444500">
+          <a:endParaRPr lang="en-US" sz="1100" kern="1200" dirty="0"/>
+        </a:p>
+        <a:p>
+          <a:pPr marL="57150" lvl="1" indent="-57150" algn="l" defTabSz="488950">
             <a:lnSpc>
               <a:spcPct val="90000"/>
             </a:lnSpc>
@@ -4255,15 +4281,15 @@
             <a:buChar char="••"/>
           </a:pPr>
           <a:r>
-            <a:rPr lang="en-US" sz="1000" kern="1200" dirty="0" smtClean="0"/>
+            <a:rPr lang="en-US" sz="1100" kern="1200" dirty="0" smtClean="0"/>
             <a:t>Executives of large businesses</a:t>
           </a:r>
-          <a:endParaRPr lang="en-US" sz="1000" kern="1200" dirty="0"/>
+          <a:endParaRPr lang="en-US" sz="1100" kern="1200" dirty="0"/>
         </a:p>
       </dsp:txBody>
       <dsp:txXfrm>
-        <a:off x="0" y="1309330"/>
-        <a:ext cx="4114800" cy="646287"/>
+        <a:off x="0" y="1402294"/>
+        <a:ext cx="4114800" cy="692174"/>
       </dsp:txXfrm>
     </dsp:sp>
     <dsp:sp modelId="{76F4CE38-89D0-4EAB-9E94-FD08C47879E4}">
@@ -4273,8 +4299,8 @@
       </dsp:nvSpPr>
       <dsp:spPr>
         <a:xfrm>
-          <a:off x="1167225" y="1971772"/>
-          <a:ext cx="2850196" cy="323095"/>
+          <a:off x="1167225" y="2111770"/>
+          <a:ext cx="2850196" cy="346035"/>
         </a:xfrm>
         <a:prstGeom prst="rect">
           <a:avLst/>
@@ -4298,12 +4324,12 @@
         <a:fontRef idx="minor"/>
       </dsp:style>
       <dsp:txBody>
-        <a:bodyPr spcFirstLastPara="0" vert="horz" wrap="square" lIns="19050" tIns="19050" rIns="19050" bIns="19050" numCol="1" spcCol="1270" anchor="b" anchorCtr="0">
+        <a:bodyPr spcFirstLastPara="0" vert="horz" wrap="square" lIns="20955" tIns="20955" rIns="20955" bIns="20955" numCol="1" spcCol="1270" anchor="b" anchorCtr="0">
           <a:noAutofit/>
         </a:bodyPr>
         <a:lstStyle/>
         <a:p>
-          <a:pPr lvl="0" algn="l" defTabSz="444500">
+          <a:pPr lvl="0" algn="l" defTabSz="488950">
             <a:lnSpc>
               <a:spcPct val="90000"/>
             </a:lnSpc>
@@ -4315,15 +4341,15 @@
             </a:spcAft>
           </a:pPr>
           <a:r>
-            <a:rPr lang="en-US" sz="1000" kern="1200" dirty="0" smtClean="0"/>
+            <a:rPr lang="en-US" sz="1100" b="1" kern="1200" dirty="0" smtClean="0"/>
             <a:t>America used to have a growing economy and unquestioned global dominance.</a:t>
           </a:r>
-          <a:endParaRPr lang="en-US" sz="1000" kern="1200" dirty="0"/>
+          <a:endParaRPr lang="en-US" sz="1100" b="1" kern="1200" dirty="0"/>
         </a:p>
       </dsp:txBody>
       <dsp:txXfrm>
-        <a:off x="1167225" y="1971772"/>
-        <a:ext cx="2850196" cy="323095"/>
+        <a:off x="1167225" y="2111770"/>
+        <a:ext cx="2850196" cy="346035"/>
       </dsp:txXfrm>
     </dsp:sp>
     <dsp:sp modelId="{79569B4D-C26F-4F14-9A58-54D0240E4532}">
@@ -4333,8 +4359,8 @@
       </dsp:nvSpPr>
       <dsp:spPr>
         <a:xfrm>
-          <a:off x="0" y="1971772"/>
-          <a:ext cx="1069848" cy="323095"/>
+          <a:off x="0" y="2111770"/>
+          <a:ext cx="1069848" cy="346035"/>
         </a:xfrm>
         <a:prstGeom prst="round2SameRect">
           <a:avLst>
@@ -4378,12 +4404,12 @@
         </a:fontRef>
       </dsp:style>
       <dsp:txBody>
-        <a:bodyPr spcFirstLastPara="0" vert="horz" wrap="square" lIns="19050" tIns="19050" rIns="19050" bIns="19050" numCol="1" spcCol="1270" anchor="ctr" anchorCtr="0">
+        <a:bodyPr spcFirstLastPara="0" vert="horz" wrap="square" lIns="20955" tIns="20955" rIns="20955" bIns="20955" numCol="1" spcCol="1270" anchor="ctr" anchorCtr="0">
           <a:noAutofit/>
         </a:bodyPr>
         <a:lstStyle/>
         <a:p>
-          <a:pPr lvl="0" algn="ctr" defTabSz="444500">
+          <a:pPr lvl="0" algn="ctr" defTabSz="488950">
             <a:lnSpc>
               <a:spcPct val="90000"/>
             </a:lnSpc>
@@ -4395,15 +4421,15 @@
             </a:spcAft>
           </a:pPr>
           <a:r>
-            <a:rPr lang="en-US" sz="1000" kern="1200" dirty="0" smtClean="0"/>
+            <a:rPr lang="en-US" sz="1100" b="1" kern="1200" dirty="0" smtClean="0"/>
             <a:t>Decline Narrative</a:t>
           </a:r>
-          <a:endParaRPr lang="en-US" sz="1000" kern="1200" dirty="0"/>
+          <a:endParaRPr lang="en-US" sz="1100" b="1" kern="1200" dirty="0"/>
         </a:p>
       </dsp:txBody>
       <dsp:txXfrm>
-        <a:off x="15775" y="1987547"/>
-        <a:ext cx="1038298" cy="307320"/>
+        <a:off x="16895" y="2128665"/>
+        <a:ext cx="1036058" cy="329140"/>
       </dsp:txXfrm>
     </dsp:sp>
     <dsp:sp modelId="{F2E5F12B-CEBA-404F-BC59-D0A75B115C1F}">
@@ -4413,8 +4439,8 @@
       </dsp:nvSpPr>
       <dsp:spPr>
         <a:xfrm>
-          <a:off x="0" y="2294867"/>
-          <a:ext cx="4114800" cy="646287"/>
+          <a:off x="0" y="2457806"/>
+          <a:ext cx="4114800" cy="692174"/>
         </a:xfrm>
         <a:prstGeom prst="rect">
           <a:avLst/>
@@ -4438,12 +4464,12 @@
         <a:fontRef idx="minor"/>
       </dsp:style>
       <dsp:txBody>
-        <a:bodyPr spcFirstLastPara="0" vert="horz" wrap="square" lIns="19050" tIns="19050" rIns="19050" bIns="19050" numCol="1" spcCol="1270" anchor="t" anchorCtr="0">
+        <a:bodyPr spcFirstLastPara="0" vert="horz" wrap="square" lIns="20955" tIns="20955" rIns="20955" bIns="20955" numCol="1" spcCol="1270" anchor="t" anchorCtr="0">
           <a:noAutofit/>
         </a:bodyPr>
         <a:lstStyle/>
         <a:p>
-          <a:pPr marL="57150" lvl="1" indent="-57150" algn="l" defTabSz="444500">
+          <a:pPr marL="57150" lvl="1" indent="-57150" algn="l" defTabSz="488950">
             <a:lnSpc>
               <a:spcPct val="90000"/>
             </a:lnSpc>
@@ -4456,13 +4482,13 @@
             <a:buChar char="••"/>
           </a:pPr>
           <a:r>
-            <a:rPr lang="en-US" sz="1000" kern="1200" dirty="0" smtClean="0"/>
+            <a:rPr lang="en-US" sz="1100" kern="1200" dirty="0" smtClean="0"/>
             <a:t>Small business owners</a:t>
           </a:r>
-          <a:endParaRPr lang="en-US" sz="1000" kern="1200" dirty="0"/>
-        </a:p>
-        <a:p>
-          <a:pPr marL="57150" lvl="1" indent="-57150" algn="l" defTabSz="444500">
+          <a:endParaRPr lang="en-US" sz="1100" kern="1200" dirty="0"/>
+        </a:p>
+        <a:p>
+          <a:pPr marL="57150" lvl="1" indent="-57150" algn="l" defTabSz="488950">
             <a:lnSpc>
               <a:spcPct val="90000"/>
             </a:lnSpc>
@@ -4475,13 +4501,13 @@
             <a:buChar char="••"/>
           </a:pPr>
           <a:r>
-            <a:rPr lang="en-US" sz="1000" kern="1200" dirty="0" smtClean="0"/>
+            <a:rPr lang="en-US" sz="1100" kern="1200" dirty="0" smtClean="0"/>
             <a:t>Small business advocacy organizations</a:t>
           </a:r>
-          <a:endParaRPr lang="en-US" sz="1000" kern="1200" dirty="0"/>
-        </a:p>
-        <a:p>
-          <a:pPr marL="57150" lvl="1" indent="-57150" algn="l" defTabSz="444500">
+          <a:endParaRPr lang="en-US" sz="1100" kern="1200" dirty="0"/>
+        </a:p>
+        <a:p>
+          <a:pPr marL="57150" lvl="1" indent="-57150" algn="l" defTabSz="488950">
             <a:lnSpc>
               <a:spcPct val="90000"/>
             </a:lnSpc>
@@ -4494,15 +4520,15 @@
             <a:buChar char="••"/>
           </a:pPr>
           <a:r>
-            <a:rPr lang="en-US" sz="1000" kern="1200" dirty="0" smtClean="0"/>
+            <a:rPr lang="en-US" sz="1100" kern="1200" dirty="0" smtClean="0"/>
             <a:t>Administrator of the U.S. Small Business Administration</a:t>
           </a:r>
-          <a:endParaRPr lang="en-US" sz="1000" kern="1200" dirty="0"/>
+          <a:endParaRPr lang="en-US" sz="1100" kern="1200" dirty="0"/>
         </a:p>
       </dsp:txBody>
       <dsp:txXfrm>
-        <a:off x="0" y="2294867"/>
-        <a:ext cx="4114800" cy="646287"/>
+        <a:off x="0" y="2457806"/>
+        <a:ext cx="4114800" cy="692174"/>
       </dsp:txXfrm>
     </dsp:sp>
     <dsp:sp modelId="{BDDE8257-E413-4550-9DF4-ACE5D4DAF407}">
@@ -4512,8 +4538,8 @@
       </dsp:nvSpPr>
       <dsp:spPr>
         <a:xfrm>
-          <a:off x="1167225" y="2957309"/>
-          <a:ext cx="2850196" cy="323095"/>
+          <a:off x="1167225" y="3167282"/>
+          <a:ext cx="2850196" cy="346035"/>
         </a:xfrm>
         <a:prstGeom prst="rect">
           <a:avLst/>
@@ -4537,12 +4563,12 @@
         <a:fontRef idx="minor"/>
       </dsp:style>
       <dsp:txBody>
-        <a:bodyPr spcFirstLastPara="0" vert="horz" wrap="square" lIns="19050" tIns="19050" rIns="19050" bIns="19050" numCol="1" spcCol="1270" anchor="b" anchorCtr="0">
+        <a:bodyPr spcFirstLastPara="0" vert="horz" wrap="square" lIns="20955" tIns="20955" rIns="20955" bIns="20955" numCol="1" spcCol="1270" anchor="b" anchorCtr="0">
           <a:noAutofit/>
         </a:bodyPr>
         <a:lstStyle/>
         <a:p>
-          <a:pPr lvl="0" algn="l" defTabSz="444500">
+          <a:pPr lvl="0" algn="l" defTabSz="488950">
             <a:lnSpc>
               <a:spcPct val="90000"/>
             </a:lnSpc>
@@ -4554,15 +4580,15 @@
             </a:spcAft>
           </a:pPr>
           <a:r>
-            <a:rPr lang="en-US" sz="1000" kern="1200" dirty="0" smtClean="0"/>
+            <a:rPr lang="en-US" sz="1100" b="1" kern="1200" dirty="0" smtClean="0"/>
             <a:t>Small businesses are much more efficient innovators than large businesses.</a:t>
           </a:r>
-          <a:endParaRPr lang="en-US" sz="1000" kern="1200" dirty="0"/>
+          <a:endParaRPr lang="en-US" sz="1100" b="1" kern="1200" dirty="0"/>
         </a:p>
       </dsp:txBody>
       <dsp:txXfrm>
-        <a:off x="1167225" y="2957309"/>
-        <a:ext cx="2850196" cy="323095"/>
+        <a:off x="1167225" y="3167282"/>
+        <a:ext cx="2850196" cy="346035"/>
       </dsp:txXfrm>
     </dsp:sp>
     <dsp:sp modelId="{9059B661-BA02-491A-9141-4597C2088440}">
@@ -4572,8 +4598,8 @@
       </dsp:nvSpPr>
       <dsp:spPr>
         <a:xfrm>
-          <a:off x="0" y="2957309"/>
-          <a:ext cx="1069848" cy="323095"/>
+          <a:off x="0" y="3167282"/>
+          <a:ext cx="1069848" cy="346035"/>
         </a:xfrm>
         <a:prstGeom prst="round2SameRect">
           <a:avLst>
@@ -4617,12 +4643,12 @@
         </a:fontRef>
       </dsp:style>
       <dsp:txBody>
-        <a:bodyPr spcFirstLastPara="0" vert="horz" wrap="square" lIns="19050" tIns="19050" rIns="19050" bIns="19050" numCol="1" spcCol="1270" anchor="ctr" anchorCtr="0">
+        <a:bodyPr spcFirstLastPara="0" vert="horz" wrap="square" lIns="20955" tIns="20955" rIns="20955" bIns="20955" numCol="1" spcCol="1270" anchor="ctr" anchorCtr="0">
           <a:noAutofit/>
         </a:bodyPr>
         <a:lstStyle/>
         <a:p>
-          <a:pPr lvl="0" algn="ctr" defTabSz="444500">
+          <a:pPr lvl="0" algn="ctr" defTabSz="488950">
             <a:lnSpc>
               <a:spcPct val="90000"/>
             </a:lnSpc>
@@ -4634,15 +4660,15 @@
             </a:spcAft>
           </a:pPr>
           <a:r>
-            <a:rPr lang="en-US" sz="1000" kern="1200" dirty="0" smtClean="0"/>
+            <a:rPr lang="en-US" sz="1100" b="1" kern="1200" dirty="0" smtClean="0"/>
             <a:t>Efficiency Narrative</a:t>
           </a:r>
-          <a:endParaRPr lang="en-US" sz="1000" kern="1200" dirty="0"/>
+          <a:endParaRPr lang="en-US" sz="1100" b="1" kern="1200" dirty="0"/>
         </a:p>
       </dsp:txBody>
       <dsp:txXfrm>
-        <a:off x="15775" y="2973084"/>
-        <a:ext cx="1038298" cy="307320"/>
+        <a:off x="16895" y="3184177"/>
+        <a:ext cx="1036058" cy="329140"/>
       </dsp:txXfrm>
     </dsp:sp>
     <dsp:sp modelId="{269C0782-BA35-4C3A-B295-D76ACD031E2B}">
@@ -4652,8 +4678,8 @@
       </dsp:nvSpPr>
       <dsp:spPr>
         <a:xfrm>
-          <a:off x="0" y="3280405"/>
-          <a:ext cx="4114800" cy="646287"/>
+          <a:off x="0" y="3513318"/>
+          <a:ext cx="4114800" cy="692174"/>
         </a:xfrm>
         <a:prstGeom prst="rect">
           <a:avLst/>
@@ -4677,12 +4703,12 @@
         <a:fontRef idx="minor"/>
       </dsp:style>
       <dsp:txBody>
-        <a:bodyPr spcFirstLastPara="0" vert="horz" wrap="square" lIns="19050" tIns="19050" rIns="19050" bIns="19050" numCol="1" spcCol="1270" anchor="t" anchorCtr="0">
+        <a:bodyPr spcFirstLastPara="0" vert="horz" wrap="square" lIns="20955" tIns="20955" rIns="20955" bIns="20955" numCol="1" spcCol="1270" anchor="t" anchorCtr="0">
           <a:noAutofit/>
         </a:bodyPr>
         <a:lstStyle/>
         <a:p>
-          <a:pPr marL="57150" lvl="1" indent="-57150" algn="l" defTabSz="444500">
+          <a:pPr marL="57150" lvl="1" indent="-57150" algn="l" defTabSz="488950">
             <a:lnSpc>
               <a:spcPct val="90000"/>
             </a:lnSpc>
@@ -4695,13 +4721,13 @@
             <a:buChar char="••"/>
           </a:pPr>
           <a:r>
-            <a:rPr lang="en-US" sz="1000" kern="1200" dirty="0" smtClean="0"/>
+            <a:rPr lang="en-US" sz="1100" kern="1200" dirty="0" smtClean="0"/>
             <a:t>Small business owners</a:t>
           </a:r>
-          <a:endParaRPr lang="en-US" sz="1000" kern="1200" dirty="0"/>
-        </a:p>
-        <a:p>
-          <a:pPr marL="57150" lvl="1" indent="-57150" algn="l" defTabSz="444500">
+          <a:endParaRPr lang="en-US" sz="1100" kern="1200" dirty="0"/>
+        </a:p>
+        <a:p>
+          <a:pPr marL="57150" lvl="1" indent="-57150" algn="l" defTabSz="488950">
             <a:lnSpc>
               <a:spcPct val="90000"/>
             </a:lnSpc>
@@ -4714,15 +4740,15 @@
             <a:buChar char="••"/>
           </a:pPr>
           <a:r>
-            <a:rPr lang="en-US" sz="1000" kern="1200" dirty="0" smtClean="0"/>
+            <a:rPr lang="en-US" sz="1100" kern="1200" dirty="0" smtClean="0"/>
             <a:t>Executives of large businesses</a:t>
           </a:r>
-          <a:endParaRPr lang="en-US" sz="1000" kern="1200" dirty="0"/>
+          <a:endParaRPr lang="en-US" sz="1100" kern="1200" dirty="0"/>
         </a:p>
       </dsp:txBody>
       <dsp:txXfrm>
-        <a:off x="0" y="3280405"/>
-        <a:ext cx="4114800" cy="646287"/>
+        <a:off x="0" y="3513318"/>
+        <a:ext cx="4114800" cy="692174"/>
       </dsp:txXfrm>
     </dsp:sp>
   </dsp:spTree>
@@ -4744,7 +4770,7 @@
       </dsp:nvSpPr>
       <dsp:spPr>
         <a:xfrm>
-          <a:off x="0" y="3280405"/>
+          <a:off x="0" y="3516260"/>
           <a:ext cx="4114800" cy="0"/>
         </a:xfrm>
         <a:prstGeom prst="line">
@@ -4785,7 +4811,7 @@
       </dsp:nvSpPr>
       <dsp:spPr>
         <a:xfrm>
-          <a:off x="0" y="2294867"/>
+          <a:off x="0" y="2459864"/>
           <a:ext cx="4114800" cy="0"/>
         </a:xfrm>
         <a:prstGeom prst="line">
@@ -4826,7 +4852,7 @@
       </dsp:nvSpPr>
       <dsp:spPr>
         <a:xfrm>
-          <a:off x="0" y="1309330"/>
+          <a:off x="0" y="1403468"/>
           <a:ext cx="4114800" cy="0"/>
         </a:xfrm>
         <a:prstGeom prst="line">
@@ -4867,7 +4893,7 @@
       </dsp:nvSpPr>
       <dsp:spPr>
         <a:xfrm>
-          <a:off x="0" y="323792"/>
+          <a:off x="0" y="347072"/>
           <a:ext cx="4114800" cy="0"/>
         </a:xfrm>
         <a:prstGeom prst="line">
@@ -4908,8 +4934,8 @@
       </dsp:nvSpPr>
       <dsp:spPr>
         <a:xfrm>
-          <a:off x="1167225" y="697"/>
-          <a:ext cx="2850196" cy="323095"/>
+          <a:off x="1167225" y="747"/>
+          <a:ext cx="2850196" cy="346325"/>
         </a:xfrm>
         <a:prstGeom prst="rect">
           <a:avLst/>
@@ -4933,12 +4959,12 @@
         <a:fontRef idx="minor"/>
       </dsp:style>
       <dsp:txBody>
-        <a:bodyPr spcFirstLastPara="0" vert="horz" wrap="square" lIns="19050" tIns="19050" rIns="19050" bIns="19050" numCol="1" spcCol="1270" anchor="b" anchorCtr="0">
+        <a:bodyPr spcFirstLastPara="0" vert="horz" wrap="square" lIns="20955" tIns="20955" rIns="20955" bIns="20955" numCol="1" spcCol="1270" anchor="b" anchorCtr="0">
           <a:noAutofit/>
         </a:bodyPr>
         <a:lstStyle/>
         <a:p>
-          <a:pPr lvl="0" algn="l" defTabSz="444500">
+          <a:pPr lvl="0" algn="l" defTabSz="488950">
             <a:lnSpc>
               <a:spcPct val="90000"/>
             </a:lnSpc>
@@ -4950,15 +4976,15 @@
             </a:spcAft>
           </a:pPr>
           <a:r>
-            <a:rPr lang="en-US" sz="1000" kern="1200" dirty="0" smtClean="0"/>
+            <a:rPr lang="en-US" sz="1100" b="1" kern="1200" dirty="0" smtClean="0"/>
             <a:t>America is guided by the aspirational principle of treating everyone fairly and not showing favoritism to any one group over other groups.</a:t>
           </a:r>
-          <a:endParaRPr lang="en-US" sz="1000" kern="1200" dirty="0"/>
+          <a:endParaRPr lang="en-US" sz="1100" b="1" kern="1200" dirty="0"/>
         </a:p>
       </dsp:txBody>
       <dsp:txXfrm>
-        <a:off x="1167225" y="697"/>
-        <a:ext cx="2850196" cy="323095"/>
+        <a:off x="1167225" y="747"/>
+        <a:ext cx="2850196" cy="346325"/>
       </dsp:txXfrm>
     </dsp:sp>
     <dsp:sp modelId="{B06197F1-B041-4747-A702-99E72A52C66D}">
@@ -4968,8 +4994,8 @@
       </dsp:nvSpPr>
       <dsp:spPr>
         <a:xfrm>
-          <a:off x="0" y="697"/>
-          <a:ext cx="1069848" cy="323095"/>
+          <a:off x="0" y="747"/>
+          <a:ext cx="1069848" cy="346325"/>
         </a:xfrm>
         <a:prstGeom prst="round2SameRect">
           <a:avLst>
@@ -5013,12 +5039,12 @@
         </a:fontRef>
       </dsp:style>
       <dsp:txBody>
-        <a:bodyPr spcFirstLastPara="0" vert="horz" wrap="square" lIns="19050" tIns="19050" rIns="19050" bIns="19050" numCol="1" spcCol="1270" anchor="ctr" anchorCtr="0">
+        <a:bodyPr spcFirstLastPara="0" vert="horz" wrap="square" lIns="20955" tIns="20955" rIns="20955" bIns="20955" numCol="1" spcCol="1270" anchor="ctr" anchorCtr="0">
           <a:noAutofit/>
         </a:bodyPr>
         <a:lstStyle/>
         <a:p>
-          <a:pPr lvl="0" algn="ctr" defTabSz="444500">
+          <a:pPr lvl="0" algn="ctr" defTabSz="488950">
             <a:lnSpc>
               <a:spcPct val="90000"/>
             </a:lnSpc>
@@ -5030,15 +5056,15 @@
             </a:spcAft>
           </a:pPr>
           <a:r>
-            <a:rPr lang="en-US" sz="1000" kern="1200" dirty="0" smtClean="0"/>
+            <a:rPr lang="en-US" sz="1100" b="1" kern="1200" dirty="0" smtClean="0"/>
             <a:t>Benevolent Community</a:t>
           </a:r>
-          <a:endParaRPr lang="en-US" sz="1000" kern="1200" dirty="0"/>
+          <a:endParaRPr lang="en-US" sz="1100" b="1" kern="1200" dirty="0"/>
         </a:p>
       </dsp:txBody>
       <dsp:txXfrm>
-        <a:off x="15775" y="16472"/>
-        <a:ext cx="1038298" cy="307320"/>
+        <a:off x="16909" y="17656"/>
+        <a:ext cx="1036030" cy="329416"/>
       </dsp:txXfrm>
     </dsp:sp>
     <dsp:sp modelId="{2874E84B-9605-494F-B813-85A702BFCF0F}">
@@ -5048,8 +5074,8 @@
       </dsp:nvSpPr>
       <dsp:spPr>
         <a:xfrm>
-          <a:off x="0" y="323792"/>
-          <a:ext cx="4114800" cy="646287"/>
+          <a:off x="0" y="347072"/>
+          <a:ext cx="4114800" cy="692754"/>
         </a:xfrm>
         <a:prstGeom prst="rect">
           <a:avLst/>
@@ -5073,12 +5099,12 @@
         <a:fontRef idx="minor"/>
       </dsp:style>
       <dsp:txBody>
-        <a:bodyPr spcFirstLastPara="0" vert="horz" wrap="square" lIns="19050" tIns="19050" rIns="19050" bIns="19050" numCol="1" spcCol="1270" anchor="t" anchorCtr="0">
+        <a:bodyPr spcFirstLastPara="0" vert="horz" wrap="square" lIns="20955" tIns="20955" rIns="20955" bIns="20955" numCol="1" spcCol="1270" anchor="t" anchorCtr="0">
           <a:noAutofit/>
         </a:bodyPr>
         <a:lstStyle/>
         <a:p>
-          <a:pPr marL="57150" lvl="1" indent="-57150" algn="l" defTabSz="444500">
+          <a:pPr marL="57150" lvl="1" indent="-57150" algn="l" defTabSz="488950">
             <a:lnSpc>
               <a:spcPct val="90000"/>
             </a:lnSpc>
@@ -5091,13 +5117,13 @@
             <a:buChar char="••"/>
           </a:pPr>
           <a:r>
-            <a:rPr lang="en-US" sz="1000" kern="1200" dirty="0" smtClean="0"/>
+            <a:rPr lang="en-US" sz="1100" kern="1200" dirty="0" smtClean="0"/>
             <a:t>Leaders and faculty of research universities</a:t>
           </a:r>
-          <a:endParaRPr lang="en-US" sz="1000" kern="1200" dirty="0"/>
-        </a:p>
-        <a:p>
-          <a:pPr marL="57150" lvl="1" indent="-57150" algn="l" defTabSz="444500">
+          <a:endParaRPr lang="en-US" sz="1100" kern="1200" dirty="0"/>
+        </a:p>
+        <a:p>
+          <a:pPr marL="57150" lvl="1" indent="-57150" algn="l" defTabSz="488950">
             <a:lnSpc>
               <a:spcPct val="90000"/>
             </a:lnSpc>
@@ -5110,13 +5136,13 @@
             <a:buChar char="••"/>
           </a:pPr>
           <a:r>
-            <a:rPr lang="en-US" sz="1000" kern="1200" dirty="0" smtClean="0"/>
+            <a:rPr lang="en-US" sz="1100" kern="1200" dirty="0" smtClean="0"/>
             <a:t>Leaders of research hospitals</a:t>
           </a:r>
-          <a:endParaRPr lang="en-US" sz="1000" kern="1200" dirty="0"/>
-        </a:p>
-        <a:p>
-          <a:pPr marL="57150" lvl="1" indent="-57150" algn="l" defTabSz="444500">
+          <a:endParaRPr lang="en-US" sz="1100" kern="1200" dirty="0"/>
+        </a:p>
+        <a:p>
+          <a:pPr marL="57150" lvl="1" indent="-57150" algn="l" defTabSz="488950">
             <a:lnSpc>
               <a:spcPct val="90000"/>
             </a:lnSpc>
@@ -5129,15 +5155,15 @@
             <a:buChar char="••"/>
           </a:pPr>
           <a:r>
-            <a:rPr lang="en-US" sz="1000" kern="1200" dirty="0" smtClean="0"/>
+            <a:rPr lang="en-US" sz="1100" kern="1200" dirty="0" smtClean="0"/>
             <a:t>Leadership of the American Medical College Association</a:t>
           </a:r>
-          <a:endParaRPr lang="en-US" sz="1000" kern="1200" dirty="0"/>
+          <a:endParaRPr lang="en-US" sz="1100" kern="1200" dirty="0"/>
         </a:p>
       </dsp:txBody>
       <dsp:txXfrm>
-        <a:off x="0" y="323792"/>
-        <a:ext cx="4114800" cy="646287"/>
+        <a:off x="0" y="347072"/>
+        <a:ext cx="4114800" cy="692754"/>
       </dsp:txXfrm>
     </dsp:sp>
     <dsp:sp modelId="{89B6103A-0012-428D-9057-99CB1F4B4519}">
@@ -5147,8 +5173,8 @@
       </dsp:nvSpPr>
       <dsp:spPr>
         <a:xfrm>
-          <a:off x="1167225" y="986234"/>
-          <a:ext cx="2850196" cy="323095"/>
+          <a:off x="1167225" y="1057143"/>
+          <a:ext cx="2850196" cy="346325"/>
         </a:xfrm>
         <a:prstGeom prst="rect">
           <a:avLst/>
@@ -5172,12 +5198,12 @@
         <a:fontRef idx="minor"/>
       </dsp:style>
       <dsp:txBody>
-        <a:bodyPr spcFirstLastPara="0" vert="horz" wrap="square" lIns="19050" tIns="19050" rIns="19050" bIns="19050" numCol="1" spcCol="1270" anchor="b" anchorCtr="0">
+        <a:bodyPr spcFirstLastPara="0" vert="horz" wrap="square" lIns="20955" tIns="20955" rIns="20955" bIns="20955" numCol="1" spcCol="1270" anchor="b" anchorCtr="0">
           <a:noAutofit/>
         </a:bodyPr>
         <a:lstStyle/>
         <a:p>
-          <a:pPr lvl="0" algn="l" defTabSz="444500">
+          <a:pPr lvl="0" algn="l" defTabSz="488950">
             <a:lnSpc>
               <a:spcPct val="90000"/>
             </a:lnSpc>
@@ -5189,15 +5215,43 @@
             </a:spcAft>
           </a:pPr>
           <a:r>
-            <a:rPr lang="en-US" sz="1000" kern="1200" dirty="0" smtClean="0"/>
-            <a:t>This policy changes the selection process from a research excellence criteria to a privilege criteria.</a:t>
+            <a:rPr lang="en-US" sz="1100" b="1" kern="1200" dirty="0" smtClean="0"/>
+            <a:t>This policy changes the selection </a:t>
           </a:r>
-          <a:endParaRPr lang="en-US" sz="1000" kern="1200" dirty="0"/>
+          <a:r>
+            <a:rPr lang="en-US" sz="1100" b="1" kern="1200" dirty="0" smtClean="0"/>
+            <a:t>criteria </a:t>
+          </a:r>
+          <a:r>
+            <a:rPr lang="en-US" sz="1100" b="1" kern="1200" dirty="0" smtClean="0"/>
+            <a:t>from </a:t>
+          </a:r>
+          <a:r>
+            <a:rPr lang="en-US" sz="1100" b="1" kern="1200" dirty="0" smtClean="0"/>
+            <a:t> </a:t>
+          </a:r>
+          <a:r>
+            <a:rPr lang="en-US" sz="1100" b="1" kern="1200" dirty="0" smtClean="0"/>
+            <a:t>research </a:t>
+          </a:r>
+          <a:r>
+            <a:rPr lang="en-US" sz="1100" b="1" kern="1200" dirty="0" smtClean="0"/>
+            <a:t>excellence </a:t>
+          </a:r>
+          <a:r>
+            <a:rPr lang="en-US" sz="1100" b="1" kern="1200" dirty="0" smtClean="0"/>
+            <a:t>to a </a:t>
+          </a:r>
+          <a:r>
+            <a:rPr lang="en-US" sz="1100" b="1" kern="1200" dirty="0" smtClean="0"/>
+            <a:t>criteria of privilege.</a:t>
+          </a:r>
+          <a:endParaRPr lang="en-US" sz="1100" b="1" kern="1200" dirty="0"/>
         </a:p>
       </dsp:txBody>
       <dsp:txXfrm>
-        <a:off x="1167225" y="986234"/>
-        <a:ext cx="2850196" cy="323095"/>
+        <a:off x="1167225" y="1057143"/>
+        <a:ext cx="2850196" cy="346325"/>
       </dsp:txXfrm>
     </dsp:sp>
     <dsp:sp modelId="{8DF5D93B-DC31-4D2E-91E9-BD58313DDF36}">
@@ -5207,8 +5261,8 @@
       </dsp:nvSpPr>
       <dsp:spPr>
         <a:xfrm>
-          <a:off x="0" y="986234"/>
-          <a:ext cx="1069848" cy="323095"/>
+          <a:off x="0" y="1057143"/>
+          <a:ext cx="1069848" cy="346325"/>
         </a:xfrm>
         <a:prstGeom prst="round2SameRect">
           <a:avLst>
@@ -5252,12 +5306,12 @@
         </a:fontRef>
       </dsp:style>
       <dsp:txBody>
-        <a:bodyPr spcFirstLastPara="0" vert="horz" wrap="square" lIns="19050" tIns="19050" rIns="19050" bIns="19050" numCol="1" spcCol="1270" anchor="ctr" anchorCtr="0">
+        <a:bodyPr spcFirstLastPara="0" vert="horz" wrap="square" lIns="20955" tIns="20955" rIns="20955" bIns="20955" numCol="1" spcCol="1270" anchor="ctr" anchorCtr="0">
           <a:noAutofit/>
         </a:bodyPr>
         <a:lstStyle/>
         <a:p>
-          <a:pPr lvl="0" algn="ctr" defTabSz="444500">
+          <a:pPr lvl="0" algn="ctr" defTabSz="488950">
             <a:lnSpc>
               <a:spcPct val="90000"/>
             </a:lnSpc>
@@ -5269,15 +5323,15 @@
             </a:spcAft>
           </a:pPr>
           <a:r>
-            <a:rPr lang="en-US" sz="1000" kern="1200" dirty="0" smtClean="0"/>
+            <a:rPr lang="en-US" sz="1100" b="1" kern="1200" dirty="0" smtClean="0"/>
             <a:t>Decline Narrative</a:t>
           </a:r>
-          <a:endParaRPr lang="en-US" sz="1000" kern="1200" dirty="0"/>
+          <a:endParaRPr lang="en-US" sz="1100" b="1" kern="1200" dirty="0"/>
         </a:p>
       </dsp:txBody>
       <dsp:txXfrm>
-        <a:off x="15775" y="1002009"/>
-        <a:ext cx="1038298" cy="307320"/>
+        <a:off x="16909" y="1074052"/>
+        <a:ext cx="1036030" cy="329416"/>
       </dsp:txXfrm>
     </dsp:sp>
     <dsp:sp modelId="{ABD9F4AA-584A-4C32-8AC6-1F842D5E3471}">
@@ -5287,8 +5341,8 @@
       </dsp:nvSpPr>
       <dsp:spPr>
         <a:xfrm>
-          <a:off x="0" y="1309330"/>
-          <a:ext cx="4114800" cy="646287"/>
+          <a:off x="0" y="1403468"/>
+          <a:ext cx="4114800" cy="692754"/>
         </a:xfrm>
         <a:prstGeom prst="rect">
           <a:avLst/>
@@ -5312,12 +5366,12 @@
         <a:fontRef idx="minor"/>
       </dsp:style>
       <dsp:txBody>
-        <a:bodyPr spcFirstLastPara="0" vert="horz" wrap="square" lIns="19050" tIns="19050" rIns="19050" bIns="19050" numCol="1" spcCol="1270" anchor="t" anchorCtr="0">
+        <a:bodyPr spcFirstLastPara="0" vert="horz" wrap="square" lIns="20955" tIns="20955" rIns="20955" bIns="20955" numCol="1" spcCol="1270" anchor="t" anchorCtr="0">
           <a:noAutofit/>
         </a:bodyPr>
         <a:lstStyle/>
         <a:p>
-          <a:pPr marL="57150" lvl="1" indent="-57150" algn="l" defTabSz="444500">
+          <a:pPr marL="57150" lvl="1" indent="-57150" algn="l" defTabSz="488950">
             <a:lnSpc>
               <a:spcPct val="90000"/>
             </a:lnSpc>
@@ -5330,13 +5384,13 @@
             <a:buChar char="••"/>
           </a:pPr>
           <a:r>
-            <a:rPr lang="en-US" sz="1000" kern="1200" dirty="0" smtClean="0"/>
+            <a:rPr lang="en-US" sz="1100" kern="1200" dirty="0" smtClean="0"/>
             <a:t>Leaders and faculty of research universities</a:t>
           </a:r>
-          <a:endParaRPr lang="en-US" sz="1000" kern="1200" dirty="0"/>
-        </a:p>
-        <a:p>
-          <a:pPr marL="57150" lvl="1" indent="-57150" algn="l" defTabSz="444500">
+          <a:endParaRPr lang="en-US" sz="1100" kern="1200" dirty="0"/>
+        </a:p>
+        <a:p>
+          <a:pPr marL="57150" lvl="1" indent="-57150" algn="l" defTabSz="488950">
             <a:lnSpc>
               <a:spcPct val="90000"/>
             </a:lnSpc>
@@ -5349,13 +5403,13 @@
             <a:buChar char="••"/>
           </a:pPr>
           <a:r>
-            <a:rPr lang="en-US" sz="1000" kern="1200" dirty="0" smtClean="0"/>
+            <a:rPr lang="en-US" sz="1100" kern="1200" dirty="0" smtClean="0"/>
             <a:t>Leaders of research hospitals</a:t>
           </a:r>
-          <a:endParaRPr lang="en-US" sz="1000" kern="1200" dirty="0"/>
-        </a:p>
-        <a:p>
-          <a:pPr marL="57150" lvl="1" indent="-57150" algn="l" defTabSz="444500">
+          <a:endParaRPr lang="en-US" sz="1100" kern="1200" dirty="0"/>
+        </a:p>
+        <a:p>
+          <a:pPr marL="57150" lvl="1" indent="-57150" algn="l" defTabSz="488950">
             <a:lnSpc>
               <a:spcPct val="90000"/>
             </a:lnSpc>
@@ -5368,12 +5422,12 @@
             <a:buChar char="••"/>
           </a:pPr>
           <a:r>
-            <a:rPr lang="en-US" sz="1000" kern="1200" dirty="0" smtClean="0"/>
+            <a:rPr lang="en-US" sz="1100" kern="1200" dirty="0" smtClean="0"/>
             <a:t>Leadership of the American Medical College Association</a:t>
           </a:r>
         </a:p>
         <a:p>
-          <a:pPr marL="57150" lvl="1" indent="-57150" algn="l" defTabSz="444500">
+          <a:pPr marL="57150" lvl="1" indent="-57150" algn="l" defTabSz="488950">
             <a:lnSpc>
               <a:spcPct val="90000"/>
             </a:lnSpc>
@@ -5385,12 +5439,12 @@
             </a:spcAft>
             <a:buChar char="••"/>
           </a:pPr>
-          <a:endParaRPr lang="en-US" sz="1000" kern="1200" dirty="0"/>
+          <a:endParaRPr lang="en-US" sz="1100" kern="1200" dirty="0"/>
         </a:p>
       </dsp:txBody>
       <dsp:txXfrm>
-        <a:off x="0" y="1309330"/>
-        <a:ext cx="4114800" cy="646287"/>
+        <a:off x="0" y="1403468"/>
+        <a:ext cx="4114800" cy="692754"/>
       </dsp:txXfrm>
     </dsp:sp>
     <dsp:sp modelId="{76F4CE38-89D0-4EAB-9E94-FD08C47879E4}">
@@ -5400,8 +5454,8 @@
       </dsp:nvSpPr>
       <dsp:spPr>
         <a:xfrm>
-          <a:off x="1167225" y="1971772"/>
-          <a:ext cx="2850196" cy="323095"/>
+          <a:off x="1167225" y="2113539"/>
+          <a:ext cx="2850196" cy="346325"/>
         </a:xfrm>
         <a:prstGeom prst="rect">
           <a:avLst/>
@@ -5425,12 +5479,12 @@
         <a:fontRef idx="minor"/>
       </dsp:style>
       <dsp:txBody>
-        <a:bodyPr spcFirstLastPara="0" vert="horz" wrap="square" lIns="19050" tIns="19050" rIns="19050" bIns="19050" numCol="1" spcCol="1270" anchor="b" anchorCtr="0">
+        <a:bodyPr spcFirstLastPara="0" vert="horz" wrap="square" lIns="20955" tIns="20955" rIns="20955" bIns="20955" numCol="1" spcCol="1270" anchor="b" anchorCtr="0">
           <a:noAutofit/>
         </a:bodyPr>
         <a:lstStyle/>
         <a:p>
-          <a:pPr lvl="0" algn="l" defTabSz="444500">
+          <a:pPr lvl="0" algn="l" defTabSz="488950">
             <a:lnSpc>
               <a:spcPct val="90000"/>
             </a:lnSpc>
@@ -5442,15 +5496,15 @@
             </a:spcAft>
           </a:pPr>
           <a:r>
-            <a:rPr lang="en-US" sz="1000" kern="1200" dirty="0" smtClean="0"/>
+            <a:rPr lang="en-US" sz="1100" b="1" kern="1200" dirty="0" smtClean="0"/>
             <a:t>This policy will take the nation on a path towards to sub-par research and development.</a:t>
           </a:r>
-          <a:endParaRPr lang="en-US" sz="1000" kern="1200" dirty="0"/>
+          <a:endParaRPr lang="en-US" sz="1100" b="1" kern="1200" dirty="0"/>
         </a:p>
       </dsp:txBody>
       <dsp:txXfrm>
-        <a:off x="1167225" y="1971772"/>
-        <a:ext cx="2850196" cy="323095"/>
+        <a:off x="1167225" y="2113539"/>
+        <a:ext cx="2850196" cy="346325"/>
       </dsp:txXfrm>
     </dsp:sp>
     <dsp:sp modelId="{79569B4D-C26F-4F14-9A58-54D0240E4532}">
@@ -5460,8 +5514,8 @@
       </dsp:nvSpPr>
       <dsp:spPr>
         <a:xfrm>
-          <a:off x="0" y="1971772"/>
-          <a:ext cx="1069848" cy="323095"/>
+          <a:off x="0" y="2113539"/>
+          <a:ext cx="1069848" cy="346325"/>
         </a:xfrm>
         <a:prstGeom prst="round2SameRect">
           <a:avLst>
@@ -5505,12 +5559,12 @@
         </a:fontRef>
       </dsp:style>
       <dsp:txBody>
-        <a:bodyPr spcFirstLastPara="0" vert="horz" wrap="square" lIns="19050" tIns="19050" rIns="19050" bIns="19050" numCol="1" spcCol="1270" anchor="ctr" anchorCtr="0">
+        <a:bodyPr spcFirstLastPara="0" vert="horz" wrap="square" lIns="20955" tIns="20955" rIns="20955" bIns="20955" numCol="1" spcCol="1270" anchor="ctr" anchorCtr="0">
           <a:noAutofit/>
         </a:bodyPr>
         <a:lstStyle/>
         <a:p>
-          <a:pPr lvl="0" algn="ctr" defTabSz="444500">
+          <a:pPr lvl="0" algn="ctr" defTabSz="488950">
             <a:lnSpc>
               <a:spcPct val="90000"/>
             </a:lnSpc>
@@ -5522,15 +5576,15 @@
             </a:spcAft>
           </a:pPr>
           <a:r>
-            <a:rPr lang="en-US" sz="1000" kern="1200" dirty="0" smtClean="0"/>
+            <a:rPr lang="en-US" sz="1100" b="1" kern="1200" dirty="0" smtClean="0"/>
             <a:t>Decline Narrative</a:t>
           </a:r>
-          <a:endParaRPr lang="en-US" sz="1000" kern="1200" dirty="0"/>
+          <a:endParaRPr lang="en-US" sz="1100" b="1" kern="1200" dirty="0"/>
         </a:p>
       </dsp:txBody>
       <dsp:txXfrm>
-        <a:off x="15775" y="1987547"/>
-        <a:ext cx="1038298" cy="307320"/>
+        <a:off x="16909" y="2130448"/>
+        <a:ext cx="1036030" cy="329416"/>
       </dsp:txXfrm>
     </dsp:sp>
     <dsp:sp modelId="{F2E5F12B-CEBA-404F-BC59-D0A75B115C1F}">
@@ -5540,8 +5594,8 @@
       </dsp:nvSpPr>
       <dsp:spPr>
         <a:xfrm>
-          <a:off x="0" y="2294867"/>
-          <a:ext cx="4114800" cy="646287"/>
+          <a:off x="0" y="2459864"/>
+          <a:ext cx="4114800" cy="692754"/>
         </a:xfrm>
         <a:prstGeom prst="rect">
           <a:avLst/>
@@ -5565,12 +5619,12 @@
         <a:fontRef idx="minor"/>
       </dsp:style>
       <dsp:txBody>
-        <a:bodyPr spcFirstLastPara="0" vert="horz" wrap="square" lIns="19050" tIns="19050" rIns="19050" bIns="19050" numCol="1" spcCol="1270" anchor="t" anchorCtr="0">
+        <a:bodyPr spcFirstLastPara="0" vert="horz" wrap="square" lIns="20955" tIns="20955" rIns="20955" bIns="20955" numCol="1" spcCol="1270" anchor="t" anchorCtr="0">
           <a:noAutofit/>
         </a:bodyPr>
         <a:lstStyle/>
         <a:p>
-          <a:pPr marL="57150" lvl="1" indent="-57150" algn="l" defTabSz="444500">
+          <a:pPr marL="57150" lvl="1" indent="-57150" algn="l" defTabSz="488950">
             <a:lnSpc>
               <a:spcPct val="90000"/>
             </a:lnSpc>
@@ -5583,13 +5637,13 @@
             <a:buChar char="••"/>
           </a:pPr>
           <a:r>
-            <a:rPr lang="en-US" sz="1000" kern="1200" dirty="0" smtClean="0"/>
+            <a:rPr lang="en-US" sz="1100" kern="1200" dirty="0" smtClean="0"/>
             <a:t>Leaders and faculty of research universities</a:t>
           </a:r>
-          <a:endParaRPr lang="en-US" sz="1000" kern="1200" dirty="0"/>
-        </a:p>
-        <a:p>
-          <a:pPr marL="57150" lvl="1" indent="-57150" algn="l" defTabSz="444500">
+          <a:endParaRPr lang="en-US" sz="1100" kern="1200" dirty="0"/>
+        </a:p>
+        <a:p>
+          <a:pPr marL="57150" lvl="1" indent="-57150" algn="l" defTabSz="488950">
             <a:lnSpc>
               <a:spcPct val="90000"/>
             </a:lnSpc>
@@ -5602,13 +5656,13 @@
             <a:buChar char="••"/>
           </a:pPr>
           <a:r>
-            <a:rPr lang="en-US" sz="1000" kern="1200" dirty="0" smtClean="0"/>
+            <a:rPr lang="en-US" sz="1100" kern="1200" dirty="0" smtClean="0"/>
             <a:t>Leaders of research hospitals</a:t>
           </a:r>
-          <a:endParaRPr lang="en-US" sz="1000" kern="1200" dirty="0"/>
-        </a:p>
-        <a:p>
-          <a:pPr marL="57150" lvl="1" indent="-57150" algn="l" defTabSz="444500">
+          <a:endParaRPr lang="en-US" sz="1100" kern="1200" dirty="0"/>
+        </a:p>
+        <a:p>
+          <a:pPr marL="57150" lvl="1" indent="-57150" algn="l" defTabSz="488950">
             <a:lnSpc>
               <a:spcPct val="90000"/>
             </a:lnSpc>
@@ -5621,12 +5675,12 @@
             <a:buChar char="••"/>
           </a:pPr>
           <a:r>
-            <a:rPr lang="en-US" sz="1000" kern="1200" dirty="0" smtClean="0"/>
+            <a:rPr lang="en-US" sz="1100" kern="1200" dirty="0" smtClean="0"/>
             <a:t>Leadership of the American Medical College Association</a:t>
           </a:r>
         </a:p>
         <a:p>
-          <a:pPr marL="57150" lvl="1" indent="-57150" algn="l" defTabSz="444500">
+          <a:pPr marL="57150" lvl="1" indent="-57150" algn="l" defTabSz="488950">
             <a:lnSpc>
               <a:spcPct val="90000"/>
             </a:lnSpc>
@@ -5638,12 +5692,12 @@
             </a:spcAft>
             <a:buChar char="••"/>
           </a:pPr>
-          <a:endParaRPr lang="en-US" sz="1000" kern="1200" dirty="0"/>
+          <a:endParaRPr lang="en-US" sz="1100" kern="1200" dirty="0"/>
         </a:p>
       </dsp:txBody>
       <dsp:txXfrm>
-        <a:off x="0" y="2294867"/>
-        <a:ext cx="4114800" cy="646287"/>
+        <a:off x="0" y="2459864"/>
+        <a:ext cx="4114800" cy="692754"/>
       </dsp:txXfrm>
     </dsp:sp>
     <dsp:sp modelId="{BDDE8257-E413-4550-9DF4-ACE5D4DAF407}">
@@ -5653,8 +5707,8 @@
       </dsp:nvSpPr>
       <dsp:spPr>
         <a:xfrm>
-          <a:off x="1167225" y="2957309"/>
-          <a:ext cx="2850196" cy="323095"/>
+          <a:off x="1167225" y="3169934"/>
+          <a:ext cx="2850196" cy="346325"/>
         </a:xfrm>
         <a:prstGeom prst="rect">
           <a:avLst/>
@@ -5678,12 +5732,12 @@
         <a:fontRef idx="minor"/>
       </dsp:style>
       <dsp:txBody>
-        <a:bodyPr spcFirstLastPara="0" vert="horz" wrap="square" lIns="19050" tIns="19050" rIns="19050" bIns="19050" numCol="1" spcCol="1270" anchor="b" anchorCtr="0">
+        <a:bodyPr spcFirstLastPara="0" vert="horz" wrap="square" lIns="20955" tIns="20955" rIns="20955" bIns="20955" numCol="1" spcCol="1270" anchor="b" anchorCtr="0">
           <a:noAutofit/>
         </a:bodyPr>
         <a:lstStyle/>
         <a:p>
-          <a:pPr lvl="0" algn="l" defTabSz="444500">
+          <a:pPr lvl="0" algn="l" defTabSz="488950">
             <a:lnSpc>
               <a:spcPct val="90000"/>
             </a:lnSpc>
@@ -5695,15 +5749,19 @@
             </a:spcAft>
           </a:pPr>
           <a:r>
-            <a:rPr lang="en-US" sz="1000" kern="1200" dirty="0" smtClean="0"/>
-            <a:t>This policy will unfairly take away opportunities from highly talented and deserving researchers simply because of where they work.</a:t>
+            <a:rPr lang="en-US" sz="1100" b="1" kern="1200" dirty="0" smtClean="0"/>
+            <a:t>This policy will unfairly take away opportunities from highly talented and deserving researchers </a:t>
           </a:r>
-          <a:endParaRPr lang="en-US" sz="1000" kern="1200" dirty="0"/>
+          <a:r>
+            <a:rPr lang="en-US" sz="1100" b="1" kern="1200" dirty="0" smtClean="0"/>
+            <a:t>.</a:t>
+          </a:r>
+          <a:endParaRPr lang="en-US" sz="1100" b="1" kern="1200" dirty="0"/>
         </a:p>
       </dsp:txBody>
       <dsp:txXfrm>
-        <a:off x="1167225" y="2957309"/>
-        <a:ext cx="2850196" cy="323095"/>
+        <a:off x="1167225" y="3169934"/>
+        <a:ext cx="2850196" cy="346325"/>
       </dsp:txXfrm>
     </dsp:sp>
     <dsp:sp modelId="{9059B661-BA02-491A-9141-4597C2088440}">
@@ -5713,8 +5771,8 @@
       </dsp:nvSpPr>
       <dsp:spPr>
         <a:xfrm>
-          <a:off x="0" y="2957309"/>
-          <a:ext cx="1069848" cy="323095"/>
+          <a:off x="0" y="3169934"/>
+          <a:ext cx="1069848" cy="346325"/>
         </a:xfrm>
         <a:prstGeom prst="round2SameRect">
           <a:avLst>
@@ -5758,12 +5816,12 @@
         </a:fontRef>
       </dsp:style>
       <dsp:txBody>
-        <a:bodyPr spcFirstLastPara="0" vert="horz" wrap="square" lIns="19050" tIns="19050" rIns="19050" bIns="19050" numCol="1" spcCol="1270" anchor="ctr" anchorCtr="0">
+        <a:bodyPr spcFirstLastPara="0" vert="horz" wrap="square" lIns="20955" tIns="20955" rIns="20955" bIns="20955" numCol="1" spcCol="1270" anchor="ctr" anchorCtr="0">
           <a:noAutofit/>
         </a:bodyPr>
         <a:lstStyle/>
         <a:p>
-          <a:pPr lvl="0" algn="ctr" defTabSz="444500">
+          <a:pPr lvl="0" algn="ctr" defTabSz="488950">
             <a:lnSpc>
               <a:spcPct val="90000"/>
             </a:lnSpc>
@@ -5775,15 +5833,15 @@
             </a:spcAft>
           </a:pPr>
           <a:r>
-            <a:rPr lang="en-US" sz="1000" kern="1200" dirty="0" smtClean="0"/>
+            <a:rPr lang="en-US" sz="1100" b="1" kern="1200" dirty="0" smtClean="0"/>
             <a:t>Equity Narrative</a:t>
           </a:r>
-          <a:endParaRPr lang="en-US" sz="1000" kern="1200" dirty="0"/>
+          <a:endParaRPr lang="en-US" sz="1100" b="1" kern="1200" dirty="0"/>
         </a:p>
       </dsp:txBody>
       <dsp:txXfrm>
-        <a:off x="15775" y="2973084"/>
-        <a:ext cx="1038298" cy="307320"/>
+        <a:off x="16909" y="3186843"/>
+        <a:ext cx="1036030" cy="329416"/>
       </dsp:txXfrm>
     </dsp:sp>
     <dsp:sp modelId="{269C0782-BA35-4C3A-B295-D76ACD031E2B}">
@@ -5793,8 +5851,8 @@
       </dsp:nvSpPr>
       <dsp:spPr>
         <a:xfrm>
-          <a:off x="0" y="3280405"/>
-          <a:ext cx="4114800" cy="646287"/>
+          <a:off x="0" y="3516260"/>
+          <a:ext cx="4114800" cy="692754"/>
         </a:xfrm>
         <a:prstGeom prst="rect">
           <a:avLst/>
@@ -5818,12 +5876,12 @@
         <a:fontRef idx="minor"/>
       </dsp:style>
       <dsp:txBody>
-        <a:bodyPr spcFirstLastPara="0" vert="horz" wrap="square" lIns="19050" tIns="19050" rIns="19050" bIns="19050" numCol="1" spcCol="1270" anchor="t" anchorCtr="0">
+        <a:bodyPr spcFirstLastPara="0" vert="horz" wrap="square" lIns="20955" tIns="20955" rIns="20955" bIns="20955" numCol="1" spcCol="1270" anchor="t" anchorCtr="0">
           <a:noAutofit/>
         </a:bodyPr>
         <a:lstStyle/>
         <a:p>
-          <a:pPr marL="57150" lvl="1" indent="-57150" algn="l" defTabSz="444500">
+          <a:pPr marL="57150" lvl="1" indent="-57150" algn="l" defTabSz="488950">
             <a:lnSpc>
               <a:spcPct val="90000"/>
             </a:lnSpc>
@@ -5836,12 +5894,12 @@
             <a:buChar char="••"/>
           </a:pPr>
           <a:r>
-            <a:rPr lang="en-US" sz="1000" kern="1200" dirty="0" smtClean="0"/>
+            <a:rPr lang="en-US" sz="1100" kern="1200" dirty="0" smtClean="0"/>
             <a:t>Leaders and faculty of research universities</a:t>
           </a:r>
         </a:p>
         <a:p>
-          <a:pPr marL="57150" lvl="1" indent="-57150" algn="l" defTabSz="444500">
+          <a:pPr marL="57150" lvl="1" indent="-57150" algn="l" defTabSz="488950">
             <a:lnSpc>
               <a:spcPct val="90000"/>
             </a:lnSpc>
@@ -5854,14 +5912,15 @@
             <a:buChar char="••"/>
           </a:pPr>
           <a:r>
-            <a:rPr lang="en-US" sz="1000" kern="1200" dirty="0" smtClean="0"/>
+            <a:rPr lang="en-US" sz="1100" kern="1200" dirty="0" smtClean="0"/>
             <a:t>Leaders of research hospitals</a:t>
           </a:r>
+          <a:endParaRPr lang="en-US" sz="1000" kern="1200" dirty="0" smtClean="0"/>
         </a:p>
       </dsp:txBody>
       <dsp:txXfrm>
-        <a:off x="0" y="3280405"/>
-        <a:ext cx="4114800" cy="646287"/>
+        <a:off x="0" y="3516260"/>
+        <a:ext cx="4114800" cy="692754"/>
       </dsp:txXfrm>
     </dsp:sp>
   </dsp:spTree>
@@ -8733,7 +8792,7 @@
           <a:p>
             <a:fld id="{38350BF8-A4DA-458D-AEA8-6A7F2699BE48}" type="datetimeFigureOut">
               <a:rPr lang="en-US" smtClean="0"/>
-              <a:t>3/2/2019</a:t>
+              <a:t>03/05/2019</a:t>
             </a:fld>
             <a:endParaRPr lang="en-US"/>
           </a:p>
@@ -8903,7 +8962,7 @@
           <a:p>
             <a:fld id="{38350BF8-A4DA-458D-AEA8-6A7F2699BE48}" type="datetimeFigureOut">
               <a:rPr lang="en-US" smtClean="0"/>
-              <a:t>3/2/2019</a:t>
+              <a:t>03/05/2019</a:t>
             </a:fld>
             <a:endParaRPr lang="en-US"/>
           </a:p>
@@ -9083,7 +9142,7 @@
           <a:p>
             <a:fld id="{38350BF8-A4DA-458D-AEA8-6A7F2699BE48}" type="datetimeFigureOut">
               <a:rPr lang="en-US" smtClean="0"/>
-              <a:t>3/2/2019</a:t>
+              <a:t>03/05/2019</a:t>
             </a:fld>
             <a:endParaRPr lang="en-US"/>
           </a:p>
@@ -9253,7 +9312,7 @@
           <a:p>
             <a:fld id="{38350BF8-A4DA-458D-AEA8-6A7F2699BE48}" type="datetimeFigureOut">
               <a:rPr lang="en-US" smtClean="0"/>
-              <a:t>3/2/2019</a:t>
+              <a:t>03/05/2019</a:t>
             </a:fld>
             <a:endParaRPr lang="en-US"/>
           </a:p>
@@ -9499,7 +9558,7 @@
           <a:p>
             <a:fld id="{38350BF8-A4DA-458D-AEA8-6A7F2699BE48}" type="datetimeFigureOut">
               <a:rPr lang="en-US" smtClean="0"/>
-              <a:t>3/2/2019</a:t>
+              <a:t>03/05/2019</a:t>
             </a:fld>
             <a:endParaRPr lang="en-US"/>
           </a:p>
@@ -9787,7 +9846,7 @@
           <a:p>
             <a:fld id="{38350BF8-A4DA-458D-AEA8-6A7F2699BE48}" type="datetimeFigureOut">
               <a:rPr lang="en-US" smtClean="0"/>
-              <a:t>3/2/2019</a:t>
+              <a:t>03/05/2019</a:t>
             </a:fld>
             <a:endParaRPr lang="en-US"/>
           </a:p>
@@ -10209,7 +10268,7 @@
           <a:p>
             <a:fld id="{38350BF8-A4DA-458D-AEA8-6A7F2699BE48}" type="datetimeFigureOut">
               <a:rPr lang="en-US" smtClean="0"/>
-              <a:t>3/2/2019</a:t>
+              <a:t>03/05/2019</a:t>
             </a:fld>
             <a:endParaRPr lang="en-US"/>
           </a:p>
@@ -10327,7 +10386,7 @@
           <a:p>
             <a:fld id="{38350BF8-A4DA-458D-AEA8-6A7F2699BE48}" type="datetimeFigureOut">
               <a:rPr lang="en-US" smtClean="0"/>
-              <a:t>3/2/2019</a:t>
+              <a:t>03/05/2019</a:t>
             </a:fld>
             <a:endParaRPr lang="en-US"/>
           </a:p>
@@ -10422,7 +10481,7 @@
           <a:p>
             <a:fld id="{38350BF8-A4DA-458D-AEA8-6A7F2699BE48}" type="datetimeFigureOut">
               <a:rPr lang="en-US" smtClean="0"/>
-              <a:t>3/2/2019</a:t>
+              <a:t>03/05/2019</a:t>
             </a:fld>
             <a:endParaRPr lang="en-US"/>
           </a:p>
@@ -10699,7 +10758,7 @@
           <a:p>
             <a:fld id="{38350BF8-A4DA-458D-AEA8-6A7F2699BE48}" type="datetimeFigureOut">
               <a:rPr lang="en-US" smtClean="0"/>
-              <a:t>3/2/2019</a:t>
+              <a:t>03/05/2019</a:t>
             </a:fld>
             <a:endParaRPr lang="en-US"/>
           </a:p>
@@ -10952,7 +11011,7 @@
           <a:p>
             <a:fld id="{38350BF8-A4DA-458D-AEA8-6A7F2699BE48}" type="datetimeFigureOut">
               <a:rPr lang="en-US" smtClean="0"/>
-              <a:t>3/2/2019</a:t>
+              <a:t>03/05/2019</a:t>
             </a:fld>
             <a:endParaRPr lang="en-US"/>
           </a:p>
@@ -11165,7 +11224,7 @@
           <a:p>
             <a:fld id="{38350BF8-A4DA-458D-AEA8-6A7F2699BE48}" type="datetimeFigureOut">
               <a:rPr lang="en-US" smtClean="0"/>
-              <a:t>3/2/2019</a:t>
+              <a:t>03/05/2019</a:t>
             </a:fld>
             <a:endParaRPr lang="en-US"/>
           </a:p>
@@ -11542,6 +11601,575 @@
       </p:grpSpPr>
       <p:sp>
         <p:nvSpPr>
+          <p:cNvPr id="2" name="TextBox 1"/>
+          <p:cNvSpPr txBox="1"/>
+          <p:nvPr/>
+        </p:nvSpPr>
+        <p:spPr>
+          <a:xfrm>
+            <a:off x="914400" y="64292"/>
+            <a:ext cx="7315200" cy="461665"/>
+          </a:xfrm>
+          <a:prstGeom prst="rect">
+            <a:avLst/>
+          </a:prstGeom>
+          <a:noFill/>
+        </p:spPr>
+        <p:txBody>
+          <a:bodyPr wrap="square" rtlCol="0">
+            <a:spAutoFit/>
+          </a:bodyPr>
+          <a:lstStyle/>
+          <a:p>
+            <a:pPr algn="ctr"/>
+            <a:r>
+              <a:rPr lang="en-US" sz="2400" b="1" dirty="0" err="1" smtClean="0"/>
+              <a:t>Pub.L</a:t>
+            </a:r>
+            <a:r>
+              <a:rPr lang="en-US" sz="2400" b="1" dirty="0" smtClean="0"/>
+              <a:t>. 97-219 Small Business Innovation Act of 1982</a:t>
+            </a:r>
+          </a:p>
+        </p:txBody>
+      </p:sp>
+      <p:sp>
+        <p:nvSpPr>
+          <p:cNvPr id="3" name="TextBox 2"/>
+          <p:cNvSpPr txBox="1"/>
+          <p:nvPr/>
+        </p:nvSpPr>
+        <p:spPr>
+          <a:xfrm>
+            <a:off x="2552700" y="419100"/>
+            <a:ext cx="4038600" cy="369332"/>
+          </a:xfrm>
+          <a:prstGeom prst="rect">
+            <a:avLst/>
+          </a:prstGeom>
+          <a:noFill/>
+        </p:spPr>
+        <p:txBody>
+          <a:bodyPr wrap="square" rtlCol="0">
+            <a:spAutoFit/>
+          </a:bodyPr>
+          <a:lstStyle/>
+          <a:p>
+            <a:pPr algn="ctr"/>
+            <a:r>
+              <a:rPr lang="en-US" dirty="0" smtClean="0"/>
+              <a:t>Policy </a:t>
+            </a:r>
+            <a:r>
+              <a:rPr lang="en-US" dirty="0" smtClean="0"/>
+              <a:t>Summary</a:t>
+            </a:r>
+            <a:endParaRPr lang="en-US" dirty="0"/>
+          </a:p>
+        </p:txBody>
+      </p:sp>
+      <p:sp>
+        <p:nvSpPr>
+          <p:cNvPr id="4" name="TextBox 3"/>
+          <p:cNvSpPr txBox="1"/>
+          <p:nvPr/>
+        </p:nvSpPr>
+        <p:spPr>
+          <a:xfrm>
+            <a:off x="180753" y="1116413"/>
+            <a:ext cx="4114800" cy="4455066"/>
+          </a:xfrm>
+          <a:prstGeom prst="rect">
+            <a:avLst/>
+          </a:prstGeom>
+          <a:noFill/>
+        </p:spPr>
+        <p:txBody>
+          <a:bodyPr wrap="square" rtlCol="0">
+            <a:spAutoFit/>
+          </a:bodyPr>
+          <a:lstStyle/>
+          <a:p>
+            <a:pPr marL="285750" indent="-285750">
+              <a:spcAft>
+                <a:spcPts val="300"/>
+              </a:spcAft>
+              <a:buFont typeface="Wingdings" panose="05000000000000000000" pitchFamily="2" charset="2"/>
+              <a:buChar char="q"/>
+            </a:pPr>
+            <a:r>
+              <a:rPr lang="en-US" sz="1600" dirty="0" smtClean="0"/>
+              <a:t>Requires federal agencies with R&amp;D budgets in excess of $100 million to set-aside a percentage for awards to small businesses. </a:t>
+            </a:r>
+          </a:p>
+          <a:p>
+            <a:pPr marL="742950" lvl="1" indent="-285750">
+              <a:spcAft>
+                <a:spcPts val="300"/>
+              </a:spcAft>
+              <a:buFont typeface="Courier New" panose="02070309020205020404" pitchFamily="49" charset="0"/>
+              <a:buChar char="o"/>
+            </a:pPr>
+            <a:r>
+              <a:rPr lang="en-US" sz="1600" dirty="0" smtClean="0"/>
+              <a:t>0.20% in fiscal year 1983</a:t>
+            </a:r>
+          </a:p>
+          <a:p>
+            <a:pPr marL="742950" lvl="1" indent="-285750">
+              <a:spcAft>
+                <a:spcPts val="300"/>
+              </a:spcAft>
+              <a:buFont typeface="Courier New" panose="02070309020205020404" pitchFamily="49" charset="0"/>
+              <a:buChar char="o"/>
+            </a:pPr>
+            <a:r>
+              <a:rPr lang="en-US" sz="1600" dirty="0" smtClean="0"/>
+              <a:t>0.60% in fiscal year 1984</a:t>
+            </a:r>
+          </a:p>
+          <a:p>
+            <a:pPr marL="742950" lvl="1" indent="-285750">
+              <a:spcAft>
+                <a:spcPts val="300"/>
+              </a:spcAft>
+              <a:buFont typeface="Courier New" panose="02070309020205020404" pitchFamily="49" charset="0"/>
+              <a:buChar char="o"/>
+            </a:pPr>
+            <a:r>
+              <a:rPr lang="en-US" sz="1600" dirty="0" smtClean="0"/>
+              <a:t>1.00% in fiscal year 1985</a:t>
+            </a:r>
+          </a:p>
+          <a:p>
+            <a:pPr marL="742950" lvl="1" indent="-285750">
+              <a:spcAft>
+                <a:spcPts val="300"/>
+              </a:spcAft>
+              <a:buFont typeface="Courier New" panose="02070309020205020404" pitchFamily="49" charset="0"/>
+              <a:buChar char="o"/>
+            </a:pPr>
+            <a:r>
+              <a:rPr lang="en-US" sz="1600" dirty="0" smtClean="0"/>
+              <a:t>1.25% thereafter</a:t>
+            </a:r>
+          </a:p>
+          <a:p>
+            <a:pPr marL="285750" lvl="0" indent="-285750">
+              <a:spcAft>
+                <a:spcPts val="300"/>
+              </a:spcAft>
+              <a:buFont typeface="Wingdings" panose="05000000000000000000" pitchFamily="2" charset="2"/>
+              <a:buChar char="q"/>
+            </a:pPr>
+            <a:r>
+              <a:rPr lang="en-US" sz="1600" dirty="0">
+                <a:solidFill>
+                  <a:prstClr val="black"/>
+                </a:solidFill>
+              </a:rPr>
+              <a:t>Requires federal agencies with </a:t>
+            </a:r>
+            <a:r>
+              <a:rPr lang="en-US" sz="1600" dirty="0" smtClean="0">
+                <a:solidFill>
+                  <a:prstClr val="black"/>
+                </a:solidFill>
+              </a:rPr>
+              <a:t>R&amp;D budgets </a:t>
+            </a:r>
+            <a:r>
+              <a:rPr lang="en-US" sz="1600" dirty="0">
+                <a:solidFill>
+                  <a:prstClr val="black"/>
+                </a:solidFill>
+              </a:rPr>
+              <a:t>in excess of $</a:t>
+            </a:r>
+            <a:r>
+              <a:rPr lang="en-US" sz="1600" dirty="0" smtClean="0">
+                <a:solidFill>
+                  <a:prstClr val="black"/>
+                </a:solidFill>
+              </a:rPr>
+              <a:t>10 billion </a:t>
+            </a:r>
+            <a:r>
+              <a:rPr lang="en-US" sz="1600" dirty="0">
+                <a:solidFill>
+                  <a:prstClr val="black"/>
+                </a:solidFill>
+              </a:rPr>
+              <a:t>to set-aside a percentage for awards to small businesses. </a:t>
+            </a:r>
+          </a:p>
+          <a:p>
+            <a:pPr marL="742950" lvl="1" indent="-285750">
+              <a:spcAft>
+                <a:spcPts val="300"/>
+              </a:spcAft>
+              <a:buFont typeface="Courier New" panose="02070309020205020404" pitchFamily="49" charset="0"/>
+              <a:buChar char="o"/>
+            </a:pPr>
+            <a:r>
+              <a:rPr lang="en-US" sz="1600" dirty="0" smtClean="0">
+                <a:solidFill>
+                  <a:prstClr val="black"/>
+                </a:solidFill>
+              </a:rPr>
+              <a:t>0.10% </a:t>
+            </a:r>
+            <a:r>
+              <a:rPr lang="en-US" sz="1600" dirty="0">
+                <a:solidFill>
+                  <a:prstClr val="black"/>
+                </a:solidFill>
+              </a:rPr>
+              <a:t>in fiscal year 1983</a:t>
+            </a:r>
+          </a:p>
+          <a:p>
+            <a:pPr marL="742950" lvl="1" indent="-285750">
+              <a:spcAft>
+                <a:spcPts val="300"/>
+              </a:spcAft>
+              <a:buFont typeface="Courier New" panose="02070309020205020404" pitchFamily="49" charset="0"/>
+              <a:buChar char="o"/>
+            </a:pPr>
+            <a:r>
+              <a:rPr lang="en-US" sz="1600" dirty="0" smtClean="0">
+                <a:solidFill>
+                  <a:prstClr val="black"/>
+                </a:solidFill>
+              </a:rPr>
+              <a:t>0.30% </a:t>
+            </a:r>
+            <a:r>
+              <a:rPr lang="en-US" sz="1600" dirty="0">
+                <a:solidFill>
+                  <a:prstClr val="black"/>
+                </a:solidFill>
+              </a:rPr>
+              <a:t>in fiscal year 1984</a:t>
+            </a:r>
+          </a:p>
+          <a:p>
+            <a:pPr marL="742950" lvl="1" indent="-285750">
+              <a:spcAft>
+                <a:spcPts val="300"/>
+              </a:spcAft>
+              <a:buFont typeface="Courier New" panose="02070309020205020404" pitchFamily="49" charset="0"/>
+              <a:buChar char="o"/>
+            </a:pPr>
+            <a:r>
+              <a:rPr lang="en-US" sz="1600" dirty="0" smtClean="0">
+                <a:solidFill>
+                  <a:prstClr val="black"/>
+                </a:solidFill>
+              </a:rPr>
+              <a:t>0.50% </a:t>
+            </a:r>
+            <a:r>
+              <a:rPr lang="en-US" sz="1600" dirty="0">
+                <a:solidFill>
+                  <a:prstClr val="black"/>
+                </a:solidFill>
+              </a:rPr>
+              <a:t>in fiscal year </a:t>
+            </a:r>
+            <a:r>
+              <a:rPr lang="en-US" sz="1600" dirty="0" smtClean="0">
+                <a:solidFill>
+                  <a:prstClr val="black"/>
+                </a:solidFill>
+              </a:rPr>
+              <a:t>1985</a:t>
+            </a:r>
+          </a:p>
+          <a:p>
+            <a:pPr marL="742950" lvl="1" indent="-285750">
+              <a:spcAft>
+                <a:spcPts val="300"/>
+              </a:spcAft>
+              <a:buFont typeface="Courier New" panose="02070309020205020404" pitchFamily="49" charset="0"/>
+              <a:buChar char="o"/>
+            </a:pPr>
+            <a:r>
+              <a:rPr lang="en-US" sz="1600" dirty="0" smtClean="0">
+                <a:solidFill>
+                  <a:prstClr val="black"/>
+                </a:solidFill>
+              </a:rPr>
+              <a:t>1.00% in fiscal year 1986</a:t>
+            </a:r>
+            <a:endParaRPr lang="en-US" sz="1600" dirty="0">
+              <a:solidFill>
+                <a:prstClr val="black"/>
+              </a:solidFill>
+            </a:endParaRPr>
+          </a:p>
+          <a:p>
+            <a:pPr marL="742950" lvl="1" indent="-285750">
+              <a:spcAft>
+                <a:spcPts val="300"/>
+              </a:spcAft>
+              <a:buFont typeface="Courier New" panose="02070309020205020404" pitchFamily="49" charset="0"/>
+              <a:buChar char="o"/>
+            </a:pPr>
+            <a:r>
+              <a:rPr lang="en-US" sz="1600" dirty="0">
+                <a:solidFill>
+                  <a:prstClr val="black"/>
+                </a:solidFill>
+              </a:rPr>
+              <a:t>1.25% thereafter</a:t>
+            </a:r>
+          </a:p>
+          <a:p>
+            <a:pPr marL="285750" indent="-285750">
+              <a:spcAft>
+                <a:spcPts val="300"/>
+              </a:spcAft>
+              <a:buFont typeface="Wingdings" panose="05000000000000000000" pitchFamily="2" charset="2"/>
+              <a:buChar char="q"/>
+            </a:pPr>
+            <a:r>
+              <a:rPr lang="en-US" sz="1600" dirty="0" smtClean="0"/>
+              <a:t>Must be periodically reauthorized</a:t>
+            </a:r>
+            <a:endParaRPr lang="en-US" sz="1600" dirty="0"/>
+          </a:p>
+        </p:txBody>
+      </p:sp>
+      <p:sp>
+        <p:nvSpPr>
+          <p:cNvPr id="5" name="TextBox 4"/>
+          <p:cNvSpPr txBox="1"/>
+          <p:nvPr/>
+        </p:nvSpPr>
+        <p:spPr>
+          <a:xfrm>
+            <a:off x="218853" y="750700"/>
+            <a:ext cx="4038600" cy="369332"/>
+          </a:xfrm>
+          <a:prstGeom prst="rect">
+            <a:avLst/>
+          </a:prstGeom>
+          <a:noFill/>
+        </p:spPr>
+        <p:txBody>
+          <a:bodyPr wrap="square" rtlCol="0">
+            <a:spAutoFit/>
+          </a:bodyPr>
+          <a:lstStyle/>
+          <a:p>
+            <a:pPr algn="ctr"/>
+            <a:r>
+              <a:rPr lang="en-US" u="sng" dirty="0" smtClean="0"/>
+              <a:t>Original Design</a:t>
+            </a:r>
+            <a:endParaRPr lang="en-US" u="sng" dirty="0"/>
+          </a:p>
+        </p:txBody>
+      </p:sp>
+      <p:sp>
+        <p:nvSpPr>
+          <p:cNvPr id="6" name="TextBox 5"/>
+          <p:cNvSpPr txBox="1"/>
+          <p:nvPr/>
+        </p:nvSpPr>
+        <p:spPr>
+          <a:xfrm>
+            <a:off x="4894520" y="1154145"/>
+            <a:ext cx="4114800" cy="2823850"/>
+          </a:xfrm>
+          <a:prstGeom prst="rect">
+            <a:avLst/>
+          </a:prstGeom>
+          <a:noFill/>
+        </p:spPr>
+        <p:txBody>
+          <a:bodyPr wrap="square" rtlCol="0">
+            <a:spAutoFit/>
+          </a:bodyPr>
+          <a:lstStyle/>
+          <a:p>
+            <a:pPr marL="285750" indent="-285750">
+              <a:spcAft>
+                <a:spcPts val="300"/>
+              </a:spcAft>
+              <a:buFont typeface="Wingdings" panose="05000000000000000000" pitchFamily="2" charset="2"/>
+              <a:buChar char="q"/>
+            </a:pPr>
+            <a:r>
+              <a:rPr lang="en-US" sz="1600" dirty="0" smtClean="0"/>
+              <a:t>Requires federal agencies with R&amp;D budgets in excess of $100 million to set-aside 3.2% for awards to small businesses. </a:t>
+            </a:r>
+          </a:p>
+          <a:p>
+            <a:pPr marL="285750" indent="-285750">
+              <a:spcAft>
+                <a:spcPts val="300"/>
+              </a:spcAft>
+              <a:buFont typeface="Wingdings" panose="05000000000000000000" pitchFamily="2" charset="2"/>
+              <a:buChar char="q"/>
+            </a:pPr>
+            <a:r>
+              <a:rPr lang="en-US" sz="1600" dirty="0" smtClean="0"/>
+              <a:t>Phase I Awards</a:t>
+            </a:r>
+          </a:p>
+          <a:p>
+            <a:pPr marL="742950" lvl="1" indent="-285750">
+              <a:spcAft>
+                <a:spcPts val="300"/>
+              </a:spcAft>
+              <a:buFont typeface="Courier New" panose="02070309020205020404" pitchFamily="49" charset="0"/>
+              <a:buChar char="o"/>
+            </a:pPr>
+            <a:r>
+              <a:rPr lang="en-US" sz="1600" dirty="0" smtClean="0"/>
+              <a:t>6 months project duration</a:t>
+            </a:r>
+          </a:p>
+          <a:p>
+            <a:pPr marL="742950" lvl="1" indent="-285750">
+              <a:spcAft>
+                <a:spcPts val="300"/>
+              </a:spcAft>
+              <a:buFont typeface="Courier New" panose="02070309020205020404" pitchFamily="49" charset="0"/>
+              <a:buChar char="o"/>
+            </a:pPr>
+            <a:r>
+              <a:rPr lang="en-US" sz="1600" dirty="0" smtClean="0"/>
+              <a:t>Up to $150,000 budget</a:t>
+            </a:r>
+          </a:p>
+          <a:p>
+            <a:pPr marL="285750" indent="-285750">
+              <a:spcAft>
+                <a:spcPts val="300"/>
+              </a:spcAft>
+              <a:buFont typeface="Wingdings" panose="05000000000000000000" pitchFamily="2" charset="2"/>
+              <a:buChar char="q"/>
+            </a:pPr>
+            <a:r>
+              <a:rPr lang="en-US" sz="1600" dirty="0" smtClean="0"/>
+              <a:t>Phase II Awards</a:t>
+            </a:r>
+          </a:p>
+          <a:p>
+            <a:pPr marL="742950" lvl="1" indent="-285750">
+              <a:spcAft>
+                <a:spcPts val="300"/>
+              </a:spcAft>
+              <a:buFont typeface="Courier New" panose="02070309020205020404" pitchFamily="49" charset="0"/>
+              <a:buChar char="o"/>
+            </a:pPr>
+            <a:r>
+              <a:rPr lang="en-US" sz="1600" dirty="0" smtClean="0"/>
+              <a:t>24 months project duration</a:t>
+            </a:r>
+          </a:p>
+          <a:p>
+            <a:pPr marL="742950" lvl="1" indent="-285750">
+              <a:spcAft>
+                <a:spcPts val="300"/>
+              </a:spcAft>
+              <a:buFont typeface="Courier New" panose="02070309020205020404" pitchFamily="49" charset="0"/>
+              <a:buChar char="o"/>
+            </a:pPr>
+            <a:r>
+              <a:rPr lang="en-US" sz="1600" dirty="0" smtClean="0"/>
+              <a:t>Up to $1 million budget</a:t>
+            </a:r>
+          </a:p>
+          <a:p>
+            <a:pPr marL="285750" indent="-285750">
+              <a:spcAft>
+                <a:spcPts val="300"/>
+              </a:spcAft>
+              <a:buFont typeface="Wingdings" panose="05000000000000000000" pitchFamily="2" charset="2"/>
+              <a:buChar char="q"/>
+            </a:pPr>
+            <a:r>
+              <a:rPr lang="en-US" sz="1600" dirty="0" smtClean="0"/>
+              <a:t>Must be periodically reauthorized</a:t>
+            </a:r>
+            <a:endParaRPr lang="en-US" sz="1600" dirty="0"/>
+          </a:p>
+        </p:txBody>
+      </p:sp>
+      <p:sp>
+        <p:nvSpPr>
+          <p:cNvPr id="7" name="TextBox 6"/>
+          <p:cNvSpPr txBox="1"/>
+          <p:nvPr/>
+        </p:nvSpPr>
+        <p:spPr>
+          <a:xfrm>
+            <a:off x="4932620" y="788432"/>
+            <a:ext cx="4038600" cy="369332"/>
+          </a:xfrm>
+          <a:prstGeom prst="rect">
+            <a:avLst/>
+          </a:prstGeom>
+          <a:noFill/>
+        </p:spPr>
+        <p:txBody>
+          <a:bodyPr wrap="square" rtlCol="0">
+            <a:spAutoFit/>
+          </a:bodyPr>
+          <a:lstStyle/>
+          <a:p>
+            <a:pPr algn="ctr"/>
+            <a:r>
+              <a:rPr lang="en-US" u="sng" dirty="0" smtClean="0"/>
+              <a:t>Current Design</a:t>
+            </a:r>
+            <a:endParaRPr lang="en-US" u="sng" dirty="0"/>
+          </a:p>
+        </p:txBody>
+      </p:sp>
+    </p:spTree>
+    <p:extLst>
+      <p:ext uri="{BB962C8B-B14F-4D97-AF65-F5344CB8AC3E}">
+        <p14:creationId xmlns:p14="http://schemas.microsoft.com/office/powerpoint/2010/main" val="3256159599"/>
+      </p:ext>
+    </p:extLst>
+  </p:cSld>
+  <p:clrMapOvr>
+    <a:masterClrMapping/>
+  </p:clrMapOvr>
+  <p:timing>
+    <p:tnLst>
+      <p:par>
+        <p:cTn id="1" dur="indefinite" restart="never" nodeType="tmRoot"/>
+      </p:par>
+    </p:tnLst>
+  </p:timing>
+</p:sld>
+</file>
+
+<file path=ppt/slides/slide2.xml><?xml version="1.0" encoding="utf-8"?>
+<p:sld xmlns:a="http://schemas.openxmlformats.org/drawingml/2006/main" xmlns:r="http://schemas.openxmlformats.org/officeDocument/2006/relationships" xmlns:p="http://schemas.openxmlformats.org/presentationml/2006/main">
+  <p:cSld>
+    <p:spTree>
+      <p:nvGrpSpPr>
+        <p:cNvPr id="1" name=""/>
+        <p:cNvGrpSpPr/>
+        <p:nvPr/>
+      </p:nvGrpSpPr>
+      <p:grpSpPr>
+        <a:xfrm>
+          <a:off x="0" y="0"/>
+          <a:ext cx="0" cy="0"/>
+          <a:chOff x="0" y="0"/>
+          <a:chExt cx="0" cy="0"/>
+        </a:xfrm>
+      </p:grpSpPr>
+      <p:sp>
+        <p:nvSpPr>
           <p:cNvPr id="4" name="TextBox 3"/>
           <p:cNvSpPr txBox="1"/>
           <p:nvPr/>
@@ -11609,14 +12237,14 @@
         <p:nvSpPr>
           <p:cNvPr id="6" name="Oval 5"/>
           <p:cNvSpPr>
-            <a:spLocks noChangeAspect="1"/>
+            <a:spLocks/>
           </p:cNvSpPr>
           <p:nvPr/>
         </p:nvSpPr>
         <p:spPr>
           <a:xfrm>
-            <a:off x="3992880" y="1836420"/>
-            <a:ext cx="1188720" cy="1188720"/>
+            <a:off x="3992880" y="2772124"/>
+            <a:ext cx="1645920" cy="1188720"/>
           </a:xfrm>
           <a:prstGeom prst="ellipse">
             <a:avLst/>
@@ -11644,10 +12272,14 @@
           <a:p>
             <a:pPr algn="ctr"/>
             <a:r>
-              <a:rPr lang="en-US" sz="1000" dirty="0" smtClean="0"/>
-              <a:t>United States Senate</a:t>
+              <a:rPr lang="en-US" sz="1400" dirty="0" smtClean="0"/>
+              <a:t>U.S. </a:t>
             </a:r>
-            <a:endParaRPr lang="en-US" sz="1000" dirty="0"/>
+            <a:r>
+              <a:rPr lang="en-US" sz="1400" dirty="0" smtClean="0"/>
+              <a:t>Senate</a:t>
+            </a:r>
+            <a:endParaRPr lang="en-US" sz="1400" dirty="0"/>
           </a:p>
         </p:txBody>
       </p:sp>
@@ -11655,14 +12287,64 @@
         <p:nvSpPr>
           <p:cNvPr id="7" name="Oval 6"/>
           <p:cNvSpPr>
-            <a:spLocks noChangeAspect="1"/>
+            <a:spLocks/>
           </p:cNvSpPr>
           <p:nvPr/>
         </p:nvSpPr>
         <p:spPr>
           <a:xfrm>
-            <a:off x="3992880" y="3372332"/>
-            <a:ext cx="1188720" cy="1188720"/>
+            <a:off x="3992880" y="4297403"/>
+            <a:ext cx="1645920" cy="1188720"/>
+          </a:xfrm>
+          <a:prstGeom prst="ellipse">
+            <a:avLst/>
+          </a:prstGeom>
+        </p:spPr>
+        <p:style>
+          <a:lnRef idx="2">
+            <a:schemeClr val="accent1">
+              <a:shade val="50000"/>
+            </a:schemeClr>
+          </a:lnRef>
+          <a:fillRef idx="1">
+            <a:schemeClr val="accent1"/>
+          </a:fillRef>
+          <a:effectRef idx="0">
+            <a:schemeClr val="accent1"/>
+          </a:effectRef>
+          <a:fontRef idx="minor">
+            <a:schemeClr val="lt1"/>
+          </a:fontRef>
+        </p:style>
+        <p:txBody>
+          <a:bodyPr lIns="0" tIns="0" rIns="0" rtlCol="0" anchor="ctr"/>
+          <a:lstStyle/>
+          <a:p>
+            <a:pPr algn="ctr"/>
+            <a:r>
+              <a:rPr lang="en-US" sz="1400" dirty="0" smtClean="0"/>
+              <a:t>U.S. House </a:t>
+            </a:r>
+            <a:r>
+              <a:rPr lang="en-US" sz="1400" dirty="0" smtClean="0"/>
+              <a:t>of Representatives</a:t>
+            </a:r>
+            <a:endParaRPr lang="en-US" sz="1400" dirty="0"/>
+          </a:p>
+        </p:txBody>
+      </p:sp>
+      <p:sp>
+        <p:nvSpPr>
+          <p:cNvPr id="12" name="Oval 11"/>
+          <p:cNvSpPr>
+            <a:spLocks/>
+          </p:cNvSpPr>
+          <p:nvPr/>
+        </p:nvSpPr>
+        <p:spPr>
+          <a:xfrm>
+            <a:off x="4130040" y="796737"/>
+            <a:ext cx="1371600" cy="822960"/>
           </a:xfrm>
           <a:prstGeom prst="ellipse">
             <a:avLst/>
@@ -11690,56 +12372,22 @@
           <a:p>
             <a:pPr algn="ctr"/>
             <a:r>
-              <a:rPr lang="en-US" sz="1000" dirty="0" smtClean="0"/>
-              <a:t>United States House of Representatives</a:t>
+              <a:rPr lang="en-US" sz="1200" dirty="0" smtClean="0"/>
+              <a:t>Senate </a:t>
             </a:r>
-            <a:endParaRPr lang="en-US" sz="1000" dirty="0"/>
-          </a:p>
-        </p:txBody>
-      </p:sp>
-      <p:sp>
-        <p:nvSpPr>
-          <p:cNvPr id="12" name="Oval 11"/>
-          <p:cNvSpPr>
-            <a:spLocks noChangeAspect="1"/>
-          </p:cNvSpPr>
-          <p:nvPr/>
-        </p:nvSpPr>
-        <p:spPr>
-          <a:xfrm>
-            <a:off x="4175760" y="796737"/>
-            <a:ext cx="822960" cy="822960"/>
-          </a:xfrm>
-          <a:prstGeom prst="ellipse">
-            <a:avLst/>
-          </a:prstGeom>
-        </p:spPr>
-        <p:style>
-          <a:lnRef idx="2">
-            <a:schemeClr val="accent1">
-              <a:shade val="50000"/>
-            </a:schemeClr>
-          </a:lnRef>
-          <a:fillRef idx="1">
-            <a:schemeClr val="accent1"/>
-          </a:fillRef>
-          <a:effectRef idx="0">
-            <a:schemeClr val="accent1"/>
-          </a:effectRef>
-          <a:fontRef idx="minor">
-            <a:schemeClr val="lt1"/>
-          </a:fontRef>
-        </p:style>
-        <p:txBody>
-          <a:bodyPr lIns="0" rIns="0" rtlCol="0" anchor="ctr"/>
-          <a:lstStyle/>
-          <a:p>
-            <a:pPr algn="ctr"/>
             <a:r>
-              <a:rPr lang="en-US" sz="900" dirty="0" smtClean="0"/>
-              <a:t>Senate Committee on Small Business</a:t>
+              <a:rPr lang="en-US" sz="1200" dirty="0" smtClean="0"/>
+              <a:t>Subcommittee </a:t>
             </a:r>
-            <a:endParaRPr lang="en-US" sz="900" dirty="0"/>
+            <a:r>
+              <a:rPr lang="en-US" sz="1200" dirty="0" smtClean="0"/>
+              <a:t>on </a:t>
+            </a:r>
+            <a:r>
+              <a:rPr lang="en-US" sz="1200" dirty="0" smtClean="0"/>
+              <a:t>Innovation &amp; Technology</a:t>
+            </a:r>
+            <a:endParaRPr lang="en-US" sz="1200" dirty="0"/>
           </a:p>
         </p:txBody>
       </p:sp>
@@ -11751,8 +12399,8 @@
         </p:nvSpPr>
         <p:spPr>
           <a:xfrm>
-            <a:off x="304800" y="2349500"/>
-            <a:ext cx="1097280" cy="914400"/>
+            <a:off x="124039" y="2349500"/>
+            <a:ext cx="1645920" cy="914400"/>
           </a:xfrm>
           <a:prstGeom prst="roundRect">
             <a:avLst/>
@@ -11780,17 +12428,14 @@
           <a:p>
             <a:pPr algn="ctr"/>
             <a:r>
-              <a:rPr lang="en-US" sz="1000" dirty="0" smtClean="0"/>
-              <a:t>Owners of small businesses (i.e.,</a:t>
+              <a:rPr lang="en-US" sz="1400" dirty="0" smtClean="0"/>
+              <a:t>Owners of </a:t>
             </a:r>
-          </a:p>
-          <a:p>
-            <a:pPr algn="ctr"/>
             <a:r>
-              <a:rPr lang="en-US" sz="1000" dirty="0" smtClean="0"/>
-              <a:t>businesses with less than 1,000 employees)</a:t>
+              <a:rPr lang="en-US" sz="1400" dirty="0" smtClean="0"/>
+              <a:t>small Businesses</a:t>
             </a:r>
-            <a:endParaRPr lang="en-US" sz="1000" dirty="0"/>
+            <a:endParaRPr lang="en-US" sz="1400" dirty="0"/>
           </a:p>
         </p:txBody>
       </p:sp>
@@ -11802,8 +12447,8 @@
         </p:nvSpPr>
         <p:spPr>
           <a:xfrm>
-            <a:off x="7680960" y="2349500"/>
-            <a:ext cx="1097280" cy="914400"/>
+            <a:off x="7383236" y="2349500"/>
+            <a:ext cx="1645920" cy="914400"/>
           </a:xfrm>
           <a:prstGeom prst="roundRect">
             <a:avLst/>
@@ -11831,10 +12476,10 @@
           <a:p>
             <a:pPr algn="ctr"/>
             <a:r>
-              <a:rPr lang="en-US" sz="1000" dirty="0" smtClean="0"/>
+              <a:rPr lang="en-US" sz="1400" dirty="0" smtClean="0"/>
               <a:t>Leaders of research universities</a:t>
             </a:r>
-            <a:endParaRPr lang="en-US" sz="1000" dirty="0"/>
+            <a:endParaRPr lang="en-US" sz="1400" dirty="0"/>
           </a:p>
         </p:txBody>
       </p:sp>
@@ -11846,8 +12491,8 @@
         </p:nvSpPr>
         <p:spPr>
           <a:xfrm>
-            <a:off x="533400" y="4655820"/>
-            <a:ext cx="1097280" cy="914400"/>
+            <a:off x="352639" y="4655820"/>
+            <a:ext cx="1645920" cy="914400"/>
           </a:xfrm>
           <a:prstGeom prst="roundRect">
             <a:avLst/>
@@ -11875,10 +12520,14 @@
           <a:p>
             <a:pPr algn="ctr"/>
             <a:r>
-              <a:rPr lang="en-US" sz="1000" dirty="0" smtClean="0"/>
-              <a:t>Executives of large businesses (i.e., businesses with greater than 1,000 employees)</a:t>
+              <a:rPr lang="en-US" sz="1400" dirty="0" smtClean="0"/>
+              <a:t>Executives of large </a:t>
             </a:r>
-            <a:endParaRPr lang="en-US" sz="1000" dirty="0"/>
+            <a:r>
+              <a:rPr lang="en-US" sz="1400" dirty="0" smtClean="0"/>
+              <a:t>businesses</a:t>
+            </a:r>
+            <a:endParaRPr lang="en-US" sz="1400" dirty="0"/>
           </a:p>
         </p:txBody>
       </p:sp>
@@ -11890,8 +12539,8 @@
         </p:nvSpPr>
         <p:spPr>
           <a:xfrm>
-            <a:off x="533400" y="1196340"/>
-            <a:ext cx="1097280" cy="914400"/>
+            <a:off x="352639" y="1196340"/>
+            <a:ext cx="1645920" cy="914400"/>
           </a:xfrm>
           <a:prstGeom prst="roundRect">
             <a:avLst/>
@@ -11919,10 +12568,10 @@
           <a:p>
             <a:pPr algn="ctr"/>
             <a:r>
-              <a:rPr lang="en-US" sz="1000" dirty="0" smtClean="0"/>
+              <a:rPr lang="en-US" sz="1400" dirty="0" smtClean="0"/>
               <a:t>Administrator of the Small Business Administration</a:t>
             </a:r>
-            <a:endParaRPr lang="en-US" sz="1000" dirty="0"/>
+            <a:endParaRPr lang="en-US" sz="1400" dirty="0"/>
           </a:p>
         </p:txBody>
       </p:sp>
@@ -11934,8 +12583,8 @@
         </p:nvSpPr>
         <p:spPr>
           <a:xfrm>
-            <a:off x="7391400" y="1196340"/>
-            <a:ext cx="1097280" cy="914400"/>
+            <a:off x="7093676" y="1196340"/>
+            <a:ext cx="1645920" cy="914400"/>
           </a:xfrm>
           <a:prstGeom prst="roundRect">
             <a:avLst/>
@@ -11963,10 +12612,10 @@
           <a:p>
             <a:pPr algn="ctr"/>
             <a:r>
-              <a:rPr lang="en-US" sz="1000" dirty="0" smtClean="0"/>
+              <a:rPr lang="en-US" sz="1400" dirty="0" smtClean="0"/>
               <a:t>Leaders of research hospitals</a:t>
             </a:r>
-            <a:endParaRPr lang="en-US" sz="1000" dirty="0"/>
+            <a:endParaRPr lang="en-US" sz="1400" dirty="0"/>
           </a:p>
         </p:txBody>
       </p:sp>
@@ -11978,8 +12627,8 @@
         </p:nvSpPr>
         <p:spPr>
           <a:xfrm>
-            <a:off x="7563928" y="3502660"/>
-            <a:ext cx="1097280" cy="914400"/>
+            <a:off x="7266204" y="3502660"/>
+            <a:ext cx="1645920" cy="914400"/>
           </a:xfrm>
           <a:prstGeom prst="roundRect">
             <a:avLst/>
@@ -12007,10 +12656,10 @@
           <a:p>
             <a:pPr algn="ctr"/>
             <a:r>
-              <a:rPr lang="en-US" sz="1000" dirty="0" smtClean="0"/>
+              <a:rPr lang="en-US" sz="1400" dirty="0" smtClean="0"/>
               <a:t>Leadership of the American Medical Colleges Association</a:t>
             </a:r>
-            <a:endParaRPr lang="en-US" sz="1000" dirty="0"/>
+            <a:endParaRPr lang="en-US" sz="1400" dirty="0"/>
           </a:p>
         </p:txBody>
       </p:sp>
@@ -12080,15 +12729,15 @@
         <p:nvCxnSpPr>
           <p:cNvPr id="27" name="Straight Arrow Connector 26"/>
           <p:cNvCxnSpPr>
-            <a:stCxn id="12" idx="4"/>
+            <a:stCxn id="32" idx="4"/>
             <a:endCxn id="6" idx="0"/>
           </p:cNvCxnSpPr>
           <p:nvPr/>
         </p:nvCxnSpPr>
         <p:spPr>
           <a:xfrm>
-            <a:off x="4587240" y="1619697"/>
-            <a:ext cx="0" cy="216723"/>
+            <a:off x="4815840" y="2586018"/>
+            <a:ext cx="0" cy="186106"/>
           </a:xfrm>
           <a:prstGeom prst="straightConnector1">
             <a:avLst/>
@@ -12126,8 +12775,8 @@
         </p:nvCxnSpPr>
         <p:spPr>
           <a:xfrm flipH="1">
-            <a:off x="5181600" y="3959860"/>
-            <a:ext cx="2382328" cy="6832"/>
+            <a:off x="5638800" y="3959860"/>
+            <a:ext cx="1627404" cy="931903"/>
           </a:xfrm>
           <a:prstGeom prst="straightConnector1">
             <a:avLst/>
@@ -12167,8 +12816,8 @@
         </p:nvCxnSpPr>
         <p:spPr>
           <a:xfrm flipH="1">
-            <a:off x="5007516" y="2806700"/>
-            <a:ext cx="2673444" cy="739716"/>
+            <a:off x="5397761" y="2806700"/>
+            <a:ext cx="1985475" cy="1664787"/>
           </a:xfrm>
           <a:prstGeom prst="straightConnector1">
             <a:avLst/>
@@ -12207,8 +12856,8 @@
         </p:nvCxnSpPr>
         <p:spPr>
           <a:xfrm flipH="1">
-            <a:off x="5007516" y="1653540"/>
-            <a:ext cx="2383884" cy="1892876"/>
+            <a:off x="5397761" y="1653540"/>
+            <a:ext cx="1695915" cy="2817947"/>
           </a:xfrm>
           <a:prstGeom prst="straightConnector1">
             <a:avLst/>
@@ -12248,8 +12897,8 @@
         </p:nvCxnSpPr>
         <p:spPr>
           <a:xfrm flipV="1">
-            <a:off x="4587240" y="3025140"/>
-            <a:ext cx="0" cy="347192"/>
+            <a:off x="4815840" y="3960844"/>
+            <a:ext cx="0" cy="336559"/>
           </a:xfrm>
           <a:prstGeom prst="straightConnector1">
             <a:avLst/>
@@ -12285,8 +12934,8 @@
         </p:nvSpPr>
         <p:spPr>
           <a:xfrm>
-            <a:off x="304800" y="3502660"/>
-            <a:ext cx="1097280" cy="914400"/>
+            <a:off x="124039" y="3502660"/>
+            <a:ext cx="1645920" cy="914400"/>
           </a:xfrm>
           <a:prstGeom prst="roundRect">
             <a:avLst/>
@@ -12314,10 +12963,14 @@
           <a:p>
             <a:pPr algn="ctr"/>
             <a:r>
-              <a:rPr lang="en-US" sz="1000" dirty="0" smtClean="0"/>
-              <a:t>Small business advocacy organizations</a:t>
+              <a:rPr lang="en-US" sz="1400" dirty="0" smtClean="0"/>
+              <a:t>Leaders of small </a:t>
             </a:r>
-            <a:endParaRPr lang="en-US" sz="1000" dirty="0"/>
+            <a:r>
+              <a:rPr lang="en-US" sz="1400" dirty="0" smtClean="0"/>
+              <a:t>business advocacy organizations</a:t>
+            </a:r>
+            <a:endParaRPr lang="en-US" sz="1400" dirty="0"/>
           </a:p>
         </p:txBody>
       </p:sp>
@@ -12332,8 +12985,8 @@
         </p:nvCxnSpPr>
         <p:spPr>
           <a:xfrm flipH="1" flipV="1">
-            <a:off x="4998720" y="1208217"/>
-            <a:ext cx="2392680" cy="445323"/>
+            <a:off x="5501640" y="1208217"/>
+            <a:ext cx="1592036" cy="445323"/>
           </a:xfrm>
           <a:prstGeom prst="straightConnector1">
             <a:avLst/>
@@ -12373,8 +13026,8 @@
         </p:nvCxnSpPr>
         <p:spPr>
           <a:xfrm flipH="1" flipV="1">
-            <a:off x="4998720" y="1208217"/>
-            <a:ext cx="2682240" cy="1598483"/>
+            <a:off x="5501640" y="1208217"/>
+            <a:ext cx="1881596" cy="1598483"/>
           </a:xfrm>
           <a:prstGeom prst="straightConnector1">
             <a:avLst/>
@@ -12413,8 +13066,8 @@
         </p:nvCxnSpPr>
         <p:spPr>
           <a:xfrm flipH="1" flipV="1">
-            <a:off x="4998720" y="1208217"/>
-            <a:ext cx="2565208" cy="2751643"/>
+            <a:off x="5501640" y="1208217"/>
+            <a:ext cx="1764564" cy="2751643"/>
           </a:xfrm>
           <a:prstGeom prst="straightConnector1">
             <a:avLst/>
@@ -12454,8 +13107,8 @@
         </p:nvCxnSpPr>
         <p:spPr>
           <a:xfrm flipV="1">
-            <a:off x="1402080" y="1208217"/>
-            <a:ext cx="2773680" cy="1598483"/>
+            <a:off x="1769959" y="1208217"/>
+            <a:ext cx="2360081" cy="1598483"/>
           </a:xfrm>
           <a:prstGeom prst="straightConnector1">
             <a:avLst/>
@@ -12494,8 +13147,8 @@
         </p:nvCxnSpPr>
         <p:spPr>
           <a:xfrm flipV="1">
-            <a:off x="1630680" y="1208217"/>
-            <a:ext cx="2545080" cy="445323"/>
+            <a:off x="1998559" y="1208217"/>
+            <a:ext cx="2131481" cy="445323"/>
           </a:xfrm>
           <a:prstGeom prst="straightConnector1">
             <a:avLst/>
@@ -12535,8 +13188,8 @@
         </p:nvCxnSpPr>
         <p:spPr>
           <a:xfrm flipV="1">
-            <a:off x="1402080" y="1499177"/>
-            <a:ext cx="2894200" cy="2460683"/>
+            <a:off x="1769959" y="1499177"/>
+            <a:ext cx="2560947" cy="2460683"/>
           </a:xfrm>
           <a:prstGeom prst="straightConnector1">
             <a:avLst/>
@@ -12576,8 +13229,8 @@
         </p:nvCxnSpPr>
         <p:spPr>
           <a:xfrm flipV="1">
-            <a:off x="1630680" y="1499177"/>
-            <a:ext cx="2665600" cy="3613843"/>
+            <a:off x="1998559" y="1499177"/>
+            <a:ext cx="2332347" cy="3613843"/>
           </a:xfrm>
           <a:prstGeom prst="straightConnector1">
             <a:avLst/>
@@ -12616,9 +13269,9 @@
           <p:nvPr/>
         </p:nvCxnSpPr>
         <p:spPr>
-          <a:xfrm flipV="1">
-            <a:off x="1630680" y="4386968"/>
-            <a:ext cx="2536284" cy="726052"/>
+          <a:xfrm>
+            <a:off x="1998559" y="5113020"/>
+            <a:ext cx="2235360" cy="199019"/>
           </a:xfrm>
           <a:prstGeom prst="straightConnector1">
             <a:avLst/>
@@ -12651,14 +13304,15 @@
         <p:nvCxnSpPr>
           <p:cNvPr id="66" name="Straight Arrow Connector 65"/>
           <p:cNvCxnSpPr>
+            <a:stCxn id="30" idx="3"/>
             <a:endCxn id="7" idx="2"/>
           </p:cNvCxnSpPr>
           <p:nvPr/>
         </p:nvCxnSpPr>
         <p:spPr>
           <a:xfrm>
-            <a:off x="1476375" y="3966692"/>
-            <a:ext cx="2516505" cy="0"/>
+            <a:off x="1769959" y="3959860"/>
+            <a:ext cx="2222921" cy="931903"/>
           </a:xfrm>
           <a:prstGeom prst="straightConnector1">
             <a:avLst/>
@@ -12698,8 +13352,8 @@
         </p:nvCxnSpPr>
         <p:spPr>
           <a:xfrm>
-            <a:off x="1402080" y="2806700"/>
-            <a:ext cx="2590800" cy="1159992"/>
+            <a:off x="1769959" y="2806700"/>
+            <a:ext cx="2222921" cy="2085063"/>
           </a:xfrm>
           <a:prstGeom prst="straightConnector1">
             <a:avLst/>
@@ -12738,8 +13392,8 @@
         </p:nvCxnSpPr>
         <p:spPr>
           <a:xfrm>
-            <a:off x="1630680" y="1653540"/>
-            <a:ext cx="2536284" cy="1892876"/>
+            <a:off x="1998559" y="1653540"/>
+            <a:ext cx="2235360" cy="2817947"/>
           </a:xfrm>
           <a:prstGeom prst="straightConnector1">
             <a:avLst/>
@@ -12768,6 +13422,91 @@
           </a:fontRef>
         </p:style>
       </p:cxnSp>
+      <p:sp>
+        <p:nvSpPr>
+          <p:cNvPr id="32" name="Oval 31"/>
+          <p:cNvSpPr>
+            <a:spLocks/>
+          </p:cNvSpPr>
+          <p:nvPr/>
+        </p:nvSpPr>
+        <p:spPr>
+          <a:xfrm>
+            <a:off x="4130040" y="1763058"/>
+            <a:ext cx="1371600" cy="822960"/>
+          </a:xfrm>
+          <a:prstGeom prst="ellipse">
+            <a:avLst/>
+          </a:prstGeom>
+        </p:spPr>
+        <p:style>
+          <a:lnRef idx="2">
+            <a:schemeClr val="accent1">
+              <a:shade val="50000"/>
+            </a:schemeClr>
+          </a:lnRef>
+          <a:fillRef idx="1">
+            <a:schemeClr val="accent1"/>
+          </a:fillRef>
+          <a:effectRef idx="0">
+            <a:schemeClr val="accent1"/>
+          </a:effectRef>
+          <a:fontRef idx="minor">
+            <a:schemeClr val="lt1"/>
+          </a:fontRef>
+        </p:style>
+        <p:txBody>
+          <a:bodyPr lIns="0" rIns="0" rtlCol="0" anchor="ctr"/>
+          <a:lstStyle/>
+          <a:p>
+            <a:pPr algn="ctr"/>
+            <a:r>
+              <a:rPr lang="en-US" sz="1200" dirty="0" smtClean="0"/>
+              <a:t>Senate Committee on Small Business</a:t>
+            </a:r>
+            <a:endParaRPr lang="en-US" sz="1200" dirty="0"/>
+          </a:p>
+        </p:txBody>
+      </p:sp>
+      <p:cxnSp>
+        <p:nvCxnSpPr>
+          <p:cNvPr id="40" name="Straight Arrow Connector 39"/>
+          <p:cNvCxnSpPr>
+            <a:stCxn id="12" idx="4"/>
+            <a:endCxn id="32" idx="0"/>
+          </p:cNvCxnSpPr>
+          <p:nvPr/>
+        </p:nvCxnSpPr>
+        <p:spPr>
+          <a:xfrm>
+            <a:off x="4815840" y="1619697"/>
+            <a:ext cx="0" cy="143361"/>
+          </a:xfrm>
+          <a:prstGeom prst="straightConnector1">
+            <a:avLst/>
+          </a:prstGeom>
+          <a:ln w="25400">
+            <a:solidFill>
+              <a:schemeClr val="tx1"/>
+            </a:solidFill>
+            <a:tailEnd type="triangle"/>
+          </a:ln>
+        </p:spPr>
+        <p:style>
+          <a:lnRef idx="1">
+            <a:schemeClr val="accent1"/>
+          </a:lnRef>
+          <a:fillRef idx="0">
+            <a:schemeClr val="accent1"/>
+          </a:fillRef>
+          <a:effectRef idx="0">
+            <a:schemeClr val="accent1"/>
+          </a:effectRef>
+          <a:fontRef idx="minor">
+            <a:schemeClr val="tx1"/>
+          </a:fontRef>
+        </p:style>
+      </p:cxnSp>
     </p:spTree>
     <p:extLst>
       <p:ext uri="{BB962C8B-B14F-4D97-AF65-F5344CB8AC3E}">
@@ -12778,10 +13517,17 @@
   <p:clrMapOvr>
     <a:masterClrMapping/>
   </p:clrMapOvr>
+  <p:timing>
+    <p:tnLst>
+      <p:par>
+        <p:cTn id="1" dur="indefinite" restart="never" nodeType="tmRoot"/>
+      </p:par>
+    </p:tnLst>
+  </p:timing>
 </p:sld>
 </file>
 
-<file path=ppt/slides/slide2.xml><?xml version="1.0" encoding="utf-8"?>
+<file path=ppt/slides/slide3.xml><?xml version="1.0" encoding="utf-8"?>
 <p:sld xmlns:a="http://schemas.openxmlformats.org/drawingml/2006/main" xmlns:r="http://schemas.openxmlformats.org/officeDocument/2006/relationships" xmlns:p="http://schemas.openxmlformats.org/presentationml/2006/main">
   <p:cSld>
     <p:spTree>
@@ -12932,14 +13678,14 @@
           <p:nvPr>
             <p:extLst>
               <p:ext uri="{D42A27DB-BD31-4B8C-83A1-F6EECF244321}">
-                <p14:modId xmlns:p14="http://schemas.microsoft.com/office/powerpoint/2010/main" val="4133603787"/>
+                <p14:modId xmlns:p14="http://schemas.microsoft.com/office/powerpoint/2010/main" val="3873513919"/>
               </p:ext>
             </p:extLst>
           </p:nvPr>
         </p:nvGraphicFramePr>
         <p:xfrm>
           <a:off x="209548" y="1408991"/>
-          <a:ext cx="4114800" cy="3927390"/>
+          <a:ext cx="4114800" cy="4206240"/>
         </p:xfrm>
         <a:graphic>
           <a:graphicData uri="http://schemas.openxmlformats.org/drawingml/2006/diagram">
@@ -12954,14 +13700,14 @@
           <p:nvPr>
             <p:extLst>
               <p:ext uri="{D42A27DB-BD31-4B8C-83A1-F6EECF244321}">
-                <p14:modId xmlns:p14="http://schemas.microsoft.com/office/powerpoint/2010/main" val="196125082"/>
+                <p14:modId xmlns:p14="http://schemas.microsoft.com/office/powerpoint/2010/main" val="773861735"/>
               </p:ext>
             </p:extLst>
           </p:nvPr>
         </p:nvGraphicFramePr>
         <p:xfrm>
-          <a:off x="4900612" y="1404230"/>
-          <a:ext cx="4114800" cy="3927390"/>
+          <a:off x="4900612" y="1404229"/>
+          <a:ext cx="4114800" cy="4209762"/>
         </p:xfrm>
         <a:graphic>
           <a:graphicData uri="http://schemas.openxmlformats.org/drawingml/2006/diagram">
@@ -12979,1723 +13725,13 @@
   <p:clrMapOvr>
     <a:masterClrMapping/>
   </p:clrMapOvr>
-</p:sld>
-</file>
-
-<file path=ppt/slides/slide3.xml><?xml version="1.0" encoding="utf-8"?>
-<p:sld xmlns:a="http://schemas.openxmlformats.org/drawingml/2006/main" xmlns:r="http://schemas.openxmlformats.org/officeDocument/2006/relationships" xmlns:p="http://schemas.openxmlformats.org/presentationml/2006/main">
-  <p:cSld>
-    <p:spTree>
-      <p:nvGrpSpPr>
-        <p:cNvPr id="1" name=""/>
-        <p:cNvGrpSpPr/>
-        <p:nvPr/>
-      </p:nvGrpSpPr>
-      <p:grpSpPr>
-        <a:xfrm>
-          <a:off x="0" y="0"/>
-          <a:ext cx="0" cy="0"/>
-          <a:chOff x="0" y="0"/>
-          <a:chExt cx="0" cy="0"/>
-        </a:xfrm>
-      </p:grpSpPr>
-      <p:sp>
-        <p:nvSpPr>
-          <p:cNvPr id="2" name="TextBox 1"/>
-          <p:cNvSpPr txBox="1"/>
-          <p:nvPr/>
-        </p:nvSpPr>
-        <p:spPr>
-          <a:xfrm>
-            <a:off x="914400" y="64292"/>
-            <a:ext cx="7315200" cy="461665"/>
-          </a:xfrm>
-          <a:prstGeom prst="rect">
-            <a:avLst/>
-          </a:prstGeom>
-          <a:noFill/>
-        </p:spPr>
-        <p:txBody>
-          <a:bodyPr wrap="square" rtlCol="0">
-            <a:spAutoFit/>
-          </a:bodyPr>
-          <a:lstStyle/>
-          <a:p>
-            <a:pPr algn="ctr"/>
-            <a:r>
-              <a:rPr lang="en-US" sz="2400" b="1" dirty="0" err="1" smtClean="0"/>
-              <a:t>Pub.L</a:t>
-            </a:r>
-            <a:r>
-              <a:rPr lang="en-US" sz="2400" b="1" dirty="0" smtClean="0"/>
-              <a:t>. 97-219 Small Business Innovation Act of 1982</a:t>
-            </a:r>
-          </a:p>
-        </p:txBody>
-      </p:sp>
-      <p:sp>
-        <p:nvSpPr>
-          <p:cNvPr id="3" name="TextBox 2"/>
-          <p:cNvSpPr txBox="1"/>
-          <p:nvPr/>
-        </p:nvSpPr>
-        <p:spPr>
-          <a:xfrm>
-            <a:off x="1600200" y="419100"/>
-            <a:ext cx="5943600" cy="369332"/>
-          </a:xfrm>
-          <a:prstGeom prst="rect">
-            <a:avLst/>
-          </a:prstGeom>
-          <a:noFill/>
-        </p:spPr>
-        <p:txBody>
-          <a:bodyPr wrap="square" rtlCol="0">
-            <a:spAutoFit/>
-          </a:bodyPr>
-          <a:lstStyle/>
-          <a:p>
-            <a:pPr algn="ctr"/>
-            <a:r>
-              <a:rPr lang="en-US" dirty="0" smtClean="0"/>
-              <a:t>Policy and Political Implications Flow Diagram</a:t>
-            </a:r>
-            <a:endParaRPr lang="en-US" dirty="0"/>
-          </a:p>
-        </p:txBody>
-      </p:sp>
-      <p:grpSp>
-        <p:nvGrpSpPr>
-          <p:cNvPr id="61" name="Group 60"/>
-          <p:cNvGrpSpPr/>
-          <p:nvPr/>
-        </p:nvGrpSpPr>
-        <p:grpSpPr>
-          <a:xfrm>
-            <a:off x="107148" y="1214437"/>
-            <a:ext cx="4400528" cy="914400"/>
-            <a:chOff x="107148" y="878669"/>
-            <a:chExt cx="4400528" cy="914400"/>
-          </a:xfrm>
-        </p:grpSpPr>
-        <p:sp>
-          <p:nvSpPr>
-            <p:cNvPr id="4" name="Oval 3"/>
-            <p:cNvSpPr/>
-            <p:nvPr/>
-          </p:nvSpPr>
-          <p:spPr>
-            <a:xfrm>
-              <a:off x="107148" y="878669"/>
-              <a:ext cx="1371600" cy="914400"/>
-            </a:xfrm>
-            <a:prstGeom prst="ellipse">
-              <a:avLst/>
-            </a:prstGeom>
-          </p:spPr>
-          <p:style>
-            <a:lnRef idx="2">
-              <a:schemeClr val="accent2">
-                <a:shade val="50000"/>
-              </a:schemeClr>
-            </a:lnRef>
-            <a:fillRef idx="1">
-              <a:schemeClr val="accent2"/>
-            </a:fillRef>
-            <a:effectRef idx="0">
-              <a:schemeClr val="accent2"/>
-            </a:effectRef>
-            <a:fontRef idx="minor">
-              <a:schemeClr val="lt1"/>
-            </a:fontRef>
-          </p:style>
-          <p:txBody>
-            <a:bodyPr lIns="9144" rIns="9144" rtlCol="0" anchor="ctr"/>
-            <a:lstStyle/>
-            <a:p>
-              <a:pPr algn="ctr"/>
-              <a:r>
-                <a:rPr lang="en-US" sz="1000" dirty="0" smtClean="0"/>
-                <a:t>America’s enemies will use the situation to harm us if current trends persist.</a:t>
-              </a:r>
-              <a:endParaRPr lang="en-US" sz="1000" dirty="0"/>
-            </a:p>
-          </p:txBody>
-        </p:sp>
-        <p:sp>
-          <p:nvSpPr>
-            <p:cNvPr id="5" name="Oval 4"/>
-            <p:cNvSpPr>
-              <a:spLocks/>
-            </p:cNvSpPr>
-            <p:nvPr/>
-          </p:nvSpPr>
-          <p:spPr>
-            <a:xfrm>
-              <a:off x="3593276" y="878669"/>
-              <a:ext cx="914400" cy="914400"/>
-            </a:xfrm>
-            <a:prstGeom prst="ellipse">
-              <a:avLst/>
-            </a:prstGeom>
-          </p:spPr>
-          <p:style>
-            <a:lnRef idx="2">
-              <a:schemeClr val="accent3">
-                <a:shade val="50000"/>
-              </a:schemeClr>
-            </a:lnRef>
-            <a:fillRef idx="1">
-              <a:schemeClr val="accent3"/>
-            </a:fillRef>
-            <a:effectRef idx="0">
-              <a:schemeClr val="accent3"/>
-            </a:effectRef>
-            <a:fontRef idx="minor">
-              <a:schemeClr val="lt1"/>
-            </a:fontRef>
-          </p:style>
-          <p:txBody>
-            <a:bodyPr lIns="9144" rIns="9144" rtlCol="0" anchor="ctr"/>
-            <a:lstStyle/>
-            <a:p>
-              <a:pPr algn="ctr"/>
-              <a:r>
-                <a:rPr lang="en-US" sz="1000" dirty="0" smtClean="0"/>
-                <a:t>Protect our way of life</a:t>
-              </a:r>
-              <a:endParaRPr lang="en-US" sz="1000" dirty="0"/>
-            </a:p>
-          </p:txBody>
-        </p:sp>
-        <p:sp>
-          <p:nvSpPr>
-            <p:cNvPr id="7" name="Rounded Rectangle 6"/>
-            <p:cNvSpPr/>
-            <p:nvPr/>
-          </p:nvSpPr>
-          <p:spPr>
-            <a:xfrm>
-              <a:off x="1835927" y="878669"/>
-              <a:ext cx="1371600" cy="914400"/>
-            </a:xfrm>
-            <a:prstGeom prst="roundRect">
-              <a:avLst/>
-            </a:prstGeom>
-            <a:solidFill>
-              <a:schemeClr val="bg1">
-                <a:lumMod val="50000"/>
-              </a:schemeClr>
-            </a:solidFill>
-            <a:ln>
-              <a:solidFill>
-                <a:schemeClr val="tx1">
-                  <a:lumMod val="65000"/>
-                  <a:lumOff val="35000"/>
-                </a:schemeClr>
-              </a:solidFill>
-            </a:ln>
-          </p:spPr>
-          <p:style>
-            <a:lnRef idx="2">
-              <a:schemeClr val="accent1">
-                <a:shade val="50000"/>
-              </a:schemeClr>
-            </a:lnRef>
-            <a:fillRef idx="1">
-              <a:schemeClr val="accent1"/>
-            </a:fillRef>
-            <a:effectRef idx="0">
-              <a:schemeClr val="accent1"/>
-            </a:effectRef>
-            <a:fontRef idx="minor">
-              <a:schemeClr val="lt1"/>
-            </a:fontRef>
-          </p:style>
-          <p:txBody>
-            <a:bodyPr lIns="9144" rIns="9144" rtlCol="0" anchor="ctr"/>
-            <a:lstStyle/>
-            <a:p>
-              <a:pPr algn="ctr"/>
-              <a:r>
-                <a:rPr lang="en-US" sz="1000" dirty="0" smtClean="0"/>
-                <a:t>This policy stops and reverses the current trends of economic loss and lack of innovation.</a:t>
-              </a:r>
-              <a:endParaRPr lang="en-US" sz="1000" dirty="0"/>
-            </a:p>
-          </p:txBody>
-        </p:sp>
-        <p:cxnSp>
-          <p:nvCxnSpPr>
-            <p:cNvPr id="9" name="Straight Arrow Connector 8"/>
-            <p:cNvCxnSpPr>
-              <a:stCxn id="4" idx="6"/>
-              <a:endCxn id="7" idx="1"/>
-            </p:cNvCxnSpPr>
-            <p:nvPr/>
-          </p:nvCxnSpPr>
-          <p:spPr>
-            <a:xfrm>
-              <a:off x="1478748" y="1335869"/>
-              <a:ext cx="357179" cy="0"/>
-            </a:xfrm>
-            <a:prstGeom prst="straightConnector1">
-              <a:avLst/>
-            </a:prstGeom>
-            <a:ln w="50800">
-              <a:solidFill>
-                <a:schemeClr val="tx1"/>
-              </a:solidFill>
-              <a:tailEnd type="triangle" w="med" len="med"/>
-            </a:ln>
-          </p:spPr>
-          <p:style>
-            <a:lnRef idx="1">
-              <a:schemeClr val="accent1"/>
-            </a:lnRef>
-            <a:fillRef idx="0">
-              <a:schemeClr val="accent1"/>
-            </a:fillRef>
-            <a:effectRef idx="0">
-              <a:schemeClr val="accent1"/>
-            </a:effectRef>
-            <a:fontRef idx="minor">
-              <a:schemeClr val="tx1"/>
-            </a:fontRef>
-          </p:style>
-        </p:cxnSp>
-        <p:cxnSp>
-          <p:nvCxnSpPr>
-            <p:cNvPr id="11" name="Straight Arrow Connector 10"/>
-            <p:cNvCxnSpPr>
-              <a:stCxn id="7" idx="3"/>
-              <a:endCxn id="5" idx="2"/>
-            </p:cNvCxnSpPr>
-            <p:nvPr/>
-          </p:nvCxnSpPr>
-          <p:spPr>
-            <a:xfrm>
-              <a:off x="3207527" y="1335869"/>
-              <a:ext cx="385749" cy="0"/>
-            </a:xfrm>
-            <a:prstGeom prst="straightConnector1">
-              <a:avLst/>
-            </a:prstGeom>
-            <a:ln w="50800">
-              <a:solidFill>
-                <a:schemeClr val="tx1"/>
-              </a:solidFill>
-              <a:tailEnd type="triangle" w="med" len="med"/>
-            </a:ln>
-          </p:spPr>
-          <p:style>
-            <a:lnRef idx="1">
-              <a:schemeClr val="accent1"/>
-            </a:lnRef>
-            <a:fillRef idx="0">
-              <a:schemeClr val="accent1"/>
-            </a:fillRef>
-            <a:effectRef idx="0">
-              <a:schemeClr val="accent1"/>
-            </a:effectRef>
-            <a:fontRef idx="minor">
-              <a:schemeClr val="tx1"/>
-            </a:fontRef>
-          </p:style>
-        </p:cxnSp>
-      </p:grpSp>
-      <p:grpSp>
-        <p:nvGrpSpPr>
-          <p:cNvPr id="6" name="Group 5"/>
-          <p:cNvGrpSpPr/>
-          <p:nvPr/>
-        </p:nvGrpSpPr>
-        <p:grpSpPr>
-          <a:xfrm>
-            <a:off x="107148" y="2491170"/>
-            <a:ext cx="4400528" cy="1899398"/>
-            <a:chOff x="107148" y="2491170"/>
-            <a:chExt cx="4400528" cy="1899398"/>
-          </a:xfrm>
-        </p:grpSpPr>
-        <p:sp>
-          <p:nvSpPr>
-            <p:cNvPr id="12" name="Oval 11"/>
-            <p:cNvSpPr/>
-            <p:nvPr/>
-          </p:nvSpPr>
-          <p:spPr>
-            <a:xfrm>
-              <a:off x="107148" y="2933700"/>
-              <a:ext cx="1371600" cy="914400"/>
-            </a:xfrm>
-            <a:prstGeom prst="ellipse">
-              <a:avLst/>
-            </a:prstGeom>
-          </p:spPr>
-          <p:style>
-            <a:lnRef idx="2">
-              <a:schemeClr val="accent2">
-                <a:shade val="50000"/>
-              </a:schemeClr>
-            </a:lnRef>
-            <a:fillRef idx="1">
-              <a:schemeClr val="accent2"/>
-            </a:fillRef>
-            <a:effectRef idx="0">
-              <a:schemeClr val="accent2"/>
-            </a:effectRef>
-            <a:fontRef idx="minor">
-              <a:schemeClr val="lt1"/>
-            </a:fontRef>
-          </p:style>
-          <p:txBody>
-            <a:bodyPr lIns="9144" rIns="9144" rtlCol="0" anchor="ctr"/>
-            <a:lstStyle/>
-            <a:p>
-              <a:pPr algn="ctr"/>
-              <a:r>
-                <a:rPr lang="en-US" sz="1000" dirty="0" smtClean="0"/>
-                <a:t>Contract administrators are discriminating against small businesses.</a:t>
-              </a:r>
-              <a:endParaRPr lang="en-US" sz="1000" dirty="0"/>
-            </a:p>
-          </p:txBody>
-        </p:sp>
-        <p:sp>
-          <p:nvSpPr>
-            <p:cNvPr id="13" name="Oval 12"/>
-            <p:cNvSpPr/>
-            <p:nvPr/>
-          </p:nvSpPr>
-          <p:spPr>
-            <a:xfrm>
-              <a:off x="3593276" y="3476168"/>
-              <a:ext cx="914400" cy="914400"/>
-            </a:xfrm>
-            <a:prstGeom prst="ellipse">
-              <a:avLst/>
-            </a:prstGeom>
-          </p:spPr>
-          <p:style>
-            <a:lnRef idx="2">
-              <a:schemeClr val="accent3">
-                <a:shade val="50000"/>
-              </a:schemeClr>
-            </a:lnRef>
-            <a:fillRef idx="1">
-              <a:schemeClr val="accent3"/>
-            </a:fillRef>
-            <a:effectRef idx="0">
-              <a:schemeClr val="accent3"/>
-            </a:effectRef>
-            <a:fontRef idx="minor">
-              <a:schemeClr val="lt1"/>
-            </a:fontRef>
-          </p:style>
-          <p:txBody>
-            <a:bodyPr lIns="9144" rIns="9144" rtlCol="0" anchor="ctr"/>
-            <a:lstStyle/>
-            <a:p>
-              <a:pPr algn="ctr"/>
-              <a:r>
-                <a:rPr lang="en-US" sz="1000" dirty="0" smtClean="0"/>
-                <a:t>Maintain global dominance</a:t>
-              </a:r>
-              <a:endParaRPr lang="en-US" sz="1000" dirty="0"/>
-            </a:p>
-          </p:txBody>
-        </p:sp>
-        <p:sp>
-          <p:nvSpPr>
-            <p:cNvPr id="14" name="Rounded Rectangle 13"/>
-            <p:cNvSpPr/>
-            <p:nvPr/>
-          </p:nvSpPr>
-          <p:spPr>
-            <a:xfrm>
-              <a:off x="1835927" y="2933700"/>
-              <a:ext cx="1371600" cy="914400"/>
-            </a:xfrm>
-            <a:prstGeom prst="roundRect">
-              <a:avLst/>
-            </a:prstGeom>
-            <a:solidFill>
-              <a:schemeClr val="bg1">
-                <a:lumMod val="50000"/>
-              </a:schemeClr>
-            </a:solidFill>
-            <a:ln>
-              <a:solidFill>
-                <a:schemeClr val="tx1">
-                  <a:lumMod val="65000"/>
-                  <a:lumOff val="35000"/>
-                </a:schemeClr>
-              </a:solidFill>
-            </a:ln>
-          </p:spPr>
-          <p:style>
-            <a:lnRef idx="2">
-              <a:schemeClr val="accent1">
-                <a:shade val="50000"/>
-              </a:schemeClr>
-            </a:lnRef>
-            <a:fillRef idx="1">
-              <a:schemeClr val="accent1"/>
-            </a:fillRef>
-            <a:effectRef idx="0">
-              <a:schemeClr val="accent1"/>
-            </a:effectRef>
-            <a:fontRef idx="minor">
-              <a:schemeClr val="lt1"/>
-            </a:fontRef>
-          </p:style>
-          <p:txBody>
-            <a:bodyPr lIns="9144" rIns="9144" rtlCol="0" anchor="ctr"/>
-            <a:lstStyle/>
-            <a:p>
-              <a:pPr algn="ctr"/>
-              <a:r>
-                <a:rPr lang="en-US" sz="1000" dirty="0" smtClean="0"/>
-                <a:t>This policy </a:t>
-              </a:r>
-              <a:r>
-                <a:rPr lang="en-US" sz="1000" dirty="0" smtClean="0"/>
-                <a:t>mitigates discriminatory practices so the nation can benefit from small business innovation.</a:t>
-              </a:r>
-              <a:endParaRPr lang="en-US" sz="1000" dirty="0"/>
-            </a:p>
-          </p:txBody>
-        </p:sp>
-        <p:cxnSp>
-          <p:nvCxnSpPr>
-            <p:cNvPr id="15" name="Straight Arrow Connector 14"/>
-            <p:cNvCxnSpPr>
-              <a:stCxn id="12" idx="6"/>
-              <a:endCxn id="14" idx="1"/>
-            </p:cNvCxnSpPr>
-            <p:nvPr/>
-          </p:nvCxnSpPr>
-          <p:spPr>
-            <a:xfrm>
-              <a:off x="1478748" y="3390900"/>
-              <a:ext cx="357179" cy="0"/>
-            </a:xfrm>
-            <a:prstGeom prst="straightConnector1">
-              <a:avLst/>
-            </a:prstGeom>
-            <a:ln w="50800">
-              <a:solidFill>
-                <a:schemeClr val="tx1"/>
-              </a:solidFill>
-              <a:tailEnd type="triangle" w="med" len="med"/>
-            </a:ln>
-          </p:spPr>
-          <p:style>
-            <a:lnRef idx="1">
-              <a:schemeClr val="accent1"/>
-            </a:lnRef>
-            <a:fillRef idx="0">
-              <a:schemeClr val="accent1"/>
-            </a:fillRef>
-            <a:effectRef idx="0">
-              <a:schemeClr val="accent1"/>
-            </a:effectRef>
-            <a:fontRef idx="minor">
-              <a:schemeClr val="tx1"/>
-            </a:fontRef>
-          </p:style>
-        </p:cxnSp>
-        <p:cxnSp>
-          <p:nvCxnSpPr>
-            <p:cNvPr id="16" name="Straight Arrow Connector 15"/>
-            <p:cNvCxnSpPr>
-              <a:stCxn id="14" idx="3"/>
-              <a:endCxn id="13" idx="2"/>
-            </p:cNvCxnSpPr>
-            <p:nvPr/>
-          </p:nvCxnSpPr>
-          <p:spPr>
-            <a:xfrm>
-              <a:off x="3207527" y="3390900"/>
-              <a:ext cx="385749" cy="542468"/>
-            </a:xfrm>
-            <a:prstGeom prst="straightConnector1">
-              <a:avLst/>
-            </a:prstGeom>
-            <a:ln w="50800">
-              <a:solidFill>
-                <a:schemeClr val="tx1"/>
-              </a:solidFill>
-              <a:tailEnd type="triangle" w="med" len="med"/>
-            </a:ln>
-          </p:spPr>
-          <p:style>
-            <a:lnRef idx="1">
-              <a:schemeClr val="accent1"/>
-            </a:lnRef>
-            <a:fillRef idx="0">
-              <a:schemeClr val="accent1"/>
-            </a:fillRef>
-            <a:effectRef idx="0">
-              <a:schemeClr val="accent1"/>
-            </a:effectRef>
-            <a:fontRef idx="minor">
-              <a:schemeClr val="tx1"/>
-            </a:fontRef>
-          </p:style>
-        </p:cxnSp>
-        <p:sp>
-          <p:nvSpPr>
-            <p:cNvPr id="17" name="Oval 16"/>
-            <p:cNvSpPr/>
-            <p:nvPr/>
-          </p:nvSpPr>
-          <p:spPr>
-            <a:xfrm>
-              <a:off x="3593276" y="2491170"/>
-              <a:ext cx="914400" cy="914400"/>
-            </a:xfrm>
-            <a:prstGeom prst="ellipse">
-              <a:avLst/>
-            </a:prstGeom>
-          </p:spPr>
-          <p:style>
-            <a:lnRef idx="2">
-              <a:schemeClr val="accent3">
-                <a:shade val="50000"/>
-              </a:schemeClr>
-            </a:lnRef>
-            <a:fillRef idx="1">
-              <a:schemeClr val="accent3"/>
-            </a:fillRef>
-            <a:effectRef idx="0">
-              <a:schemeClr val="accent3"/>
-            </a:effectRef>
-            <a:fontRef idx="minor">
-              <a:schemeClr val="lt1"/>
-            </a:fontRef>
-          </p:style>
-          <p:txBody>
-            <a:bodyPr lIns="9144" rIns="9144" rtlCol="0" anchor="ctr"/>
-            <a:lstStyle/>
-            <a:p>
-              <a:pPr algn="ctr"/>
-              <a:r>
-                <a:rPr lang="en-US" sz="1000" dirty="0" smtClean="0"/>
-                <a:t>Generate economic prosperity</a:t>
-              </a:r>
-              <a:endParaRPr lang="en-US" sz="1000" dirty="0"/>
-            </a:p>
-          </p:txBody>
-        </p:sp>
-        <p:cxnSp>
-          <p:nvCxnSpPr>
-            <p:cNvPr id="22" name="Straight Arrow Connector 21"/>
-            <p:cNvCxnSpPr>
-              <a:stCxn id="14" idx="3"/>
-              <a:endCxn id="17" idx="2"/>
-            </p:cNvCxnSpPr>
-            <p:nvPr/>
-          </p:nvCxnSpPr>
-          <p:spPr>
-            <a:xfrm flipV="1">
-              <a:off x="3207527" y="2948370"/>
-              <a:ext cx="385749" cy="442530"/>
-            </a:xfrm>
-            <a:prstGeom prst="straightConnector1">
-              <a:avLst/>
-            </a:prstGeom>
-            <a:ln w="50800">
-              <a:solidFill>
-                <a:schemeClr val="tx1"/>
-              </a:solidFill>
-              <a:tailEnd type="triangle" w="med" len="med"/>
-            </a:ln>
-          </p:spPr>
-          <p:style>
-            <a:lnRef idx="1">
-              <a:schemeClr val="accent1"/>
-            </a:lnRef>
-            <a:fillRef idx="0">
-              <a:schemeClr val="accent1"/>
-            </a:fillRef>
-            <a:effectRef idx="0">
-              <a:schemeClr val="accent1"/>
-            </a:effectRef>
-            <a:fontRef idx="minor">
-              <a:schemeClr val="tx1"/>
-            </a:fontRef>
-          </p:style>
-        </p:cxnSp>
-      </p:grpSp>
-      <p:sp>
-        <p:nvSpPr>
-          <p:cNvPr id="87" name="TextBox 86"/>
-          <p:cNvSpPr txBox="1"/>
-          <p:nvPr/>
-        </p:nvSpPr>
-        <p:spPr>
-          <a:xfrm>
-            <a:off x="1066800" y="740569"/>
-            <a:ext cx="1828800" cy="365760"/>
-          </a:xfrm>
-          <a:prstGeom prst="rect">
-            <a:avLst/>
-          </a:prstGeom>
-          <a:noFill/>
-        </p:spPr>
-        <p:txBody>
-          <a:bodyPr wrap="square" rtlCol="0">
-            <a:spAutoFit/>
-          </a:bodyPr>
-          <a:lstStyle/>
-          <a:p>
-            <a:pPr algn="ctr"/>
-            <a:r>
-              <a:rPr lang="en-US" i="1" u="sng" dirty="0" smtClean="0"/>
-              <a:t>Proponents</a:t>
-            </a:r>
-            <a:endParaRPr lang="en-US" i="1" u="sng" dirty="0"/>
-          </a:p>
-        </p:txBody>
-      </p:sp>
-      <p:sp>
-        <p:nvSpPr>
-          <p:cNvPr id="88" name="TextBox 87"/>
-          <p:cNvSpPr txBox="1"/>
-          <p:nvPr/>
-        </p:nvSpPr>
-        <p:spPr>
-          <a:xfrm>
-            <a:off x="6096000" y="740569"/>
-            <a:ext cx="1828800" cy="365760"/>
-          </a:xfrm>
-          <a:prstGeom prst="rect">
-            <a:avLst/>
-          </a:prstGeom>
-          <a:noFill/>
-        </p:spPr>
-        <p:txBody>
-          <a:bodyPr wrap="square" rtlCol="0">
-            <a:spAutoFit/>
-          </a:bodyPr>
-          <a:lstStyle/>
-          <a:p>
-            <a:pPr algn="ctr"/>
-            <a:r>
-              <a:rPr lang="en-US" i="1" u="sng" dirty="0" smtClean="0"/>
-              <a:t>Opponents</a:t>
-            </a:r>
-            <a:endParaRPr lang="en-US" i="1" u="sng" dirty="0"/>
-          </a:p>
-        </p:txBody>
-      </p:sp>
-      <p:grpSp>
-        <p:nvGrpSpPr>
-          <p:cNvPr id="23" name="Group 22"/>
-          <p:cNvGrpSpPr/>
-          <p:nvPr/>
-        </p:nvGrpSpPr>
-        <p:grpSpPr>
-          <a:xfrm>
-            <a:off x="107148" y="4256657"/>
-            <a:ext cx="4400528" cy="1303570"/>
-            <a:chOff x="107148" y="4256657"/>
-            <a:chExt cx="4400528" cy="1303570"/>
-          </a:xfrm>
-        </p:grpSpPr>
-        <p:sp>
-          <p:nvSpPr>
-            <p:cNvPr id="27" name="Oval 26"/>
-            <p:cNvSpPr/>
-            <p:nvPr/>
-          </p:nvSpPr>
-          <p:spPr>
-            <a:xfrm>
-              <a:off x="107148" y="4645827"/>
-              <a:ext cx="1371600" cy="914400"/>
-            </a:xfrm>
-            <a:prstGeom prst="ellipse">
-              <a:avLst/>
-            </a:prstGeom>
-          </p:spPr>
-          <p:style>
-            <a:lnRef idx="2">
-              <a:schemeClr val="accent2">
-                <a:shade val="50000"/>
-              </a:schemeClr>
-            </a:lnRef>
-            <a:fillRef idx="1">
-              <a:schemeClr val="accent2"/>
-            </a:fillRef>
-            <a:effectRef idx="0">
-              <a:schemeClr val="accent2"/>
-            </a:effectRef>
-            <a:fontRef idx="minor">
-              <a:schemeClr val="lt1"/>
-            </a:fontRef>
-          </p:style>
-          <p:txBody>
-            <a:bodyPr lIns="9144" rIns="9144" rtlCol="0" anchor="ctr"/>
-            <a:lstStyle/>
-            <a:p>
-              <a:pPr algn="ctr"/>
-              <a:r>
-                <a:rPr lang="en-US" sz="1000" dirty="0" smtClean="0"/>
-                <a:t>America’s used to have a growing economy and global dominance.</a:t>
-              </a:r>
-              <a:endParaRPr lang="en-US" sz="1000" dirty="0"/>
-            </a:p>
-          </p:txBody>
-        </p:sp>
-        <p:sp>
-          <p:nvSpPr>
-            <p:cNvPr id="28" name="Oval 27"/>
-            <p:cNvSpPr>
-              <a:spLocks/>
-            </p:cNvSpPr>
-            <p:nvPr/>
-          </p:nvSpPr>
-          <p:spPr>
-            <a:xfrm>
-              <a:off x="3593276" y="4645827"/>
-              <a:ext cx="914400" cy="914400"/>
-            </a:xfrm>
-            <a:prstGeom prst="ellipse">
-              <a:avLst/>
-            </a:prstGeom>
-          </p:spPr>
-          <p:style>
-            <a:lnRef idx="2">
-              <a:schemeClr val="accent3">
-                <a:shade val="50000"/>
-              </a:schemeClr>
-            </a:lnRef>
-            <a:fillRef idx="1">
-              <a:schemeClr val="accent3"/>
-            </a:fillRef>
-            <a:effectRef idx="0">
-              <a:schemeClr val="accent3"/>
-            </a:effectRef>
-            <a:fontRef idx="minor">
-              <a:schemeClr val="lt1"/>
-            </a:fontRef>
-          </p:style>
-          <p:txBody>
-            <a:bodyPr lIns="9144" rIns="9144" rtlCol="0" anchor="ctr"/>
-            <a:lstStyle/>
-            <a:p>
-              <a:pPr algn="ctr"/>
-              <a:r>
-                <a:rPr lang="en-US" sz="1000" dirty="0" smtClean="0"/>
-                <a:t>Generate economic prosperity</a:t>
-              </a:r>
-              <a:endParaRPr lang="en-US" sz="1000" dirty="0"/>
-            </a:p>
-          </p:txBody>
-        </p:sp>
-        <p:sp>
-          <p:nvSpPr>
-            <p:cNvPr id="29" name="Rounded Rectangle 28"/>
-            <p:cNvSpPr/>
-            <p:nvPr/>
-          </p:nvSpPr>
-          <p:spPr>
-            <a:xfrm>
-              <a:off x="1835927" y="4645827"/>
-              <a:ext cx="1371600" cy="914400"/>
-            </a:xfrm>
-            <a:prstGeom prst="roundRect">
-              <a:avLst/>
-            </a:prstGeom>
-            <a:solidFill>
-              <a:schemeClr val="bg1">
-                <a:lumMod val="50000"/>
-              </a:schemeClr>
-            </a:solidFill>
-            <a:ln>
-              <a:solidFill>
-                <a:schemeClr val="tx1">
-                  <a:lumMod val="65000"/>
-                  <a:lumOff val="35000"/>
-                </a:schemeClr>
-              </a:solidFill>
-            </a:ln>
-          </p:spPr>
-          <p:style>
-            <a:lnRef idx="2">
-              <a:schemeClr val="accent1">
-                <a:shade val="50000"/>
-              </a:schemeClr>
-            </a:lnRef>
-            <a:fillRef idx="1">
-              <a:schemeClr val="accent1"/>
-            </a:fillRef>
-            <a:effectRef idx="0">
-              <a:schemeClr val="accent1"/>
-            </a:effectRef>
-            <a:fontRef idx="minor">
-              <a:schemeClr val="lt1"/>
-            </a:fontRef>
-          </p:style>
-          <p:txBody>
-            <a:bodyPr lIns="9144" rIns="9144" rtlCol="0" anchor="ctr"/>
-            <a:lstStyle/>
-            <a:p>
-              <a:pPr algn="ctr"/>
-              <a:r>
-                <a:rPr lang="en-US" sz="1000" dirty="0" smtClean="0"/>
-                <a:t>This policy enables America to produce the technological innovation necessary for its protection and economic growth.</a:t>
-              </a:r>
-              <a:endParaRPr lang="en-US" sz="1000" dirty="0"/>
-            </a:p>
-          </p:txBody>
-        </p:sp>
-        <p:cxnSp>
-          <p:nvCxnSpPr>
-            <p:cNvPr id="30" name="Straight Arrow Connector 29"/>
-            <p:cNvCxnSpPr>
-              <a:stCxn id="27" idx="6"/>
-              <a:endCxn id="29" idx="1"/>
-            </p:cNvCxnSpPr>
-            <p:nvPr/>
-          </p:nvCxnSpPr>
-          <p:spPr>
-            <a:xfrm>
-              <a:off x="1478748" y="5103027"/>
-              <a:ext cx="357179" cy="0"/>
-            </a:xfrm>
-            <a:prstGeom prst="straightConnector1">
-              <a:avLst/>
-            </a:prstGeom>
-            <a:ln w="50800">
-              <a:solidFill>
-                <a:schemeClr val="tx1"/>
-              </a:solidFill>
-              <a:tailEnd type="triangle" w="med" len="med"/>
-            </a:ln>
-          </p:spPr>
-          <p:style>
-            <a:lnRef idx="1">
-              <a:schemeClr val="accent1"/>
-            </a:lnRef>
-            <a:fillRef idx="0">
-              <a:schemeClr val="accent1"/>
-            </a:fillRef>
-            <a:effectRef idx="0">
-              <a:schemeClr val="accent1"/>
-            </a:effectRef>
-            <a:fontRef idx="minor">
-              <a:schemeClr val="tx1"/>
-            </a:fontRef>
-          </p:style>
-        </p:cxnSp>
-        <p:cxnSp>
-          <p:nvCxnSpPr>
-            <p:cNvPr id="31" name="Straight Arrow Connector 30"/>
-            <p:cNvCxnSpPr>
-              <a:stCxn id="29" idx="3"/>
-              <a:endCxn id="28" idx="2"/>
-            </p:cNvCxnSpPr>
-            <p:nvPr/>
-          </p:nvCxnSpPr>
-          <p:spPr>
-            <a:xfrm>
-              <a:off x="3207527" y="5103027"/>
-              <a:ext cx="385749" cy="0"/>
-            </a:xfrm>
-            <a:prstGeom prst="straightConnector1">
-              <a:avLst/>
-            </a:prstGeom>
-            <a:ln w="50800">
-              <a:solidFill>
-                <a:schemeClr val="tx1"/>
-              </a:solidFill>
-              <a:tailEnd type="triangle" w="med" len="med"/>
-            </a:ln>
-          </p:spPr>
-          <p:style>
-            <a:lnRef idx="1">
-              <a:schemeClr val="accent1"/>
-            </a:lnRef>
-            <a:fillRef idx="0">
-              <a:schemeClr val="accent1"/>
-            </a:fillRef>
-            <a:effectRef idx="0">
-              <a:schemeClr val="accent1"/>
-            </a:effectRef>
-            <a:fontRef idx="minor">
-              <a:schemeClr val="tx1"/>
-            </a:fontRef>
-          </p:style>
-        </p:cxnSp>
-        <p:cxnSp>
-          <p:nvCxnSpPr>
-            <p:cNvPr id="48" name="Straight Arrow Connector 47"/>
-            <p:cNvCxnSpPr>
-              <a:stCxn id="29" idx="3"/>
-              <a:endCxn id="13" idx="3"/>
-            </p:cNvCxnSpPr>
-            <p:nvPr/>
-          </p:nvCxnSpPr>
-          <p:spPr>
-            <a:xfrm flipV="1">
-              <a:off x="3207527" y="4256657"/>
-              <a:ext cx="519660" cy="846370"/>
-            </a:xfrm>
-            <a:prstGeom prst="straightConnector1">
-              <a:avLst/>
-            </a:prstGeom>
-            <a:ln w="50800">
-              <a:solidFill>
-                <a:schemeClr val="tx1"/>
-              </a:solidFill>
-              <a:tailEnd type="triangle" w="med" len="med"/>
-            </a:ln>
-          </p:spPr>
-          <p:style>
-            <a:lnRef idx="1">
-              <a:schemeClr val="accent1"/>
-            </a:lnRef>
-            <a:fillRef idx="0">
-              <a:schemeClr val="accent1"/>
-            </a:fillRef>
-            <a:effectRef idx="0">
-              <a:schemeClr val="accent1"/>
-            </a:effectRef>
-            <a:fontRef idx="minor">
-              <a:schemeClr val="tx1"/>
-            </a:fontRef>
-          </p:style>
-        </p:cxnSp>
-      </p:grpSp>
-      <p:grpSp>
-        <p:nvGrpSpPr>
-          <p:cNvPr id="32" name="Group 31"/>
-          <p:cNvGrpSpPr/>
-          <p:nvPr/>
-        </p:nvGrpSpPr>
-        <p:grpSpPr>
-          <a:xfrm>
-            <a:off x="4572000" y="1122599"/>
-            <a:ext cx="4488604" cy="4572000"/>
-            <a:chOff x="4572000" y="1122599"/>
-            <a:chExt cx="4488604" cy="4572000"/>
-          </a:xfrm>
-        </p:grpSpPr>
-        <p:cxnSp>
-          <p:nvCxnSpPr>
-            <p:cNvPr id="42" name="Straight Connector 41"/>
-            <p:cNvCxnSpPr/>
-            <p:nvPr/>
-          </p:nvCxnSpPr>
-          <p:spPr>
-            <a:xfrm>
-              <a:off x="4572000" y="1122599"/>
-              <a:ext cx="0" cy="4572000"/>
-            </a:xfrm>
-            <a:prstGeom prst="line">
-              <a:avLst/>
-            </a:prstGeom>
-            <a:ln w="19050">
-              <a:prstDash val="sysDash"/>
-            </a:ln>
-          </p:spPr>
-          <p:style>
-            <a:lnRef idx="1">
-              <a:schemeClr val="accent1"/>
-            </a:lnRef>
-            <a:fillRef idx="0">
-              <a:schemeClr val="accent1"/>
-            </a:fillRef>
-            <a:effectRef idx="0">
-              <a:schemeClr val="accent1"/>
-            </a:effectRef>
-            <a:fontRef idx="minor">
-              <a:schemeClr val="tx1"/>
-            </a:fontRef>
-          </p:style>
-        </p:cxnSp>
-        <p:sp>
-          <p:nvSpPr>
-            <p:cNvPr id="43" name="Oval 42"/>
-            <p:cNvSpPr/>
-            <p:nvPr/>
-          </p:nvSpPr>
-          <p:spPr>
-            <a:xfrm>
-              <a:off x="4660076" y="1204426"/>
-              <a:ext cx="1371600" cy="914400"/>
-            </a:xfrm>
-            <a:prstGeom prst="ellipse">
-              <a:avLst/>
-            </a:prstGeom>
-          </p:spPr>
-          <p:style>
-            <a:lnRef idx="2">
-              <a:schemeClr val="accent2">
-                <a:shade val="50000"/>
-              </a:schemeClr>
-            </a:lnRef>
-            <a:fillRef idx="1">
-              <a:schemeClr val="accent2"/>
-            </a:fillRef>
-            <a:effectRef idx="0">
-              <a:schemeClr val="accent2"/>
-            </a:effectRef>
-            <a:fontRef idx="minor">
-              <a:schemeClr val="lt1"/>
-            </a:fontRef>
-          </p:style>
-          <p:txBody>
-            <a:bodyPr lIns="9144" rIns="9144" rtlCol="0" anchor="ctr"/>
-            <a:lstStyle/>
-            <a:p>
-              <a:pPr algn="ctr"/>
-              <a:r>
-                <a:rPr lang="en-US" sz="1000" dirty="0" smtClean="0"/>
-                <a:t>America is straying from its guiding aspirational principles.</a:t>
-              </a:r>
-              <a:endParaRPr lang="en-US" sz="1000" dirty="0"/>
-            </a:p>
-          </p:txBody>
-        </p:sp>
-        <p:sp>
-          <p:nvSpPr>
-            <p:cNvPr id="44" name="Oval 43"/>
-            <p:cNvSpPr>
-              <a:spLocks/>
-            </p:cNvSpPr>
-            <p:nvPr/>
-          </p:nvSpPr>
-          <p:spPr>
-            <a:xfrm>
-              <a:off x="8146204" y="1204426"/>
-              <a:ext cx="914400" cy="914400"/>
-            </a:xfrm>
-            <a:prstGeom prst="ellipse">
-              <a:avLst/>
-            </a:prstGeom>
-          </p:spPr>
-          <p:style>
-            <a:lnRef idx="2">
-              <a:schemeClr val="accent2">
-                <a:shade val="50000"/>
-              </a:schemeClr>
-            </a:lnRef>
-            <a:fillRef idx="1">
-              <a:schemeClr val="accent2"/>
-            </a:fillRef>
-            <a:effectRef idx="0">
-              <a:schemeClr val="accent2"/>
-            </a:effectRef>
-            <a:fontRef idx="minor">
-              <a:schemeClr val="lt1"/>
-            </a:fontRef>
-          </p:style>
-          <p:txBody>
-            <a:bodyPr lIns="9144" rIns="9144" rtlCol="0" anchor="ctr"/>
-            <a:lstStyle/>
-            <a:p>
-              <a:pPr algn="ctr"/>
-              <a:r>
-                <a:rPr lang="en-US" sz="1000" dirty="0" smtClean="0"/>
-                <a:t>Erode what makes America superior</a:t>
-              </a:r>
-              <a:endParaRPr lang="en-US" sz="1000" dirty="0"/>
-            </a:p>
-          </p:txBody>
-        </p:sp>
-        <p:sp>
-          <p:nvSpPr>
-            <p:cNvPr id="45" name="Rounded Rectangle 44"/>
-            <p:cNvSpPr/>
-            <p:nvPr/>
-          </p:nvSpPr>
-          <p:spPr>
-            <a:xfrm>
-              <a:off x="6388855" y="1204426"/>
-              <a:ext cx="1371600" cy="914400"/>
-            </a:xfrm>
-            <a:prstGeom prst="roundRect">
-              <a:avLst/>
-            </a:prstGeom>
-            <a:solidFill>
-              <a:schemeClr val="bg1">
-                <a:lumMod val="50000"/>
-              </a:schemeClr>
-            </a:solidFill>
-            <a:ln>
-              <a:solidFill>
-                <a:schemeClr val="tx1">
-                  <a:lumMod val="65000"/>
-                  <a:lumOff val="35000"/>
-                </a:schemeClr>
-              </a:solidFill>
-            </a:ln>
-          </p:spPr>
-          <p:style>
-            <a:lnRef idx="2">
-              <a:schemeClr val="accent1">
-                <a:shade val="50000"/>
-              </a:schemeClr>
-            </a:lnRef>
-            <a:fillRef idx="1">
-              <a:schemeClr val="accent1"/>
-            </a:fillRef>
-            <a:effectRef idx="0">
-              <a:schemeClr val="accent1"/>
-            </a:effectRef>
-            <a:fontRef idx="minor">
-              <a:schemeClr val="lt1"/>
-            </a:fontRef>
-          </p:style>
-          <p:txBody>
-            <a:bodyPr lIns="9144" rIns="9144" rtlCol="0" anchor="ctr"/>
-            <a:lstStyle/>
-            <a:p>
-              <a:pPr algn="ctr"/>
-              <a:r>
-                <a:rPr lang="en-US" sz="1000" dirty="0" smtClean="0"/>
-                <a:t>This policy discriminates by showing favoritism to one group over all others.</a:t>
-              </a:r>
-              <a:endParaRPr lang="en-US" sz="1000" dirty="0"/>
-            </a:p>
-          </p:txBody>
-        </p:sp>
-        <p:cxnSp>
-          <p:nvCxnSpPr>
-            <p:cNvPr id="46" name="Straight Arrow Connector 45"/>
-            <p:cNvCxnSpPr>
-              <a:stCxn id="43" idx="6"/>
-              <a:endCxn id="45" idx="1"/>
-            </p:cNvCxnSpPr>
-            <p:nvPr/>
-          </p:nvCxnSpPr>
-          <p:spPr>
-            <a:xfrm>
-              <a:off x="6031676" y="1661626"/>
-              <a:ext cx="357179" cy="0"/>
-            </a:xfrm>
-            <a:prstGeom prst="straightConnector1">
-              <a:avLst/>
-            </a:prstGeom>
-            <a:ln w="50800">
-              <a:solidFill>
-                <a:schemeClr val="tx1"/>
-              </a:solidFill>
-              <a:tailEnd type="triangle" w="med" len="med"/>
-            </a:ln>
-          </p:spPr>
-          <p:style>
-            <a:lnRef idx="1">
-              <a:schemeClr val="accent1"/>
-            </a:lnRef>
-            <a:fillRef idx="0">
-              <a:schemeClr val="accent1"/>
-            </a:fillRef>
-            <a:effectRef idx="0">
-              <a:schemeClr val="accent1"/>
-            </a:effectRef>
-            <a:fontRef idx="minor">
-              <a:schemeClr val="tx1"/>
-            </a:fontRef>
-          </p:style>
-        </p:cxnSp>
-        <p:cxnSp>
-          <p:nvCxnSpPr>
-            <p:cNvPr id="47" name="Straight Arrow Connector 46"/>
-            <p:cNvCxnSpPr>
-              <a:stCxn id="45" idx="3"/>
-              <a:endCxn id="44" idx="2"/>
-            </p:cNvCxnSpPr>
-            <p:nvPr/>
-          </p:nvCxnSpPr>
-          <p:spPr>
-            <a:xfrm>
-              <a:off x="7760455" y="1661626"/>
-              <a:ext cx="385749" cy="0"/>
-            </a:xfrm>
-            <a:prstGeom prst="straightConnector1">
-              <a:avLst/>
-            </a:prstGeom>
-            <a:ln w="50800">
-              <a:solidFill>
-                <a:schemeClr val="tx1"/>
-              </a:solidFill>
-              <a:tailEnd type="triangle" w="med" len="med"/>
-            </a:ln>
-          </p:spPr>
-          <p:style>
-            <a:lnRef idx="1">
-              <a:schemeClr val="accent1"/>
-            </a:lnRef>
-            <a:fillRef idx="0">
-              <a:schemeClr val="accent1"/>
-            </a:fillRef>
-            <a:effectRef idx="0">
-              <a:schemeClr val="accent1"/>
-            </a:effectRef>
-            <a:fontRef idx="minor">
-              <a:schemeClr val="tx1"/>
-            </a:fontRef>
-          </p:style>
-        </p:cxnSp>
-        <p:sp>
-          <p:nvSpPr>
-            <p:cNvPr id="64" name="Rounded Rectangle 63"/>
-            <p:cNvSpPr/>
-            <p:nvPr/>
-          </p:nvSpPr>
-          <p:spPr>
-            <a:xfrm>
-              <a:off x="6388855" y="2461713"/>
-              <a:ext cx="1371600" cy="914400"/>
-            </a:xfrm>
-            <a:prstGeom prst="roundRect">
-              <a:avLst/>
-            </a:prstGeom>
-            <a:solidFill>
-              <a:schemeClr val="bg1">
-                <a:lumMod val="50000"/>
-              </a:schemeClr>
-            </a:solidFill>
-            <a:ln>
-              <a:solidFill>
-                <a:schemeClr val="tx1">
-                  <a:lumMod val="65000"/>
-                  <a:lumOff val="35000"/>
-                </a:schemeClr>
-              </a:solidFill>
-            </a:ln>
-          </p:spPr>
-          <p:style>
-            <a:lnRef idx="2">
-              <a:schemeClr val="accent1">
-                <a:shade val="50000"/>
-              </a:schemeClr>
-            </a:lnRef>
-            <a:fillRef idx="1">
-              <a:schemeClr val="accent1"/>
-            </a:fillRef>
-            <a:effectRef idx="0">
-              <a:schemeClr val="accent1"/>
-            </a:effectRef>
-            <a:fontRef idx="minor">
-              <a:schemeClr val="lt1"/>
-            </a:fontRef>
-          </p:style>
-          <p:txBody>
-            <a:bodyPr lIns="9144" rIns="9144" rtlCol="0" anchor="ctr"/>
-            <a:lstStyle/>
-            <a:p>
-              <a:pPr algn="ctr"/>
-              <a:r>
-                <a:rPr lang="en-US" sz="1000" dirty="0" smtClean="0"/>
-                <a:t>This policy replaces a research excellence criteria with a privilege criteria.</a:t>
-              </a:r>
-              <a:endParaRPr lang="en-US" sz="1000" dirty="0"/>
-            </a:p>
-          </p:txBody>
-        </p:sp>
-        <p:cxnSp>
-          <p:nvCxnSpPr>
-            <p:cNvPr id="65" name="Straight Arrow Connector 64"/>
-            <p:cNvCxnSpPr>
-              <a:stCxn id="64" idx="3"/>
-              <a:endCxn id="44" idx="3"/>
-            </p:cNvCxnSpPr>
-            <p:nvPr/>
-          </p:nvCxnSpPr>
-          <p:spPr>
-            <a:xfrm flipV="1">
-              <a:off x="7760455" y="1984915"/>
-              <a:ext cx="519660" cy="933998"/>
-            </a:xfrm>
-            <a:prstGeom prst="straightConnector1">
-              <a:avLst/>
-            </a:prstGeom>
-            <a:ln w="50800">
-              <a:solidFill>
-                <a:schemeClr val="tx1"/>
-              </a:solidFill>
-              <a:tailEnd type="triangle" w="med" len="med"/>
-            </a:ln>
-          </p:spPr>
-          <p:style>
-            <a:lnRef idx="1">
-              <a:schemeClr val="accent1"/>
-            </a:lnRef>
-            <a:fillRef idx="0">
-              <a:schemeClr val="accent1"/>
-            </a:fillRef>
-            <a:effectRef idx="0">
-              <a:schemeClr val="accent1"/>
-            </a:effectRef>
-            <a:fontRef idx="minor">
-              <a:schemeClr val="tx1"/>
-            </a:fontRef>
-          </p:style>
-        </p:cxnSp>
-        <p:sp>
-          <p:nvSpPr>
-            <p:cNvPr id="67" name="Oval 66"/>
-            <p:cNvSpPr/>
-            <p:nvPr/>
-          </p:nvSpPr>
-          <p:spPr>
-            <a:xfrm>
-              <a:off x="4660076" y="2461713"/>
-              <a:ext cx="1371600" cy="914400"/>
-            </a:xfrm>
-            <a:prstGeom prst="ellipse">
-              <a:avLst/>
-            </a:prstGeom>
-          </p:spPr>
-          <p:style>
-            <a:lnRef idx="2">
-              <a:schemeClr val="accent2">
-                <a:shade val="50000"/>
-              </a:schemeClr>
-            </a:lnRef>
-            <a:fillRef idx="1">
-              <a:schemeClr val="accent2"/>
-            </a:fillRef>
-            <a:effectRef idx="0">
-              <a:schemeClr val="accent2"/>
-            </a:effectRef>
-            <a:fontRef idx="minor">
-              <a:schemeClr val="lt1"/>
-            </a:fontRef>
-          </p:style>
-          <p:txBody>
-            <a:bodyPr lIns="9144" rIns="9144" rtlCol="0" anchor="ctr"/>
-            <a:lstStyle/>
-            <a:p>
-              <a:pPr algn="ctr"/>
-              <a:r>
-                <a:rPr lang="en-US" sz="1000" dirty="0" smtClean="0"/>
-                <a:t>Changing the  formula  for how funding is distributed is dangerous.</a:t>
-              </a:r>
-              <a:endParaRPr lang="en-US" sz="1000" dirty="0"/>
-            </a:p>
-          </p:txBody>
-        </p:sp>
-        <p:cxnSp>
-          <p:nvCxnSpPr>
-            <p:cNvPr id="68" name="Straight Arrow Connector 67"/>
-            <p:cNvCxnSpPr>
-              <a:stCxn id="67" idx="6"/>
-              <a:endCxn id="64" idx="1"/>
-            </p:cNvCxnSpPr>
-            <p:nvPr/>
-          </p:nvCxnSpPr>
-          <p:spPr>
-            <a:xfrm>
-              <a:off x="6031676" y="2918913"/>
-              <a:ext cx="357179" cy="0"/>
-            </a:xfrm>
-            <a:prstGeom prst="straightConnector1">
-              <a:avLst/>
-            </a:prstGeom>
-            <a:ln w="50800">
-              <a:solidFill>
-                <a:schemeClr val="tx1"/>
-              </a:solidFill>
-              <a:tailEnd type="triangle" w="med" len="med"/>
-            </a:ln>
-          </p:spPr>
-          <p:style>
-            <a:lnRef idx="1">
-              <a:schemeClr val="accent1"/>
-            </a:lnRef>
-            <a:fillRef idx="0">
-              <a:schemeClr val="accent1"/>
-            </a:fillRef>
-            <a:effectRef idx="0">
-              <a:schemeClr val="accent1"/>
-            </a:effectRef>
-            <a:fontRef idx="minor">
-              <a:schemeClr val="tx1"/>
-            </a:fontRef>
-          </p:style>
-        </p:cxnSp>
-        <p:sp>
-          <p:nvSpPr>
-            <p:cNvPr id="69" name="Oval 68"/>
-            <p:cNvSpPr>
-              <a:spLocks/>
-            </p:cNvSpPr>
-            <p:nvPr/>
-          </p:nvSpPr>
-          <p:spPr>
-            <a:xfrm>
-              <a:off x="8146204" y="2877460"/>
-              <a:ext cx="914400" cy="914400"/>
-            </a:xfrm>
-            <a:prstGeom prst="ellipse">
-              <a:avLst/>
-            </a:prstGeom>
-          </p:spPr>
-          <p:style>
-            <a:lnRef idx="2">
-              <a:schemeClr val="accent2">
-                <a:shade val="50000"/>
-              </a:schemeClr>
-            </a:lnRef>
-            <a:fillRef idx="1">
-              <a:schemeClr val="accent2"/>
-            </a:fillRef>
-            <a:effectRef idx="0">
-              <a:schemeClr val="accent2"/>
-            </a:effectRef>
-            <a:fontRef idx="minor">
-              <a:schemeClr val="lt1"/>
-            </a:fontRef>
-          </p:style>
-          <p:txBody>
-            <a:bodyPr lIns="9144" rIns="9144" rtlCol="0" anchor="ctr"/>
-            <a:lstStyle/>
-            <a:p>
-              <a:pPr algn="ctr"/>
-              <a:r>
-                <a:rPr lang="en-US" sz="1000" dirty="0" smtClean="0"/>
-                <a:t>Loss of global dominance</a:t>
-              </a:r>
-              <a:endParaRPr lang="en-US" sz="1000" dirty="0"/>
-            </a:p>
-          </p:txBody>
-        </p:sp>
-        <p:cxnSp>
-          <p:nvCxnSpPr>
-            <p:cNvPr id="74" name="Straight Arrow Connector 73"/>
-            <p:cNvCxnSpPr>
-              <a:stCxn id="64" idx="3"/>
-              <a:endCxn id="69" idx="1"/>
-            </p:cNvCxnSpPr>
-            <p:nvPr/>
-          </p:nvCxnSpPr>
-          <p:spPr>
-            <a:xfrm>
-              <a:off x="7760455" y="2918913"/>
-              <a:ext cx="519660" cy="92458"/>
-            </a:xfrm>
-            <a:prstGeom prst="straightConnector1">
-              <a:avLst/>
-            </a:prstGeom>
-            <a:ln w="50800">
-              <a:solidFill>
-                <a:schemeClr val="tx1"/>
-              </a:solidFill>
-              <a:tailEnd type="triangle" w="med" len="med"/>
-            </a:ln>
-          </p:spPr>
-          <p:style>
-            <a:lnRef idx="1">
-              <a:schemeClr val="accent1"/>
-            </a:lnRef>
-            <a:fillRef idx="0">
-              <a:schemeClr val="accent1"/>
-            </a:fillRef>
-            <a:effectRef idx="0">
-              <a:schemeClr val="accent1"/>
-            </a:effectRef>
-            <a:fontRef idx="minor">
-              <a:schemeClr val="tx1"/>
-            </a:fontRef>
-          </p:style>
-        </p:cxnSp>
-        <p:sp>
-          <p:nvSpPr>
-            <p:cNvPr id="79" name="Rounded Rectangle 78"/>
-            <p:cNvSpPr/>
-            <p:nvPr/>
-          </p:nvSpPr>
-          <p:spPr>
-            <a:xfrm>
-              <a:off x="6388855" y="3767130"/>
-              <a:ext cx="1371600" cy="914400"/>
-            </a:xfrm>
-            <a:prstGeom prst="roundRect">
-              <a:avLst/>
-            </a:prstGeom>
-            <a:solidFill>
-              <a:schemeClr val="bg1">
-                <a:lumMod val="50000"/>
-              </a:schemeClr>
-            </a:solidFill>
-            <a:ln>
-              <a:solidFill>
-                <a:schemeClr val="tx1">
-                  <a:lumMod val="65000"/>
-                  <a:lumOff val="35000"/>
-                </a:schemeClr>
-              </a:solidFill>
-            </a:ln>
-          </p:spPr>
-          <p:style>
-            <a:lnRef idx="2">
-              <a:schemeClr val="accent1">
-                <a:shade val="50000"/>
-              </a:schemeClr>
-            </a:lnRef>
-            <a:fillRef idx="1">
-              <a:schemeClr val="accent1"/>
-            </a:fillRef>
-            <a:effectRef idx="0">
-              <a:schemeClr val="accent1"/>
-            </a:effectRef>
-            <a:fontRef idx="minor">
-              <a:schemeClr val="lt1"/>
-            </a:fontRef>
-          </p:style>
-          <p:txBody>
-            <a:bodyPr lIns="9144" rIns="9144" rtlCol="0" anchor="ctr"/>
-            <a:lstStyle/>
-            <a:p>
-              <a:pPr algn="ctr"/>
-              <a:r>
-                <a:rPr lang="en-US" sz="1000" dirty="0" smtClean="0"/>
-                <a:t>This policy will result in sub-par research and development.</a:t>
-              </a:r>
-              <a:endParaRPr lang="en-US" sz="1000" dirty="0"/>
-            </a:p>
-          </p:txBody>
-        </p:sp>
-        <p:cxnSp>
-          <p:nvCxnSpPr>
-            <p:cNvPr id="81" name="Straight Arrow Connector 80"/>
-            <p:cNvCxnSpPr>
-              <a:stCxn id="50" idx="6"/>
-              <a:endCxn id="79" idx="1"/>
-            </p:cNvCxnSpPr>
-            <p:nvPr/>
-          </p:nvCxnSpPr>
-          <p:spPr>
-            <a:xfrm>
-              <a:off x="6031676" y="4224330"/>
-              <a:ext cx="357179" cy="0"/>
-            </a:xfrm>
-            <a:prstGeom prst="straightConnector1">
-              <a:avLst/>
-            </a:prstGeom>
-            <a:ln w="50800">
-              <a:solidFill>
-                <a:schemeClr val="tx1"/>
-              </a:solidFill>
-              <a:tailEnd type="triangle" w="med" len="med"/>
-            </a:ln>
-          </p:spPr>
-          <p:style>
-            <a:lnRef idx="1">
-              <a:schemeClr val="accent1"/>
-            </a:lnRef>
-            <a:fillRef idx="0">
-              <a:schemeClr val="accent1"/>
-            </a:fillRef>
-            <a:effectRef idx="0">
-              <a:schemeClr val="accent1"/>
-            </a:effectRef>
-            <a:fontRef idx="minor">
-              <a:schemeClr val="tx1"/>
-            </a:fontRef>
-          </p:style>
-        </p:cxnSp>
-        <p:cxnSp>
-          <p:nvCxnSpPr>
-            <p:cNvPr id="82" name="Straight Arrow Connector 81"/>
-            <p:cNvCxnSpPr>
-              <a:stCxn id="79" idx="3"/>
-              <a:endCxn id="69" idx="3"/>
-            </p:cNvCxnSpPr>
-            <p:nvPr/>
-          </p:nvCxnSpPr>
-          <p:spPr>
-            <a:xfrm flipV="1">
-              <a:off x="7760455" y="3657949"/>
-              <a:ext cx="519660" cy="566381"/>
-            </a:xfrm>
-            <a:prstGeom prst="straightConnector1">
-              <a:avLst/>
-            </a:prstGeom>
-            <a:ln w="50800">
-              <a:solidFill>
-                <a:schemeClr val="tx1"/>
-              </a:solidFill>
-              <a:tailEnd type="triangle" w="med" len="med"/>
-            </a:ln>
-          </p:spPr>
-          <p:style>
-            <a:lnRef idx="1">
-              <a:schemeClr val="accent1"/>
-            </a:lnRef>
-            <a:fillRef idx="0">
-              <a:schemeClr val="accent1"/>
-            </a:fillRef>
-            <a:effectRef idx="0">
-              <a:schemeClr val="accent1"/>
-            </a:effectRef>
-            <a:fontRef idx="minor">
-              <a:schemeClr val="tx1"/>
-            </a:fontRef>
-          </p:style>
-        </p:cxnSp>
-        <p:sp>
-          <p:nvSpPr>
-            <p:cNvPr id="50" name="Oval 49"/>
-            <p:cNvSpPr/>
-            <p:nvPr/>
-          </p:nvSpPr>
-          <p:spPr>
-            <a:xfrm>
-              <a:off x="4660076" y="3767130"/>
-              <a:ext cx="1371600" cy="914400"/>
-            </a:xfrm>
-            <a:prstGeom prst="ellipse">
-              <a:avLst/>
-            </a:prstGeom>
-          </p:spPr>
-          <p:style>
-            <a:lnRef idx="2">
-              <a:schemeClr val="accent2">
-                <a:shade val="50000"/>
-              </a:schemeClr>
-            </a:lnRef>
-            <a:fillRef idx="1">
-              <a:schemeClr val="accent2"/>
-            </a:fillRef>
-            <a:effectRef idx="0">
-              <a:schemeClr val="accent2"/>
-            </a:effectRef>
-            <a:fontRef idx="minor">
-              <a:schemeClr val="lt1"/>
-            </a:fontRef>
-          </p:style>
-          <p:txBody>
-            <a:bodyPr lIns="9144" rIns="9144" rtlCol="0" anchor="ctr"/>
-            <a:lstStyle/>
-            <a:p>
-              <a:pPr algn="ctr"/>
-              <a:r>
-                <a:rPr lang="en-US" sz="1000" dirty="0" smtClean="0"/>
-                <a:t>America’s research excellence will be  eroded.</a:t>
-              </a:r>
-              <a:endParaRPr lang="en-US" sz="1000" dirty="0"/>
-            </a:p>
-          </p:txBody>
-        </p:sp>
-      </p:grpSp>
-    </p:spTree>
-    <p:extLst>
-      <p:ext uri="{BB962C8B-B14F-4D97-AF65-F5344CB8AC3E}">
-        <p14:creationId xmlns:p14="http://schemas.microsoft.com/office/powerpoint/2010/main" val="2729307286"/>
-      </p:ext>
-    </p:extLst>
-  </p:cSld>
-  <p:clrMapOvr>
-    <a:masterClrMapping/>
-  </p:clrMapOvr>
+  <p:timing>
+    <p:tnLst>
+      <p:par>
+        <p:cTn id="1" dur="indefinite" restart="never" nodeType="tmRoot"/>
+      </p:par>
+    </p:tnLst>
+  </p:timing>
 </p:sld>
 </file>
 
@@ -14775,7 +13811,11 @@
             <a:pPr algn="ctr"/>
             <a:r>
               <a:rPr lang="en-US" dirty="0" smtClean="0"/>
-              <a:t>Policy and Political Implications Flow Diagram (Cont’d)</a:t>
+              <a:t>Policy and Political Implications Flow </a:t>
+            </a:r>
+            <a:r>
+              <a:rPr lang="en-US" dirty="0" smtClean="0"/>
+              <a:t>Diagram</a:t>
             </a:r>
             <a:endParaRPr lang="en-US" dirty="0"/>
           </a:p>
@@ -14783,16 +13823,16 @@
       </p:sp>
       <p:grpSp>
         <p:nvGrpSpPr>
-          <p:cNvPr id="32" name="Group 31"/>
+          <p:cNvPr id="13" name="Group 12"/>
           <p:cNvGrpSpPr/>
           <p:nvPr/>
         </p:nvGrpSpPr>
         <p:grpSpPr>
           <a:xfrm>
-            <a:off x="4660076" y="1181673"/>
-            <a:ext cx="4400528" cy="2845158"/>
-            <a:chOff x="4660076" y="904378"/>
-            <a:chExt cx="4400528" cy="2845158"/>
+            <a:off x="4628177" y="1171040"/>
+            <a:ext cx="4470702" cy="3149258"/>
+            <a:chOff x="4628177" y="1139141"/>
+            <a:chExt cx="4470702" cy="3149258"/>
           </a:xfrm>
         </p:grpSpPr>
         <p:sp>
@@ -14803,8 +13843,62 @@
           </p:nvSpPr>
           <p:spPr>
             <a:xfrm>
-              <a:off x="4660076" y="1868818"/>
-              <a:ext cx="1371600" cy="914400"/>
+              <a:off x="4628177" y="2124847"/>
+              <a:ext cx="1463040" cy="1188720"/>
+            </a:xfrm>
+            <a:prstGeom prst="ellipse">
+              <a:avLst/>
+            </a:prstGeom>
+          </p:spPr>
+          <p:style>
+            <a:lnRef idx="2">
+              <a:schemeClr val="accent3">
+                <a:shade val="50000"/>
+              </a:schemeClr>
+            </a:lnRef>
+            <a:fillRef idx="1">
+              <a:schemeClr val="accent3"/>
+            </a:fillRef>
+            <a:effectRef idx="0">
+              <a:schemeClr val="accent3"/>
+            </a:effectRef>
+            <a:fontRef idx="minor">
+              <a:schemeClr val="lt1"/>
+            </a:fontRef>
+          </p:style>
+          <p:txBody>
+            <a:bodyPr lIns="9144" rIns="9144" rtlCol="0" anchor="ctr"/>
+            <a:lstStyle/>
+            <a:p>
+              <a:pPr algn="ctr"/>
+              <a:r>
+                <a:rPr lang="en-US" sz="1200" dirty="0" smtClean="0"/>
+                <a:t>Talented researchers </a:t>
+              </a:r>
+              <a:r>
+                <a:rPr lang="en-US" sz="1200" dirty="0" smtClean="0"/>
+                <a:t>should not be denied </a:t>
+              </a:r>
+              <a:r>
+                <a:rPr lang="en-US" sz="1200" dirty="0" smtClean="0"/>
+                <a:t>opportunities.</a:t>
+              </a:r>
+              <a:endParaRPr lang="en-US" sz="1200" dirty="0"/>
+            </a:p>
+          </p:txBody>
+        </p:sp>
+        <p:sp>
+          <p:nvSpPr>
+            <p:cNvPr id="5" name="Oval 4"/>
+            <p:cNvSpPr>
+              <a:spLocks/>
+            </p:cNvSpPr>
+            <p:nvPr/>
+          </p:nvSpPr>
+          <p:spPr>
+            <a:xfrm>
+              <a:off x="8093039" y="1139141"/>
+              <a:ext cx="1005840" cy="1005840"/>
             </a:xfrm>
             <a:prstGeom prst="ellipse">
               <a:avLst/>
@@ -14832,56 +13926,10 @@
             <a:p>
               <a:pPr algn="ctr"/>
               <a:r>
-                <a:rPr lang="en-US" sz="1000" dirty="0" smtClean="0"/>
-                <a:t>Talented researchers with innovative ideas are being denied opportunities.</a:t>
-              </a:r>
-              <a:endParaRPr lang="en-US" sz="1000" dirty="0"/>
-            </a:p>
-          </p:txBody>
-        </p:sp>
-        <p:sp>
-          <p:nvSpPr>
-            <p:cNvPr id="5" name="Oval 4"/>
-            <p:cNvSpPr>
-              <a:spLocks/>
-            </p:cNvSpPr>
-            <p:nvPr/>
-          </p:nvSpPr>
-          <p:spPr>
-            <a:xfrm>
-              <a:off x="8146204" y="904378"/>
-              <a:ext cx="914400" cy="914400"/>
-            </a:xfrm>
-            <a:prstGeom prst="ellipse">
-              <a:avLst/>
-            </a:prstGeom>
-          </p:spPr>
-          <p:style>
-            <a:lnRef idx="2">
-              <a:schemeClr val="accent2">
-                <a:shade val="50000"/>
-              </a:schemeClr>
-            </a:lnRef>
-            <a:fillRef idx="1">
-              <a:schemeClr val="accent2"/>
-            </a:fillRef>
-            <a:effectRef idx="0">
-              <a:schemeClr val="accent2"/>
-            </a:effectRef>
-            <a:fontRef idx="minor">
-              <a:schemeClr val="lt1"/>
-            </a:fontRef>
-          </p:style>
-          <p:txBody>
-            <a:bodyPr lIns="9144" rIns="9144" rtlCol="0" anchor="ctr"/>
-            <a:lstStyle/>
-            <a:p>
-              <a:pPr algn="ctr"/>
-              <a:r>
-                <a:rPr lang="en-US" sz="1000" dirty="0" smtClean="0"/>
+                <a:rPr lang="en-US" sz="1200" dirty="0" smtClean="0"/>
                 <a:t>Erode what makes America superior</a:t>
               </a:r>
-              <a:endParaRPr lang="en-US" sz="1000" dirty="0"/>
+              <a:endParaRPr lang="en-US" sz="1200" dirty="0"/>
             </a:p>
           </p:txBody>
         </p:sp>
@@ -14893,8 +13941,8 @@
           </p:nvSpPr>
           <p:spPr>
             <a:xfrm>
-              <a:off x="6388855" y="1868818"/>
-              <a:ext cx="1371600" cy="914400"/>
+              <a:off x="6293158" y="2124847"/>
+              <a:ext cx="1554480" cy="1188720"/>
             </a:xfrm>
             <a:prstGeom prst="roundRect">
               <a:avLst/>
@@ -14935,10 +13983,22 @@
             <a:p>
               <a:pPr algn="ctr"/>
               <a:r>
-                <a:rPr lang="en-US" sz="1000" dirty="0" smtClean="0"/>
-                <a:t>Researchers at larger institutions are being punished simply because of where they work.</a:t>
+                <a:rPr lang="en-US" sz="1200" dirty="0" smtClean="0"/>
+                <a:t>This policy will punish talented researchers </a:t>
               </a:r>
-              <a:endParaRPr lang="en-US" sz="1000" dirty="0"/>
+              <a:r>
+                <a:rPr lang="en-US" sz="1200" dirty="0" smtClean="0"/>
+                <a:t>at larger institutions </a:t>
+              </a:r>
+              <a:r>
+                <a:rPr lang="en-US" sz="1200" dirty="0" smtClean="0"/>
+                <a:t>simply </a:t>
+              </a:r>
+              <a:r>
+                <a:rPr lang="en-US" sz="1200" dirty="0" smtClean="0"/>
+                <a:t>because of where they work.</a:t>
+              </a:r>
+              <a:endParaRPr lang="en-US" sz="1200" dirty="0"/>
             </a:p>
           </p:txBody>
         </p:sp>
@@ -14953,8 +14013,8 @@
           </p:nvCxnSpPr>
           <p:spPr>
             <a:xfrm>
-              <a:off x="6031676" y="2326018"/>
-              <a:ext cx="357179" cy="0"/>
+              <a:off x="6091217" y="2719207"/>
+              <a:ext cx="201941" cy="0"/>
             </a:xfrm>
             <a:prstGeom prst="straightConnector1">
               <a:avLst/>
@@ -14992,8 +14052,8 @@
           </p:nvCxnSpPr>
           <p:spPr>
             <a:xfrm flipV="1">
-              <a:off x="7760455" y="1684867"/>
-              <a:ext cx="519660" cy="641151"/>
+              <a:off x="7847638" y="1997679"/>
+              <a:ext cx="392703" cy="721528"/>
             </a:xfrm>
             <a:prstGeom prst="straightConnector1">
               <a:avLst/>
@@ -15031,8 +14091,8 @@
           </p:nvCxnSpPr>
           <p:spPr>
             <a:xfrm flipV="1">
-              <a:off x="7760455" y="2326017"/>
-              <a:ext cx="385749" cy="1"/>
+              <a:off x="7847638" y="2713770"/>
+              <a:ext cx="245401" cy="5437"/>
             </a:xfrm>
             <a:prstGeom prst="straightConnector1">
               <a:avLst/>
@@ -15069,8 +14129,8 @@
           </p:nvSpPr>
           <p:spPr>
             <a:xfrm>
-              <a:off x="8146204" y="1868817"/>
-              <a:ext cx="914400" cy="914400"/>
+              <a:off x="8093039" y="2210850"/>
+              <a:ext cx="1005840" cy="1005840"/>
             </a:xfrm>
             <a:prstGeom prst="ellipse">
               <a:avLst/>
@@ -15098,10 +14158,10 @@
             <a:p>
               <a:pPr algn="ctr"/>
               <a:r>
-                <a:rPr lang="en-US" sz="1000" dirty="0" smtClean="0"/>
+                <a:rPr lang="en-US" sz="1200" dirty="0" smtClean="0"/>
                 <a:t>Reduce  innovation</a:t>
               </a:r>
-              <a:endParaRPr lang="en-US" sz="1000" dirty="0"/>
+              <a:endParaRPr lang="en-US" sz="1200" dirty="0"/>
             </a:p>
           </p:txBody>
         </p:sp>
@@ -15115,8 +14175,8 @@
           </p:nvSpPr>
           <p:spPr>
             <a:xfrm>
-              <a:off x="8146204" y="2835136"/>
-              <a:ext cx="914400" cy="914400"/>
+              <a:off x="8093039" y="3282559"/>
+              <a:ext cx="1005840" cy="1005840"/>
             </a:xfrm>
             <a:prstGeom prst="ellipse">
               <a:avLst/>
@@ -15144,10 +14204,10 @@
             <a:p>
               <a:pPr algn="ctr"/>
               <a:r>
-                <a:rPr lang="en-US" sz="1000" dirty="0" smtClean="0"/>
+                <a:rPr lang="en-US" sz="1200" dirty="0" smtClean="0"/>
                 <a:t>Loss of global dominance</a:t>
               </a:r>
-              <a:endParaRPr lang="en-US" sz="1000" dirty="0"/>
+              <a:endParaRPr lang="en-US" sz="1200" dirty="0"/>
             </a:p>
           </p:txBody>
         </p:sp>
@@ -15162,8 +14222,8 @@
           </p:nvCxnSpPr>
           <p:spPr>
             <a:xfrm>
-              <a:off x="7760455" y="2326018"/>
-              <a:ext cx="519660" cy="643029"/>
+              <a:off x="7847638" y="2719207"/>
+              <a:ext cx="392703" cy="710654"/>
             </a:xfrm>
             <a:prstGeom prst="straightConnector1">
               <a:avLst/>
@@ -15193,16 +14253,16 @@
       </p:grpSp>
       <p:grpSp>
         <p:nvGrpSpPr>
-          <p:cNvPr id="22" name="Group 21"/>
+          <p:cNvPr id="9" name="Group 8"/>
           <p:cNvGrpSpPr/>
           <p:nvPr/>
         </p:nvGrpSpPr>
         <p:grpSpPr>
           <a:xfrm>
-            <a:off x="95220" y="1184327"/>
-            <a:ext cx="4400528" cy="2839850"/>
-            <a:chOff x="4660076" y="2763209"/>
-            <a:chExt cx="4400528" cy="2839850"/>
+            <a:off x="42055" y="2385856"/>
+            <a:ext cx="4513234" cy="3154583"/>
+            <a:chOff x="42055" y="1163061"/>
+            <a:chExt cx="4513234" cy="3154583"/>
           </a:xfrm>
         </p:grpSpPr>
         <p:sp>
@@ -15213,8 +14273,8 @@
           </p:nvSpPr>
           <p:spPr>
             <a:xfrm>
-              <a:off x="4660076" y="3724214"/>
-              <a:ext cx="1371600" cy="914400"/>
+              <a:off x="42055" y="2145332"/>
+              <a:ext cx="1463040" cy="1188720"/>
             </a:xfrm>
             <a:prstGeom prst="ellipse">
               <a:avLst/>
@@ -15242,10 +14302,10 @@
             <a:p>
               <a:pPr algn="ctr"/>
               <a:r>
-                <a:rPr lang="en-US" sz="1000" dirty="0" smtClean="0"/>
+                <a:rPr lang="en-US" sz="1200" dirty="0" smtClean="0"/>
                 <a:t>Small businesses are more efficient innovators.</a:t>
               </a:r>
-              <a:endParaRPr lang="en-US" sz="1000" dirty="0"/>
+              <a:endParaRPr lang="en-US" sz="1200" dirty="0"/>
             </a:p>
           </p:txBody>
         </p:sp>
@@ -15259,8 +14319,8 @@
           </p:nvSpPr>
           <p:spPr>
             <a:xfrm>
-              <a:off x="8146204" y="3724214"/>
-              <a:ext cx="914400" cy="914400"/>
+              <a:off x="3549449" y="2232116"/>
+              <a:ext cx="1005840" cy="1005840"/>
             </a:xfrm>
             <a:prstGeom prst="ellipse">
               <a:avLst/>
@@ -15288,10 +14348,10 @@
             <a:p>
               <a:pPr algn="ctr"/>
               <a:r>
-                <a:rPr lang="en-US" sz="1000" dirty="0" smtClean="0"/>
+                <a:rPr lang="en-US" sz="1200" dirty="0" smtClean="0"/>
                 <a:t>Maintain global dominance</a:t>
               </a:r>
-              <a:endParaRPr lang="en-US" sz="1000" dirty="0"/>
+              <a:endParaRPr lang="en-US" sz="1200" dirty="0"/>
             </a:p>
           </p:txBody>
         </p:sp>
@@ -15303,8 +14363,8 @@
           </p:nvSpPr>
           <p:spPr>
             <a:xfrm>
-              <a:off x="6388855" y="3724214"/>
-              <a:ext cx="1371600" cy="914400"/>
+              <a:off x="1738935" y="2145332"/>
+              <a:ext cx="1554480" cy="1188720"/>
             </a:xfrm>
             <a:prstGeom prst="roundRect">
               <a:avLst/>
@@ -15345,34 +14405,26 @@
             <a:p>
               <a:pPr algn="ctr"/>
               <a:r>
-                <a:rPr lang="en-US" sz="1000" dirty="0" smtClean="0"/>
-                <a:t>This policy will </a:t>
+                <a:rPr lang="en-US" sz="1200" dirty="0" smtClean="0"/>
+                <a:t>This policy will allow small </a:t>
               </a:r>
               <a:r>
-                <a:rPr lang="en-US" sz="1000" dirty="0" smtClean="0"/>
-                <a:t>allow </a:t>
+                <a:rPr lang="en-US" sz="1200" dirty="0" smtClean="0"/>
+                <a:t>businesses a </a:t>
               </a:r>
               <a:r>
-                <a:rPr lang="en-US" sz="1000" dirty="0" smtClean="0"/>
-                <a:t>small </a:t>
+                <a:rPr lang="en-US" sz="1200" dirty="0" smtClean="0"/>
+                <a:t>fair chance to contribute </a:t>
               </a:r>
               <a:r>
-                <a:rPr lang="en-US" sz="1000" dirty="0" smtClean="0"/>
-                <a:t>businesses </a:t>
+                <a:rPr lang="en-US" sz="1200" dirty="0" smtClean="0"/>
+                <a:t>significant innovations to </a:t>
               </a:r>
               <a:r>
-                <a:rPr lang="en-US" sz="1000" dirty="0" smtClean="0"/>
-                <a:t>a fair chance to contribute significant </a:t>
+                <a:rPr lang="en-US" sz="1200" dirty="0" smtClean="0"/>
+                <a:t>benefit the nation.</a:t>
               </a:r>
-              <a:r>
-                <a:rPr lang="en-US" sz="1000" dirty="0" smtClean="0"/>
-                <a:t>technological innovations </a:t>
-              </a:r>
-              <a:r>
-                <a:rPr lang="en-US" sz="1000" dirty="0" smtClean="0"/>
-                <a:t> to benefit the nation.</a:t>
-              </a:r>
-              <a:endParaRPr lang="en-US" sz="1000" dirty="0"/>
+              <a:endParaRPr lang="en-US" sz="1200" dirty="0"/>
             </a:p>
           </p:txBody>
         </p:sp>
@@ -15387,8 +14439,8 @@
           </p:nvCxnSpPr>
           <p:spPr>
             <a:xfrm>
-              <a:off x="6031676" y="4181414"/>
-              <a:ext cx="357179" cy="0"/>
+              <a:off x="1505095" y="2739692"/>
+              <a:ext cx="233840" cy="0"/>
             </a:xfrm>
             <a:prstGeom prst="straightConnector1">
               <a:avLst/>
@@ -15425,9 +14477,9 @@
             <p:nvPr/>
           </p:nvCxnSpPr>
           <p:spPr>
-            <a:xfrm>
-              <a:off x="7760455" y="4181414"/>
-              <a:ext cx="385749" cy="0"/>
+            <a:xfrm flipV="1">
+              <a:off x="3293415" y="2735036"/>
+              <a:ext cx="256034" cy="4656"/>
             </a:xfrm>
             <a:prstGeom prst="straightConnector1">
               <a:avLst/>
@@ -15464,8 +14516,8 @@
           </p:nvSpPr>
           <p:spPr>
             <a:xfrm>
-              <a:off x="8146204" y="2763209"/>
-              <a:ext cx="914400" cy="914400"/>
+              <a:off x="3549449" y="1163061"/>
+              <a:ext cx="1005840" cy="1005840"/>
             </a:xfrm>
             <a:prstGeom prst="ellipse">
               <a:avLst/>
@@ -15493,10 +14545,10 @@
             <a:p>
               <a:pPr algn="ctr"/>
               <a:r>
-                <a:rPr lang="en-US" sz="1000" dirty="0" smtClean="0"/>
+                <a:rPr lang="en-US" sz="1200" dirty="0" smtClean="0"/>
                 <a:t>Maintain our way of life</a:t>
               </a:r>
-              <a:endParaRPr lang="en-US" sz="1000" dirty="0"/>
+              <a:endParaRPr lang="en-US" sz="1200" dirty="0"/>
             </a:p>
           </p:txBody>
         </p:sp>
@@ -15510,8 +14562,8 @@
           </p:nvSpPr>
           <p:spPr>
             <a:xfrm>
-              <a:off x="8146204" y="4688659"/>
-              <a:ext cx="914400" cy="914400"/>
+              <a:off x="3549449" y="3311804"/>
+              <a:ext cx="1005840" cy="1005840"/>
             </a:xfrm>
             <a:prstGeom prst="ellipse">
               <a:avLst/>
@@ -15539,10 +14591,10 @@
             <a:p>
               <a:pPr algn="ctr"/>
               <a:r>
-                <a:rPr lang="en-US" sz="1000" dirty="0" smtClean="0"/>
+                <a:rPr lang="en-US" sz="1200" dirty="0" smtClean="0"/>
                 <a:t>Generate economic prosperity</a:t>
               </a:r>
-              <a:endParaRPr lang="en-US" sz="1000" dirty="0"/>
+              <a:endParaRPr lang="en-US" sz="1200" dirty="0"/>
             </a:p>
           </p:txBody>
         </p:sp>
@@ -15557,8 +14609,8 @@
           </p:nvCxnSpPr>
           <p:spPr>
             <a:xfrm flipV="1">
-              <a:off x="7760455" y="3543698"/>
-              <a:ext cx="519660" cy="637716"/>
+              <a:off x="3293415" y="2021599"/>
+              <a:ext cx="403336" cy="718093"/>
             </a:xfrm>
             <a:prstGeom prst="straightConnector1">
               <a:avLst/>
@@ -15596,8 +14648,8 @@
           </p:nvCxnSpPr>
           <p:spPr>
             <a:xfrm>
-              <a:off x="7760455" y="4181414"/>
-              <a:ext cx="519660" cy="641156"/>
+              <a:off x="3293415" y="2739692"/>
+              <a:ext cx="403336" cy="719414"/>
             </a:xfrm>
             <a:prstGeom prst="straightConnector1">
               <a:avLst/>
@@ -15633,7 +14685,7 @@
         </p:nvCxnSpPr>
         <p:spPr>
           <a:xfrm>
-            <a:off x="4572000" y="786831"/>
+            <a:off x="4593266" y="914427"/>
             <a:ext cx="0" cy="4572000"/>
           </a:xfrm>
           <a:prstGeom prst="line">
@@ -15720,6 +14772,246 @@
           </a:p>
         </p:txBody>
       </p:sp>
+      <p:grpSp>
+        <p:nvGrpSpPr>
+          <p:cNvPr id="36" name="Group 35"/>
+          <p:cNvGrpSpPr/>
+          <p:nvPr/>
+        </p:nvGrpSpPr>
+        <p:grpSpPr>
+          <a:xfrm>
+            <a:off x="53983" y="1214437"/>
+            <a:ext cx="4491968" cy="1188720"/>
+            <a:chOff x="107148" y="1214437"/>
+            <a:chExt cx="4491968" cy="1188720"/>
+          </a:xfrm>
+        </p:grpSpPr>
+        <p:sp>
+          <p:nvSpPr>
+            <p:cNvPr id="37" name="Oval 36"/>
+            <p:cNvSpPr/>
+            <p:nvPr/>
+          </p:nvSpPr>
+          <p:spPr>
+            <a:xfrm>
+              <a:off x="107148" y="1214437"/>
+              <a:ext cx="1463040" cy="1188720"/>
+            </a:xfrm>
+            <a:prstGeom prst="ellipse">
+              <a:avLst/>
+            </a:prstGeom>
+          </p:spPr>
+          <p:style>
+            <a:lnRef idx="2">
+              <a:schemeClr val="accent2">
+                <a:shade val="50000"/>
+              </a:schemeClr>
+            </a:lnRef>
+            <a:fillRef idx="1">
+              <a:schemeClr val="accent2"/>
+            </a:fillRef>
+            <a:effectRef idx="0">
+              <a:schemeClr val="accent2"/>
+            </a:effectRef>
+            <a:fontRef idx="minor">
+              <a:schemeClr val="lt1"/>
+            </a:fontRef>
+          </p:style>
+          <p:txBody>
+            <a:bodyPr lIns="0" tIns="9144" rIns="0" bIns="9144" rtlCol="0" anchor="ctr"/>
+            <a:lstStyle/>
+            <a:p>
+              <a:pPr algn="ctr"/>
+              <a:r>
+                <a:rPr lang="en-US" sz="1200" dirty="0" smtClean="0"/>
+                <a:t>America’s enemies will use the situation to harm us if current trends persist.</a:t>
+              </a:r>
+              <a:endParaRPr lang="en-US" sz="1200" dirty="0"/>
+            </a:p>
+          </p:txBody>
+        </p:sp>
+        <p:sp>
+          <p:nvSpPr>
+            <p:cNvPr id="38" name="Oval 37"/>
+            <p:cNvSpPr>
+              <a:spLocks/>
+            </p:cNvSpPr>
+            <p:nvPr/>
+          </p:nvSpPr>
+          <p:spPr>
+            <a:xfrm>
+              <a:off x="3593276" y="1299501"/>
+              <a:ext cx="1005840" cy="1005840"/>
+            </a:xfrm>
+            <a:prstGeom prst="ellipse">
+              <a:avLst/>
+            </a:prstGeom>
+          </p:spPr>
+          <p:style>
+            <a:lnRef idx="2">
+              <a:schemeClr val="accent3">
+                <a:shade val="50000"/>
+              </a:schemeClr>
+            </a:lnRef>
+            <a:fillRef idx="1">
+              <a:schemeClr val="accent3"/>
+            </a:fillRef>
+            <a:effectRef idx="0">
+              <a:schemeClr val="accent3"/>
+            </a:effectRef>
+            <a:fontRef idx="minor">
+              <a:schemeClr val="lt1"/>
+            </a:fontRef>
+          </p:style>
+          <p:txBody>
+            <a:bodyPr lIns="9144" rIns="9144" rtlCol="0" anchor="ctr"/>
+            <a:lstStyle/>
+            <a:p>
+              <a:pPr algn="ctr"/>
+              <a:r>
+                <a:rPr lang="en-US" sz="1200" dirty="0" smtClean="0"/>
+                <a:t>Protect our way of life</a:t>
+              </a:r>
+              <a:endParaRPr lang="en-US" sz="1200" dirty="0"/>
+            </a:p>
+          </p:txBody>
+        </p:sp>
+        <p:sp>
+          <p:nvSpPr>
+            <p:cNvPr id="39" name="Rounded Rectangle 38"/>
+            <p:cNvSpPr/>
+            <p:nvPr/>
+          </p:nvSpPr>
+          <p:spPr>
+            <a:xfrm>
+              <a:off x="1835927" y="1214437"/>
+              <a:ext cx="1554480" cy="1188720"/>
+            </a:xfrm>
+            <a:prstGeom prst="roundRect">
+              <a:avLst/>
+            </a:prstGeom>
+            <a:solidFill>
+              <a:schemeClr val="bg1">
+                <a:lumMod val="50000"/>
+              </a:schemeClr>
+            </a:solidFill>
+            <a:ln>
+              <a:solidFill>
+                <a:schemeClr val="tx1">
+                  <a:lumMod val="65000"/>
+                  <a:lumOff val="35000"/>
+                </a:schemeClr>
+              </a:solidFill>
+            </a:ln>
+          </p:spPr>
+          <p:style>
+            <a:lnRef idx="2">
+              <a:schemeClr val="accent1">
+                <a:shade val="50000"/>
+              </a:schemeClr>
+            </a:lnRef>
+            <a:fillRef idx="1">
+              <a:schemeClr val="accent1"/>
+            </a:fillRef>
+            <a:effectRef idx="0">
+              <a:schemeClr val="accent1"/>
+            </a:effectRef>
+            <a:fontRef idx="minor">
+              <a:schemeClr val="lt1"/>
+            </a:fontRef>
+          </p:style>
+          <p:txBody>
+            <a:bodyPr lIns="9144" rIns="9144" rtlCol="0" anchor="ctr"/>
+            <a:lstStyle/>
+            <a:p>
+              <a:pPr algn="ctr"/>
+              <a:r>
+                <a:rPr lang="en-US" sz="1200" dirty="0" smtClean="0"/>
+                <a:t>This policy stops and reverses the current trends of economic loss and lack of innovation.</a:t>
+              </a:r>
+              <a:endParaRPr lang="en-US" sz="1200" dirty="0"/>
+            </a:p>
+          </p:txBody>
+        </p:sp>
+        <p:cxnSp>
+          <p:nvCxnSpPr>
+            <p:cNvPr id="40" name="Straight Arrow Connector 39"/>
+            <p:cNvCxnSpPr>
+              <a:stCxn id="37" idx="6"/>
+              <a:endCxn id="39" idx="1"/>
+            </p:cNvCxnSpPr>
+            <p:nvPr/>
+          </p:nvCxnSpPr>
+          <p:spPr>
+            <a:xfrm>
+              <a:off x="1570188" y="1808797"/>
+              <a:ext cx="265739" cy="0"/>
+            </a:xfrm>
+            <a:prstGeom prst="straightConnector1">
+              <a:avLst/>
+            </a:prstGeom>
+            <a:ln w="50800">
+              <a:solidFill>
+                <a:schemeClr val="tx1"/>
+              </a:solidFill>
+              <a:tailEnd type="triangle" w="med" len="med"/>
+            </a:ln>
+          </p:spPr>
+          <p:style>
+            <a:lnRef idx="1">
+              <a:schemeClr val="accent1"/>
+            </a:lnRef>
+            <a:fillRef idx="0">
+              <a:schemeClr val="accent1"/>
+            </a:fillRef>
+            <a:effectRef idx="0">
+              <a:schemeClr val="accent1"/>
+            </a:effectRef>
+            <a:fontRef idx="minor">
+              <a:schemeClr val="tx1"/>
+            </a:fontRef>
+          </p:style>
+        </p:cxnSp>
+        <p:cxnSp>
+          <p:nvCxnSpPr>
+            <p:cNvPr id="41" name="Straight Arrow Connector 40"/>
+            <p:cNvCxnSpPr>
+              <a:stCxn id="39" idx="3"/>
+              <a:endCxn id="38" idx="2"/>
+            </p:cNvCxnSpPr>
+            <p:nvPr/>
+          </p:nvCxnSpPr>
+          <p:spPr>
+            <a:xfrm flipV="1">
+              <a:off x="3390407" y="1802421"/>
+              <a:ext cx="202869" cy="6376"/>
+            </a:xfrm>
+            <a:prstGeom prst="straightConnector1">
+              <a:avLst/>
+            </a:prstGeom>
+            <a:ln w="50800">
+              <a:solidFill>
+                <a:schemeClr val="tx1"/>
+              </a:solidFill>
+              <a:tailEnd type="triangle" w="med" len="med"/>
+            </a:ln>
+          </p:spPr>
+          <p:style>
+            <a:lnRef idx="1">
+              <a:schemeClr val="accent1"/>
+            </a:lnRef>
+            <a:fillRef idx="0">
+              <a:schemeClr val="accent1"/>
+            </a:fillRef>
+            <a:effectRef idx="0">
+              <a:schemeClr val="accent1"/>
+            </a:effectRef>
+            <a:fontRef idx="minor">
+              <a:schemeClr val="tx1"/>
+            </a:fontRef>
+          </p:style>
+        </p:cxnSp>
+      </p:grpSp>
     </p:spTree>
     <p:extLst>
       <p:ext uri="{BB962C8B-B14F-4D97-AF65-F5344CB8AC3E}">
@@ -15730,6 +15022,1553 @@
   <p:clrMapOvr>
     <a:masterClrMapping/>
   </p:clrMapOvr>
+  <p:timing>
+    <p:tnLst>
+      <p:par>
+        <p:cTn id="1" dur="indefinite" restart="never" nodeType="tmRoot"/>
+      </p:par>
+    </p:tnLst>
+  </p:timing>
+</p:sld>
+</file>
+
+<file path=ppt/slides/slide5.xml><?xml version="1.0" encoding="utf-8"?>
+<p:sld xmlns:a="http://schemas.openxmlformats.org/drawingml/2006/main" xmlns:r="http://schemas.openxmlformats.org/officeDocument/2006/relationships" xmlns:p="http://schemas.openxmlformats.org/presentationml/2006/main">
+  <p:cSld>
+    <p:spTree>
+      <p:nvGrpSpPr>
+        <p:cNvPr id="1" name=""/>
+        <p:cNvGrpSpPr/>
+        <p:nvPr/>
+      </p:nvGrpSpPr>
+      <p:grpSpPr>
+        <a:xfrm>
+          <a:off x="0" y="0"/>
+          <a:ext cx="0" cy="0"/>
+          <a:chOff x="0" y="0"/>
+          <a:chExt cx="0" cy="0"/>
+        </a:xfrm>
+      </p:grpSpPr>
+      <p:sp>
+        <p:nvSpPr>
+          <p:cNvPr id="2" name="TextBox 1"/>
+          <p:cNvSpPr txBox="1"/>
+          <p:nvPr/>
+        </p:nvSpPr>
+        <p:spPr>
+          <a:xfrm>
+            <a:off x="914400" y="64292"/>
+            <a:ext cx="7315200" cy="461665"/>
+          </a:xfrm>
+          <a:prstGeom prst="rect">
+            <a:avLst/>
+          </a:prstGeom>
+          <a:noFill/>
+        </p:spPr>
+        <p:txBody>
+          <a:bodyPr wrap="square" rtlCol="0">
+            <a:spAutoFit/>
+          </a:bodyPr>
+          <a:lstStyle/>
+          <a:p>
+            <a:pPr algn="ctr"/>
+            <a:r>
+              <a:rPr lang="en-US" sz="2400" b="1" dirty="0" err="1" smtClean="0"/>
+              <a:t>Pub.L</a:t>
+            </a:r>
+            <a:r>
+              <a:rPr lang="en-US" sz="2400" b="1" dirty="0" smtClean="0"/>
+              <a:t>. 97-219 Small Business Innovation Act of 1982</a:t>
+            </a:r>
+          </a:p>
+        </p:txBody>
+      </p:sp>
+      <p:sp>
+        <p:nvSpPr>
+          <p:cNvPr id="3" name="TextBox 2"/>
+          <p:cNvSpPr txBox="1"/>
+          <p:nvPr/>
+        </p:nvSpPr>
+        <p:spPr>
+          <a:xfrm>
+            <a:off x="1600200" y="419100"/>
+            <a:ext cx="5943600" cy="369332"/>
+          </a:xfrm>
+          <a:prstGeom prst="rect">
+            <a:avLst/>
+          </a:prstGeom>
+          <a:noFill/>
+        </p:spPr>
+        <p:txBody>
+          <a:bodyPr wrap="square" rtlCol="0">
+            <a:spAutoFit/>
+          </a:bodyPr>
+          <a:lstStyle/>
+          <a:p>
+            <a:pPr algn="ctr"/>
+            <a:r>
+              <a:rPr lang="en-US" dirty="0" smtClean="0"/>
+              <a:t>Policy and Political Implications Flow </a:t>
+            </a:r>
+            <a:r>
+              <a:rPr lang="en-US" dirty="0" smtClean="0"/>
+              <a:t>Diagram (cont’d)</a:t>
+            </a:r>
+            <a:endParaRPr lang="en-US" dirty="0"/>
+          </a:p>
+        </p:txBody>
+      </p:sp>
+      <p:sp>
+        <p:nvSpPr>
+          <p:cNvPr id="87" name="TextBox 86"/>
+          <p:cNvSpPr txBox="1"/>
+          <p:nvPr/>
+        </p:nvSpPr>
+        <p:spPr>
+          <a:xfrm>
+            <a:off x="1066800" y="740569"/>
+            <a:ext cx="1828800" cy="365760"/>
+          </a:xfrm>
+          <a:prstGeom prst="rect">
+            <a:avLst/>
+          </a:prstGeom>
+          <a:noFill/>
+        </p:spPr>
+        <p:txBody>
+          <a:bodyPr wrap="square" rtlCol="0">
+            <a:spAutoFit/>
+          </a:bodyPr>
+          <a:lstStyle/>
+          <a:p>
+            <a:pPr algn="ctr"/>
+            <a:r>
+              <a:rPr lang="en-US" i="1" u="sng" dirty="0" smtClean="0"/>
+              <a:t>Proponents</a:t>
+            </a:r>
+            <a:endParaRPr lang="en-US" i="1" u="sng" dirty="0"/>
+          </a:p>
+        </p:txBody>
+      </p:sp>
+      <p:sp>
+        <p:nvSpPr>
+          <p:cNvPr id="88" name="TextBox 87"/>
+          <p:cNvSpPr txBox="1"/>
+          <p:nvPr/>
+        </p:nvSpPr>
+        <p:spPr>
+          <a:xfrm>
+            <a:off x="6096000" y="740569"/>
+            <a:ext cx="1828800" cy="365760"/>
+          </a:xfrm>
+          <a:prstGeom prst="rect">
+            <a:avLst/>
+          </a:prstGeom>
+          <a:noFill/>
+        </p:spPr>
+        <p:txBody>
+          <a:bodyPr wrap="square" rtlCol="0">
+            <a:spAutoFit/>
+          </a:bodyPr>
+          <a:lstStyle/>
+          <a:p>
+            <a:pPr algn="ctr"/>
+            <a:r>
+              <a:rPr lang="en-US" i="1" u="sng" dirty="0" smtClean="0"/>
+              <a:t>Opponents</a:t>
+            </a:r>
+            <a:endParaRPr lang="en-US" i="1" u="sng" dirty="0"/>
+          </a:p>
+        </p:txBody>
+      </p:sp>
+      <p:cxnSp>
+        <p:nvCxnSpPr>
+          <p:cNvPr id="42" name="Straight Connector 41"/>
+          <p:cNvCxnSpPr/>
+          <p:nvPr/>
+        </p:nvCxnSpPr>
+        <p:spPr>
+          <a:xfrm>
+            <a:off x="4582633" y="963104"/>
+            <a:ext cx="0" cy="4572000"/>
+          </a:xfrm>
+          <a:prstGeom prst="line">
+            <a:avLst/>
+          </a:prstGeom>
+          <a:ln w="19050">
+            <a:prstDash val="sysDash"/>
+          </a:ln>
+        </p:spPr>
+        <p:style>
+          <a:lnRef idx="1">
+            <a:schemeClr val="accent1"/>
+          </a:lnRef>
+          <a:fillRef idx="0">
+            <a:schemeClr val="accent1"/>
+          </a:fillRef>
+          <a:effectRef idx="0">
+            <a:schemeClr val="accent1"/>
+          </a:effectRef>
+          <a:fontRef idx="minor">
+            <a:schemeClr val="tx1"/>
+          </a:fontRef>
+        </p:style>
+      </p:cxnSp>
+      <p:grpSp>
+        <p:nvGrpSpPr>
+          <p:cNvPr id="38" name="Group 37"/>
+          <p:cNvGrpSpPr/>
+          <p:nvPr/>
+        </p:nvGrpSpPr>
+        <p:grpSpPr>
+          <a:xfrm>
+            <a:off x="4649443" y="1204426"/>
+            <a:ext cx="4460069" cy="3751424"/>
+            <a:chOff x="4660076" y="1204426"/>
+            <a:chExt cx="4460069" cy="3751424"/>
+          </a:xfrm>
+        </p:grpSpPr>
+        <p:sp>
+          <p:nvSpPr>
+            <p:cNvPr id="43" name="Oval 42"/>
+            <p:cNvSpPr/>
+            <p:nvPr/>
+          </p:nvSpPr>
+          <p:spPr>
+            <a:xfrm>
+              <a:off x="4660076" y="1204426"/>
+              <a:ext cx="1463040" cy="1188720"/>
+            </a:xfrm>
+            <a:prstGeom prst="ellipse">
+              <a:avLst/>
+            </a:prstGeom>
+          </p:spPr>
+          <p:style>
+            <a:lnRef idx="2">
+              <a:schemeClr val="accent3">
+                <a:shade val="50000"/>
+              </a:schemeClr>
+            </a:lnRef>
+            <a:fillRef idx="1">
+              <a:schemeClr val="accent3"/>
+            </a:fillRef>
+            <a:effectRef idx="0">
+              <a:schemeClr val="accent3"/>
+            </a:effectRef>
+            <a:fontRef idx="minor">
+              <a:schemeClr val="lt1"/>
+            </a:fontRef>
+          </p:style>
+          <p:txBody>
+            <a:bodyPr lIns="0" tIns="9144" rIns="0" bIns="9144" rtlCol="0" anchor="ctr"/>
+            <a:lstStyle/>
+            <a:p>
+              <a:pPr algn="ctr"/>
+              <a:r>
+                <a:rPr lang="en-US" sz="1200" dirty="0" smtClean="0"/>
+                <a:t>America is </a:t>
+              </a:r>
+              <a:r>
+                <a:rPr lang="en-US" sz="1200" dirty="0" smtClean="0"/>
+                <a:t>guided by principles of fairness.</a:t>
+              </a:r>
+              <a:endParaRPr lang="en-US" sz="1200" dirty="0"/>
+            </a:p>
+          </p:txBody>
+        </p:sp>
+        <p:sp>
+          <p:nvSpPr>
+            <p:cNvPr id="44" name="Oval 43"/>
+            <p:cNvSpPr>
+              <a:spLocks/>
+            </p:cNvSpPr>
+            <p:nvPr/>
+          </p:nvSpPr>
+          <p:spPr>
+            <a:xfrm>
+              <a:off x="8114305" y="1300123"/>
+              <a:ext cx="1005840" cy="1005840"/>
+            </a:xfrm>
+            <a:prstGeom prst="ellipse">
+              <a:avLst/>
+            </a:prstGeom>
+          </p:spPr>
+          <p:style>
+            <a:lnRef idx="2">
+              <a:schemeClr val="accent2">
+                <a:shade val="50000"/>
+              </a:schemeClr>
+            </a:lnRef>
+            <a:fillRef idx="1">
+              <a:schemeClr val="accent2"/>
+            </a:fillRef>
+            <a:effectRef idx="0">
+              <a:schemeClr val="accent2"/>
+            </a:effectRef>
+            <a:fontRef idx="minor">
+              <a:schemeClr val="lt1"/>
+            </a:fontRef>
+          </p:style>
+          <p:txBody>
+            <a:bodyPr lIns="9144" rIns="9144" rtlCol="0" anchor="ctr"/>
+            <a:lstStyle/>
+            <a:p>
+              <a:pPr algn="ctr"/>
+              <a:r>
+                <a:rPr lang="en-US" sz="1200" dirty="0" smtClean="0"/>
+                <a:t>Erode what makes America superior</a:t>
+              </a:r>
+              <a:endParaRPr lang="en-US" sz="1200" dirty="0"/>
+            </a:p>
+          </p:txBody>
+        </p:sp>
+        <p:sp>
+          <p:nvSpPr>
+            <p:cNvPr id="45" name="Rounded Rectangle 44"/>
+            <p:cNvSpPr/>
+            <p:nvPr/>
+          </p:nvSpPr>
+          <p:spPr>
+            <a:xfrm>
+              <a:off x="6346323" y="1204426"/>
+              <a:ext cx="1554480" cy="1188720"/>
+            </a:xfrm>
+            <a:prstGeom prst="roundRect">
+              <a:avLst/>
+            </a:prstGeom>
+            <a:solidFill>
+              <a:schemeClr val="bg1">
+                <a:lumMod val="50000"/>
+              </a:schemeClr>
+            </a:solidFill>
+            <a:ln>
+              <a:solidFill>
+                <a:schemeClr val="tx1">
+                  <a:lumMod val="65000"/>
+                  <a:lumOff val="35000"/>
+                </a:schemeClr>
+              </a:solidFill>
+            </a:ln>
+          </p:spPr>
+          <p:style>
+            <a:lnRef idx="2">
+              <a:schemeClr val="accent1">
+                <a:shade val="50000"/>
+              </a:schemeClr>
+            </a:lnRef>
+            <a:fillRef idx="1">
+              <a:schemeClr val="accent1"/>
+            </a:fillRef>
+            <a:effectRef idx="0">
+              <a:schemeClr val="accent1"/>
+            </a:effectRef>
+            <a:fontRef idx="minor">
+              <a:schemeClr val="lt1"/>
+            </a:fontRef>
+          </p:style>
+          <p:txBody>
+            <a:bodyPr lIns="9144" rIns="9144" rtlCol="0" anchor="ctr"/>
+            <a:lstStyle/>
+            <a:p>
+              <a:pPr algn="ctr"/>
+              <a:r>
+                <a:rPr lang="en-US" sz="1200" dirty="0" smtClean="0"/>
+                <a:t>This policy discriminates by showing favoritism to one group over all others.</a:t>
+              </a:r>
+              <a:endParaRPr lang="en-US" sz="1200" dirty="0"/>
+            </a:p>
+          </p:txBody>
+        </p:sp>
+        <p:cxnSp>
+          <p:nvCxnSpPr>
+            <p:cNvPr id="46" name="Straight Arrow Connector 45"/>
+            <p:cNvCxnSpPr>
+              <a:stCxn id="43" idx="6"/>
+              <a:endCxn id="45" idx="1"/>
+            </p:cNvCxnSpPr>
+            <p:nvPr/>
+          </p:nvCxnSpPr>
+          <p:spPr>
+            <a:xfrm>
+              <a:off x="6123116" y="1798786"/>
+              <a:ext cx="223207" cy="0"/>
+            </a:xfrm>
+            <a:prstGeom prst="straightConnector1">
+              <a:avLst/>
+            </a:prstGeom>
+            <a:ln w="50800">
+              <a:solidFill>
+                <a:schemeClr val="tx1"/>
+              </a:solidFill>
+              <a:tailEnd type="triangle" w="med" len="med"/>
+            </a:ln>
+          </p:spPr>
+          <p:style>
+            <a:lnRef idx="1">
+              <a:schemeClr val="accent1"/>
+            </a:lnRef>
+            <a:fillRef idx="0">
+              <a:schemeClr val="accent1"/>
+            </a:fillRef>
+            <a:effectRef idx="0">
+              <a:schemeClr val="accent1"/>
+            </a:effectRef>
+            <a:fontRef idx="minor">
+              <a:schemeClr val="tx1"/>
+            </a:fontRef>
+          </p:style>
+        </p:cxnSp>
+        <p:cxnSp>
+          <p:nvCxnSpPr>
+            <p:cNvPr id="47" name="Straight Arrow Connector 46"/>
+            <p:cNvCxnSpPr>
+              <a:stCxn id="45" idx="3"/>
+              <a:endCxn id="44" idx="2"/>
+            </p:cNvCxnSpPr>
+            <p:nvPr/>
+          </p:nvCxnSpPr>
+          <p:spPr>
+            <a:xfrm>
+              <a:off x="7900803" y="1798786"/>
+              <a:ext cx="213502" cy="4257"/>
+            </a:xfrm>
+            <a:prstGeom prst="straightConnector1">
+              <a:avLst/>
+            </a:prstGeom>
+            <a:ln w="50800">
+              <a:solidFill>
+                <a:schemeClr val="tx1"/>
+              </a:solidFill>
+              <a:tailEnd type="triangle" w="med" len="med"/>
+            </a:ln>
+          </p:spPr>
+          <p:style>
+            <a:lnRef idx="1">
+              <a:schemeClr val="accent1"/>
+            </a:lnRef>
+            <a:fillRef idx="0">
+              <a:schemeClr val="accent1"/>
+            </a:fillRef>
+            <a:effectRef idx="0">
+              <a:schemeClr val="accent1"/>
+            </a:effectRef>
+            <a:fontRef idx="minor">
+              <a:schemeClr val="tx1"/>
+            </a:fontRef>
+          </p:style>
+        </p:cxnSp>
+        <p:sp>
+          <p:nvSpPr>
+            <p:cNvPr id="64" name="Rounded Rectangle 63"/>
+            <p:cNvSpPr/>
+            <p:nvPr/>
+          </p:nvSpPr>
+          <p:spPr>
+            <a:xfrm>
+              <a:off x="6346323" y="2461713"/>
+              <a:ext cx="1554480" cy="1188720"/>
+            </a:xfrm>
+            <a:prstGeom prst="roundRect">
+              <a:avLst/>
+            </a:prstGeom>
+            <a:solidFill>
+              <a:schemeClr val="bg1">
+                <a:lumMod val="50000"/>
+              </a:schemeClr>
+            </a:solidFill>
+            <a:ln>
+              <a:solidFill>
+                <a:schemeClr val="tx1">
+                  <a:lumMod val="65000"/>
+                  <a:lumOff val="35000"/>
+                </a:schemeClr>
+              </a:solidFill>
+            </a:ln>
+          </p:spPr>
+          <p:style>
+            <a:lnRef idx="2">
+              <a:schemeClr val="accent1">
+                <a:shade val="50000"/>
+              </a:schemeClr>
+            </a:lnRef>
+            <a:fillRef idx="1">
+              <a:schemeClr val="accent1"/>
+            </a:fillRef>
+            <a:effectRef idx="0">
+              <a:schemeClr val="accent1"/>
+            </a:effectRef>
+            <a:fontRef idx="minor">
+              <a:schemeClr val="lt1"/>
+            </a:fontRef>
+          </p:style>
+          <p:txBody>
+            <a:bodyPr lIns="9144" rIns="9144" rtlCol="0" anchor="ctr"/>
+            <a:lstStyle/>
+            <a:p>
+              <a:pPr algn="ctr"/>
+              <a:r>
+                <a:rPr lang="en-US" sz="1200" dirty="0" smtClean="0"/>
+                <a:t>This policy replaces a research excellence criteria with a privilege criteria.</a:t>
+              </a:r>
+              <a:endParaRPr lang="en-US" sz="1200" dirty="0"/>
+            </a:p>
+          </p:txBody>
+        </p:sp>
+        <p:cxnSp>
+          <p:nvCxnSpPr>
+            <p:cNvPr id="65" name="Straight Arrow Connector 64"/>
+            <p:cNvCxnSpPr>
+              <a:stCxn id="64" idx="3"/>
+              <a:endCxn id="44" idx="3"/>
+            </p:cNvCxnSpPr>
+            <p:nvPr/>
+          </p:nvCxnSpPr>
+          <p:spPr>
+            <a:xfrm flipV="1">
+              <a:off x="7900803" y="2158661"/>
+              <a:ext cx="360804" cy="897412"/>
+            </a:xfrm>
+            <a:prstGeom prst="straightConnector1">
+              <a:avLst/>
+            </a:prstGeom>
+            <a:ln w="50800">
+              <a:solidFill>
+                <a:schemeClr val="tx1"/>
+              </a:solidFill>
+              <a:tailEnd type="triangle" w="med" len="med"/>
+            </a:ln>
+          </p:spPr>
+          <p:style>
+            <a:lnRef idx="1">
+              <a:schemeClr val="accent1"/>
+            </a:lnRef>
+            <a:fillRef idx="0">
+              <a:schemeClr val="accent1"/>
+            </a:fillRef>
+            <a:effectRef idx="0">
+              <a:schemeClr val="accent1"/>
+            </a:effectRef>
+            <a:fontRef idx="minor">
+              <a:schemeClr val="tx1"/>
+            </a:fontRef>
+          </p:style>
+        </p:cxnSp>
+        <p:sp>
+          <p:nvSpPr>
+            <p:cNvPr id="67" name="Oval 66"/>
+            <p:cNvSpPr/>
+            <p:nvPr/>
+          </p:nvSpPr>
+          <p:spPr>
+            <a:xfrm>
+              <a:off x="4660076" y="2461713"/>
+              <a:ext cx="1463040" cy="1188720"/>
+            </a:xfrm>
+            <a:prstGeom prst="ellipse">
+              <a:avLst/>
+            </a:prstGeom>
+          </p:spPr>
+          <p:style>
+            <a:lnRef idx="2">
+              <a:schemeClr val="accent3">
+                <a:shade val="50000"/>
+              </a:schemeClr>
+            </a:lnRef>
+            <a:fillRef idx="1">
+              <a:schemeClr val="accent3"/>
+            </a:fillRef>
+            <a:effectRef idx="0">
+              <a:schemeClr val="accent3"/>
+            </a:effectRef>
+            <a:fontRef idx="minor">
+              <a:schemeClr val="lt1"/>
+            </a:fontRef>
+          </p:style>
+          <p:txBody>
+            <a:bodyPr lIns="0" tIns="9144" rIns="0" bIns="9144" rtlCol="0" anchor="ctr"/>
+            <a:lstStyle/>
+            <a:p>
+              <a:pPr algn="ctr"/>
+              <a:r>
+                <a:rPr lang="en-US" sz="1200" dirty="0" smtClean="0"/>
+                <a:t>America distributes funding based on research excellence.</a:t>
+              </a:r>
+              <a:endParaRPr lang="en-US" sz="1200" dirty="0"/>
+            </a:p>
+          </p:txBody>
+        </p:sp>
+        <p:cxnSp>
+          <p:nvCxnSpPr>
+            <p:cNvPr id="68" name="Straight Arrow Connector 67"/>
+            <p:cNvCxnSpPr>
+              <a:stCxn id="67" idx="6"/>
+              <a:endCxn id="64" idx="1"/>
+            </p:cNvCxnSpPr>
+            <p:nvPr/>
+          </p:nvCxnSpPr>
+          <p:spPr>
+            <a:xfrm>
+              <a:off x="6123116" y="3056073"/>
+              <a:ext cx="223207" cy="0"/>
+            </a:xfrm>
+            <a:prstGeom prst="straightConnector1">
+              <a:avLst/>
+            </a:prstGeom>
+            <a:ln w="50800">
+              <a:solidFill>
+                <a:schemeClr val="tx1"/>
+              </a:solidFill>
+              <a:tailEnd type="triangle" w="med" len="med"/>
+            </a:ln>
+          </p:spPr>
+          <p:style>
+            <a:lnRef idx="1">
+              <a:schemeClr val="accent1"/>
+            </a:lnRef>
+            <a:fillRef idx="0">
+              <a:schemeClr val="accent1"/>
+            </a:fillRef>
+            <a:effectRef idx="0">
+              <a:schemeClr val="accent1"/>
+            </a:effectRef>
+            <a:fontRef idx="minor">
+              <a:schemeClr val="tx1"/>
+            </a:fontRef>
+          </p:style>
+        </p:cxnSp>
+        <p:sp>
+          <p:nvSpPr>
+            <p:cNvPr id="69" name="Oval 68"/>
+            <p:cNvSpPr>
+              <a:spLocks/>
+            </p:cNvSpPr>
+            <p:nvPr/>
+          </p:nvSpPr>
+          <p:spPr>
+            <a:xfrm>
+              <a:off x="8114305" y="3185817"/>
+              <a:ext cx="1005840" cy="1005840"/>
+            </a:xfrm>
+            <a:prstGeom prst="ellipse">
+              <a:avLst/>
+            </a:prstGeom>
+          </p:spPr>
+          <p:style>
+            <a:lnRef idx="2">
+              <a:schemeClr val="accent2">
+                <a:shade val="50000"/>
+              </a:schemeClr>
+            </a:lnRef>
+            <a:fillRef idx="1">
+              <a:schemeClr val="accent2"/>
+            </a:fillRef>
+            <a:effectRef idx="0">
+              <a:schemeClr val="accent2"/>
+            </a:effectRef>
+            <a:fontRef idx="minor">
+              <a:schemeClr val="lt1"/>
+            </a:fontRef>
+          </p:style>
+          <p:txBody>
+            <a:bodyPr lIns="9144" rIns="9144" rtlCol="0" anchor="ctr"/>
+            <a:lstStyle/>
+            <a:p>
+              <a:pPr algn="ctr"/>
+              <a:r>
+                <a:rPr lang="en-US" sz="1200" dirty="0" smtClean="0"/>
+                <a:t>Loss of global dominance</a:t>
+              </a:r>
+              <a:endParaRPr lang="en-US" sz="1200" dirty="0"/>
+            </a:p>
+          </p:txBody>
+        </p:sp>
+        <p:cxnSp>
+          <p:nvCxnSpPr>
+            <p:cNvPr id="74" name="Straight Arrow Connector 73"/>
+            <p:cNvCxnSpPr>
+              <a:stCxn id="64" idx="3"/>
+              <a:endCxn id="69" idx="1"/>
+            </p:cNvCxnSpPr>
+            <p:nvPr/>
+          </p:nvCxnSpPr>
+          <p:spPr>
+            <a:xfrm>
+              <a:off x="7900803" y="3056073"/>
+              <a:ext cx="360804" cy="277046"/>
+            </a:xfrm>
+            <a:prstGeom prst="straightConnector1">
+              <a:avLst/>
+            </a:prstGeom>
+            <a:ln w="50800">
+              <a:solidFill>
+                <a:schemeClr val="tx1"/>
+              </a:solidFill>
+              <a:tailEnd type="triangle" w="med" len="med"/>
+            </a:ln>
+          </p:spPr>
+          <p:style>
+            <a:lnRef idx="1">
+              <a:schemeClr val="accent1"/>
+            </a:lnRef>
+            <a:fillRef idx="0">
+              <a:schemeClr val="accent1"/>
+            </a:fillRef>
+            <a:effectRef idx="0">
+              <a:schemeClr val="accent1"/>
+            </a:effectRef>
+            <a:fontRef idx="minor">
+              <a:schemeClr val="tx1"/>
+            </a:fontRef>
+          </p:style>
+        </p:cxnSp>
+        <p:sp>
+          <p:nvSpPr>
+            <p:cNvPr id="79" name="Rounded Rectangle 78"/>
+            <p:cNvSpPr/>
+            <p:nvPr/>
+          </p:nvSpPr>
+          <p:spPr>
+            <a:xfrm>
+              <a:off x="6346323" y="3767130"/>
+              <a:ext cx="1554480" cy="1188720"/>
+            </a:xfrm>
+            <a:prstGeom prst="roundRect">
+              <a:avLst/>
+            </a:prstGeom>
+            <a:solidFill>
+              <a:schemeClr val="bg1">
+                <a:lumMod val="50000"/>
+              </a:schemeClr>
+            </a:solidFill>
+            <a:ln>
+              <a:solidFill>
+                <a:schemeClr val="tx1">
+                  <a:lumMod val="65000"/>
+                  <a:lumOff val="35000"/>
+                </a:schemeClr>
+              </a:solidFill>
+            </a:ln>
+          </p:spPr>
+          <p:style>
+            <a:lnRef idx="2">
+              <a:schemeClr val="accent1">
+                <a:shade val="50000"/>
+              </a:schemeClr>
+            </a:lnRef>
+            <a:fillRef idx="1">
+              <a:schemeClr val="accent1"/>
+            </a:fillRef>
+            <a:effectRef idx="0">
+              <a:schemeClr val="accent1"/>
+            </a:effectRef>
+            <a:fontRef idx="minor">
+              <a:schemeClr val="lt1"/>
+            </a:fontRef>
+          </p:style>
+          <p:txBody>
+            <a:bodyPr lIns="9144" rIns="9144" rtlCol="0" anchor="ctr"/>
+            <a:lstStyle/>
+            <a:p>
+              <a:pPr algn="ctr"/>
+              <a:r>
+                <a:rPr lang="en-US" sz="1200" dirty="0" smtClean="0"/>
+                <a:t>This policy will result in sub-par research and development.</a:t>
+              </a:r>
+              <a:endParaRPr lang="en-US" sz="1200" dirty="0"/>
+            </a:p>
+          </p:txBody>
+        </p:sp>
+        <p:cxnSp>
+          <p:nvCxnSpPr>
+            <p:cNvPr id="81" name="Straight Arrow Connector 80"/>
+            <p:cNvCxnSpPr>
+              <a:stCxn id="50" idx="6"/>
+              <a:endCxn id="79" idx="1"/>
+            </p:cNvCxnSpPr>
+            <p:nvPr/>
+          </p:nvCxnSpPr>
+          <p:spPr>
+            <a:xfrm>
+              <a:off x="6123116" y="4361490"/>
+              <a:ext cx="223207" cy="0"/>
+            </a:xfrm>
+            <a:prstGeom prst="straightConnector1">
+              <a:avLst/>
+            </a:prstGeom>
+            <a:ln w="50800">
+              <a:solidFill>
+                <a:schemeClr val="tx1"/>
+              </a:solidFill>
+              <a:tailEnd type="triangle" w="med" len="med"/>
+            </a:ln>
+          </p:spPr>
+          <p:style>
+            <a:lnRef idx="1">
+              <a:schemeClr val="accent1"/>
+            </a:lnRef>
+            <a:fillRef idx="0">
+              <a:schemeClr val="accent1"/>
+            </a:fillRef>
+            <a:effectRef idx="0">
+              <a:schemeClr val="accent1"/>
+            </a:effectRef>
+            <a:fontRef idx="minor">
+              <a:schemeClr val="tx1"/>
+            </a:fontRef>
+          </p:style>
+        </p:cxnSp>
+        <p:cxnSp>
+          <p:nvCxnSpPr>
+            <p:cNvPr id="82" name="Straight Arrow Connector 81"/>
+            <p:cNvCxnSpPr>
+              <a:stCxn id="79" idx="3"/>
+              <a:endCxn id="69" idx="3"/>
+            </p:cNvCxnSpPr>
+            <p:nvPr/>
+          </p:nvCxnSpPr>
+          <p:spPr>
+            <a:xfrm flipV="1">
+              <a:off x="7900803" y="4044355"/>
+              <a:ext cx="360804" cy="317135"/>
+            </a:xfrm>
+            <a:prstGeom prst="straightConnector1">
+              <a:avLst/>
+            </a:prstGeom>
+            <a:ln w="50800">
+              <a:solidFill>
+                <a:schemeClr val="tx1"/>
+              </a:solidFill>
+              <a:tailEnd type="triangle" w="med" len="med"/>
+            </a:ln>
+          </p:spPr>
+          <p:style>
+            <a:lnRef idx="1">
+              <a:schemeClr val="accent1"/>
+            </a:lnRef>
+            <a:fillRef idx="0">
+              <a:schemeClr val="accent1"/>
+            </a:fillRef>
+            <a:effectRef idx="0">
+              <a:schemeClr val="accent1"/>
+            </a:effectRef>
+            <a:fontRef idx="minor">
+              <a:schemeClr val="tx1"/>
+            </a:fontRef>
+          </p:style>
+        </p:cxnSp>
+        <p:sp>
+          <p:nvSpPr>
+            <p:cNvPr id="50" name="Oval 49"/>
+            <p:cNvSpPr/>
+            <p:nvPr/>
+          </p:nvSpPr>
+          <p:spPr>
+            <a:xfrm>
+              <a:off x="4660076" y="3767130"/>
+              <a:ext cx="1463040" cy="1188720"/>
+            </a:xfrm>
+            <a:prstGeom prst="ellipse">
+              <a:avLst/>
+            </a:prstGeom>
+          </p:spPr>
+          <p:style>
+            <a:lnRef idx="2">
+              <a:schemeClr val="accent3">
+                <a:shade val="50000"/>
+              </a:schemeClr>
+            </a:lnRef>
+            <a:fillRef idx="1">
+              <a:schemeClr val="accent3"/>
+            </a:fillRef>
+            <a:effectRef idx="0">
+              <a:schemeClr val="accent3"/>
+            </a:effectRef>
+            <a:fontRef idx="minor">
+              <a:schemeClr val="lt1"/>
+            </a:fontRef>
+          </p:style>
+          <p:txBody>
+            <a:bodyPr lIns="0" tIns="9144" rIns="0" bIns="9144" rtlCol="0" anchor="ctr"/>
+            <a:lstStyle/>
+            <a:p>
+              <a:pPr algn="ctr"/>
+              <a:r>
+                <a:rPr lang="en-US" sz="1200" dirty="0" smtClean="0"/>
+                <a:t>American research and development is the envy of the world</a:t>
+              </a:r>
+              <a:r>
+                <a:rPr lang="en-US" sz="1200" dirty="0" smtClean="0"/>
+                <a:t>.</a:t>
+              </a:r>
+              <a:endParaRPr lang="en-US" sz="1200" dirty="0"/>
+            </a:p>
+          </p:txBody>
+        </p:sp>
+      </p:grpSp>
+      <p:grpSp>
+        <p:nvGrpSpPr>
+          <p:cNvPr id="37" name="Group 36"/>
+          <p:cNvGrpSpPr/>
+          <p:nvPr/>
+        </p:nvGrpSpPr>
+        <p:grpSpPr>
+          <a:xfrm>
+            <a:off x="53983" y="1732171"/>
+            <a:ext cx="4481335" cy="3730221"/>
+            <a:chOff x="64616" y="1732171"/>
+            <a:chExt cx="4481335" cy="3730221"/>
+          </a:xfrm>
+        </p:grpSpPr>
+        <p:sp>
+          <p:nvSpPr>
+            <p:cNvPr id="12" name="Oval 11"/>
+            <p:cNvSpPr/>
+            <p:nvPr/>
+          </p:nvSpPr>
+          <p:spPr>
+            <a:xfrm>
+              <a:off x="64616" y="1732171"/>
+              <a:ext cx="1463040" cy="1188720"/>
+            </a:xfrm>
+            <a:prstGeom prst="ellipse">
+              <a:avLst/>
+            </a:prstGeom>
+          </p:spPr>
+          <p:style>
+            <a:lnRef idx="2">
+              <a:schemeClr val="accent2">
+                <a:shade val="50000"/>
+              </a:schemeClr>
+            </a:lnRef>
+            <a:fillRef idx="1">
+              <a:schemeClr val="accent2"/>
+            </a:fillRef>
+            <a:effectRef idx="0">
+              <a:schemeClr val="accent2"/>
+            </a:effectRef>
+            <a:fontRef idx="minor">
+              <a:schemeClr val="lt1"/>
+            </a:fontRef>
+          </p:style>
+          <p:txBody>
+            <a:bodyPr lIns="0" tIns="9144" rIns="0" bIns="9144" rtlCol="0" anchor="ctr"/>
+            <a:lstStyle/>
+            <a:p>
+              <a:pPr algn="ctr"/>
+              <a:r>
+                <a:rPr lang="en-US" sz="1200" dirty="0" smtClean="0"/>
+                <a:t>Contract administrators are discriminating against small businesses.</a:t>
+              </a:r>
+              <a:endParaRPr lang="en-US" sz="1200" dirty="0"/>
+            </a:p>
+          </p:txBody>
+        </p:sp>
+        <p:sp>
+          <p:nvSpPr>
+            <p:cNvPr id="13" name="Oval 12"/>
+            <p:cNvSpPr/>
+            <p:nvPr/>
+          </p:nvSpPr>
+          <p:spPr>
+            <a:xfrm>
+              <a:off x="3540111" y="1828053"/>
+              <a:ext cx="1005840" cy="1005840"/>
+            </a:xfrm>
+            <a:prstGeom prst="ellipse">
+              <a:avLst/>
+            </a:prstGeom>
+          </p:spPr>
+          <p:style>
+            <a:lnRef idx="2">
+              <a:schemeClr val="accent3">
+                <a:shade val="50000"/>
+              </a:schemeClr>
+            </a:lnRef>
+            <a:fillRef idx="1">
+              <a:schemeClr val="accent3"/>
+            </a:fillRef>
+            <a:effectRef idx="0">
+              <a:schemeClr val="accent3"/>
+            </a:effectRef>
+            <a:fontRef idx="minor">
+              <a:schemeClr val="lt1"/>
+            </a:fontRef>
+          </p:style>
+          <p:txBody>
+            <a:bodyPr lIns="9144" rIns="9144" rtlCol="0" anchor="ctr"/>
+            <a:lstStyle/>
+            <a:p>
+              <a:pPr algn="ctr"/>
+              <a:r>
+                <a:rPr lang="en-US" sz="1200" dirty="0" smtClean="0"/>
+                <a:t>Maintain global dominance</a:t>
+              </a:r>
+              <a:endParaRPr lang="en-US" sz="1200" dirty="0"/>
+            </a:p>
+          </p:txBody>
+        </p:sp>
+        <p:sp>
+          <p:nvSpPr>
+            <p:cNvPr id="14" name="Rounded Rectangle 13"/>
+            <p:cNvSpPr/>
+            <p:nvPr/>
+          </p:nvSpPr>
+          <p:spPr>
+            <a:xfrm>
+              <a:off x="1740230" y="1732171"/>
+              <a:ext cx="1554480" cy="1188720"/>
+            </a:xfrm>
+            <a:prstGeom prst="roundRect">
+              <a:avLst/>
+            </a:prstGeom>
+            <a:solidFill>
+              <a:schemeClr val="bg1">
+                <a:lumMod val="50000"/>
+              </a:schemeClr>
+            </a:solidFill>
+            <a:ln>
+              <a:solidFill>
+                <a:schemeClr val="tx1">
+                  <a:lumMod val="65000"/>
+                  <a:lumOff val="35000"/>
+                </a:schemeClr>
+              </a:solidFill>
+            </a:ln>
+          </p:spPr>
+          <p:style>
+            <a:lnRef idx="2">
+              <a:schemeClr val="accent1">
+                <a:shade val="50000"/>
+              </a:schemeClr>
+            </a:lnRef>
+            <a:fillRef idx="1">
+              <a:schemeClr val="accent1"/>
+            </a:fillRef>
+            <a:effectRef idx="0">
+              <a:schemeClr val="accent1"/>
+            </a:effectRef>
+            <a:fontRef idx="minor">
+              <a:schemeClr val="lt1"/>
+            </a:fontRef>
+          </p:style>
+          <p:txBody>
+            <a:bodyPr lIns="9144" rIns="9144" rtlCol="0" anchor="ctr"/>
+            <a:lstStyle/>
+            <a:p>
+              <a:pPr algn="ctr"/>
+              <a:r>
+                <a:rPr lang="en-US" sz="1200" dirty="0" smtClean="0"/>
+                <a:t>This policy mitigates discriminatory practices so the nation can benefit from small business innovation.</a:t>
+              </a:r>
+              <a:endParaRPr lang="en-US" sz="1200" dirty="0"/>
+            </a:p>
+          </p:txBody>
+        </p:sp>
+        <p:cxnSp>
+          <p:nvCxnSpPr>
+            <p:cNvPr id="15" name="Straight Arrow Connector 14"/>
+            <p:cNvCxnSpPr>
+              <a:stCxn id="12" idx="6"/>
+              <a:endCxn id="14" idx="1"/>
+            </p:cNvCxnSpPr>
+            <p:nvPr/>
+          </p:nvCxnSpPr>
+          <p:spPr>
+            <a:xfrm>
+              <a:off x="1527656" y="2326531"/>
+              <a:ext cx="212574" cy="0"/>
+            </a:xfrm>
+            <a:prstGeom prst="straightConnector1">
+              <a:avLst/>
+            </a:prstGeom>
+            <a:ln w="50800">
+              <a:solidFill>
+                <a:schemeClr val="tx1"/>
+              </a:solidFill>
+              <a:tailEnd type="triangle" w="med" len="med"/>
+            </a:ln>
+          </p:spPr>
+          <p:style>
+            <a:lnRef idx="1">
+              <a:schemeClr val="accent1"/>
+            </a:lnRef>
+            <a:fillRef idx="0">
+              <a:schemeClr val="accent1"/>
+            </a:fillRef>
+            <a:effectRef idx="0">
+              <a:schemeClr val="accent1"/>
+            </a:effectRef>
+            <a:fontRef idx="minor">
+              <a:schemeClr val="tx1"/>
+            </a:fontRef>
+          </p:style>
+        </p:cxnSp>
+        <p:cxnSp>
+          <p:nvCxnSpPr>
+            <p:cNvPr id="16" name="Straight Arrow Connector 15"/>
+            <p:cNvCxnSpPr>
+              <a:stCxn id="14" idx="3"/>
+              <a:endCxn id="13" idx="2"/>
+            </p:cNvCxnSpPr>
+            <p:nvPr/>
+          </p:nvCxnSpPr>
+          <p:spPr>
+            <a:xfrm>
+              <a:off x="3294710" y="2326531"/>
+              <a:ext cx="245401" cy="4442"/>
+            </a:xfrm>
+            <a:prstGeom prst="straightConnector1">
+              <a:avLst/>
+            </a:prstGeom>
+            <a:ln w="50800">
+              <a:solidFill>
+                <a:schemeClr val="tx1"/>
+              </a:solidFill>
+              <a:tailEnd type="triangle" w="med" len="med"/>
+            </a:ln>
+          </p:spPr>
+          <p:style>
+            <a:lnRef idx="1">
+              <a:schemeClr val="accent1"/>
+            </a:lnRef>
+            <a:fillRef idx="0">
+              <a:schemeClr val="accent1"/>
+            </a:fillRef>
+            <a:effectRef idx="0">
+              <a:schemeClr val="accent1"/>
+            </a:effectRef>
+            <a:fontRef idx="minor">
+              <a:schemeClr val="tx1"/>
+            </a:fontRef>
+          </p:style>
+        </p:cxnSp>
+        <p:cxnSp>
+          <p:nvCxnSpPr>
+            <p:cNvPr id="22" name="Straight Arrow Connector 21"/>
+            <p:cNvCxnSpPr>
+              <a:stCxn id="14" idx="3"/>
+              <a:endCxn id="28" idx="1"/>
+            </p:cNvCxnSpPr>
+            <p:nvPr/>
+          </p:nvCxnSpPr>
+          <p:spPr>
+            <a:xfrm>
+              <a:off x="3294710" y="2326531"/>
+              <a:ext cx="392703" cy="1520261"/>
+            </a:xfrm>
+            <a:prstGeom prst="straightConnector1">
+              <a:avLst/>
+            </a:prstGeom>
+            <a:ln w="50800">
+              <a:solidFill>
+                <a:schemeClr val="tx1"/>
+              </a:solidFill>
+              <a:tailEnd type="triangle" w="med" len="med"/>
+            </a:ln>
+          </p:spPr>
+          <p:style>
+            <a:lnRef idx="1">
+              <a:schemeClr val="accent1"/>
+            </a:lnRef>
+            <a:fillRef idx="0">
+              <a:schemeClr val="accent1"/>
+            </a:fillRef>
+            <a:effectRef idx="0">
+              <a:schemeClr val="accent1"/>
+            </a:effectRef>
+            <a:fontRef idx="minor">
+              <a:schemeClr val="tx1"/>
+            </a:fontRef>
+          </p:style>
+        </p:cxnSp>
+        <p:sp>
+          <p:nvSpPr>
+            <p:cNvPr id="27" name="Oval 26"/>
+            <p:cNvSpPr/>
+            <p:nvPr/>
+          </p:nvSpPr>
+          <p:spPr>
+            <a:xfrm>
+              <a:off x="64616" y="4273672"/>
+              <a:ext cx="1463040" cy="1188720"/>
+            </a:xfrm>
+            <a:prstGeom prst="ellipse">
+              <a:avLst/>
+            </a:prstGeom>
+          </p:spPr>
+          <p:style>
+            <a:lnRef idx="2">
+              <a:schemeClr val="accent2">
+                <a:shade val="50000"/>
+              </a:schemeClr>
+            </a:lnRef>
+            <a:fillRef idx="1">
+              <a:schemeClr val="accent2"/>
+            </a:fillRef>
+            <a:effectRef idx="0">
+              <a:schemeClr val="accent2"/>
+            </a:effectRef>
+            <a:fontRef idx="minor">
+              <a:schemeClr val="lt1"/>
+            </a:fontRef>
+          </p:style>
+          <p:txBody>
+            <a:bodyPr lIns="0" tIns="9144" rIns="0" bIns="9144" rtlCol="0" anchor="ctr"/>
+            <a:lstStyle/>
+            <a:p>
+              <a:pPr algn="ctr"/>
+              <a:r>
+                <a:rPr lang="en-US" sz="1200" dirty="0" smtClean="0"/>
+                <a:t>America</a:t>
+              </a:r>
+              <a:r>
+                <a:rPr lang="en-US" sz="1200" dirty="0"/>
+                <a:t> </a:t>
+              </a:r>
+              <a:r>
+                <a:rPr lang="en-US" sz="1200" dirty="0" smtClean="0"/>
+                <a:t>no longer has a strong </a:t>
+              </a:r>
+              <a:r>
+                <a:rPr lang="en-US" sz="1200" dirty="0" smtClean="0"/>
+                <a:t>economy.</a:t>
+              </a:r>
+              <a:endParaRPr lang="en-US" sz="1200" dirty="0"/>
+            </a:p>
+          </p:txBody>
+        </p:sp>
+        <p:sp>
+          <p:nvSpPr>
+            <p:cNvPr id="28" name="Oval 27"/>
+            <p:cNvSpPr>
+              <a:spLocks/>
+            </p:cNvSpPr>
+            <p:nvPr/>
+          </p:nvSpPr>
+          <p:spPr>
+            <a:xfrm>
+              <a:off x="3540111" y="3699490"/>
+              <a:ext cx="1005840" cy="1005840"/>
+            </a:xfrm>
+            <a:prstGeom prst="ellipse">
+              <a:avLst/>
+            </a:prstGeom>
+          </p:spPr>
+          <p:style>
+            <a:lnRef idx="2">
+              <a:schemeClr val="accent3">
+                <a:shade val="50000"/>
+              </a:schemeClr>
+            </a:lnRef>
+            <a:fillRef idx="1">
+              <a:schemeClr val="accent3"/>
+            </a:fillRef>
+            <a:effectRef idx="0">
+              <a:schemeClr val="accent3"/>
+            </a:effectRef>
+            <a:fontRef idx="minor">
+              <a:schemeClr val="lt1"/>
+            </a:fontRef>
+          </p:style>
+          <p:txBody>
+            <a:bodyPr lIns="9144" rIns="9144" rtlCol="0" anchor="ctr"/>
+            <a:lstStyle/>
+            <a:p>
+              <a:pPr algn="ctr"/>
+              <a:r>
+                <a:rPr lang="en-US" sz="1200" dirty="0" smtClean="0"/>
+                <a:t>Generate economic prosperity</a:t>
+              </a:r>
+              <a:endParaRPr lang="en-US" sz="1200" dirty="0"/>
+            </a:p>
+          </p:txBody>
+        </p:sp>
+        <p:sp>
+          <p:nvSpPr>
+            <p:cNvPr id="29" name="Rounded Rectangle 28"/>
+            <p:cNvSpPr/>
+            <p:nvPr/>
+          </p:nvSpPr>
+          <p:spPr>
+            <a:xfrm>
+              <a:off x="1740230" y="3603793"/>
+              <a:ext cx="1554480" cy="1188720"/>
+            </a:xfrm>
+            <a:prstGeom prst="roundRect">
+              <a:avLst/>
+            </a:prstGeom>
+            <a:solidFill>
+              <a:schemeClr val="bg1">
+                <a:lumMod val="50000"/>
+              </a:schemeClr>
+            </a:solidFill>
+            <a:ln>
+              <a:solidFill>
+                <a:schemeClr val="tx1">
+                  <a:lumMod val="65000"/>
+                  <a:lumOff val="35000"/>
+                </a:schemeClr>
+              </a:solidFill>
+            </a:ln>
+          </p:spPr>
+          <p:style>
+            <a:lnRef idx="2">
+              <a:schemeClr val="accent1">
+                <a:shade val="50000"/>
+              </a:schemeClr>
+            </a:lnRef>
+            <a:fillRef idx="1">
+              <a:schemeClr val="accent1"/>
+            </a:fillRef>
+            <a:effectRef idx="0">
+              <a:schemeClr val="accent1"/>
+            </a:effectRef>
+            <a:fontRef idx="minor">
+              <a:schemeClr val="lt1"/>
+            </a:fontRef>
+          </p:style>
+          <p:txBody>
+            <a:bodyPr lIns="9144" rIns="9144" rtlCol="0" anchor="ctr"/>
+            <a:lstStyle/>
+            <a:p>
+              <a:pPr algn="ctr"/>
+              <a:r>
+                <a:rPr lang="en-US" sz="1200" dirty="0" smtClean="0"/>
+                <a:t>This policy enables America to produce the technological innovation necessary for its protection and economic growth.</a:t>
+              </a:r>
+              <a:endParaRPr lang="en-US" sz="1200" dirty="0"/>
+            </a:p>
+          </p:txBody>
+        </p:sp>
+        <p:cxnSp>
+          <p:nvCxnSpPr>
+            <p:cNvPr id="30" name="Straight Arrow Connector 29"/>
+            <p:cNvCxnSpPr>
+              <a:stCxn id="27" idx="7"/>
+              <a:endCxn id="29" idx="1"/>
+            </p:cNvCxnSpPr>
+            <p:nvPr/>
+          </p:nvCxnSpPr>
+          <p:spPr>
+            <a:xfrm flipV="1">
+              <a:off x="1313399" y="4198153"/>
+              <a:ext cx="426831" cy="249603"/>
+            </a:xfrm>
+            <a:prstGeom prst="straightConnector1">
+              <a:avLst/>
+            </a:prstGeom>
+            <a:ln w="50800">
+              <a:solidFill>
+                <a:schemeClr val="tx1"/>
+              </a:solidFill>
+              <a:tailEnd type="triangle" w="med" len="med"/>
+            </a:ln>
+          </p:spPr>
+          <p:style>
+            <a:lnRef idx="1">
+              <a:schemeClr val="accent1"/>
+            </a:lnRef>
+            <a:fillRef idx="0">
+              <a:schemeClr val="accent1"/>
+            </a:fillRef>
+            <a:effectRef idx="0">
+              <a:schemeClr val="accent1"/>
+            </a:effectRef>
+            <a:fontRef idx="minor">
+              <a:schemeClr val="tx1"/>
+            </a:fontRef>
+          </p:style>
+        </p:cxnSp>
+        <p:cxnSp>
+          <p:nvCxnSpPr>
+            <p:cNvPr id="31" name="Straight Arrow Connector 30"/>
+            <p:cNvCxnSpPr>
+              <a:stCxn id="29" idx="3"/>
+              <a:endCxn id="28" idx="2"/>
+            </p:cNvCxnSpPr>
+            <p:nvPr/>
+          </p:nvCxnSpPr>
+          <p:spPr>
+            <a:xfrm>
+              <a:off x="3294710" y="4198153"/>
+              <a:ext cx="245401" cy="4257"/>
+            </a:xfrm>
+            <a:prstGeom prst="straightConnector1">
+              <a:avLst/>
+            </a:prstGeom>
+            <a:ln w="50800">
+              <a:solidFill>
+                <a:schemeClr val="tx1"/>
+              </a:solidFill>
+              <a:tailEnd type="triangle" w="med" len="med"/>
+            </a:ln>
+          </p:spPr>
+          <p:style>
+            <a:lnRef idx="1">
+              <a:schemeClr val="accent1"/>
+            </a:lnRef>
+            <a:fillRef idx="0">
+              <a:schemeClr val="accent1"/>
+            </a:fillRef>
+            <a:effectRef idx="0">
+              <a:schemeClr val="accent1"/>
+            </a:effectRef>
+            <a:fontRef idx="minor">
+              <a:schemeClr val="tx1"/>
+            </a:fontRef>
+          </p:style>
+        </p:cxnSp>
+        <p:cxnSp>
+          <p:nvCxnSpPr>
+            <p:cNvPr id="48" name="Straight Arrow Connector 47"/>
+            <p:cNvCxnSpPr>
+              <a:stCxn id="29" idx="3"/>
+              <a:endCxn id="13" idx="3"/>
+            </p:cNvCxnSpPr>
+            <p:nvPr/>
+          </p:nvCxnSpPr>
+          <p:spPr>
+            <a:xfrm flipV="1">
+              <a:off x="3294710" y="2686591"/>
+              <a:ext cx="392703" cy="1511562"/>
+            </a:xfrm>
+            <a:prstGeom prst="straightConnector1">
+              <a:avLst/>
+            </a:prstGeom>
+            <a:ln w="50800">
+              <a:solidFill>
+                <a:schemeClr val="tx1"/>
+              </a:solidFill>
+              <a:tailEnd type="triangle" w="med" len="med"/>
+            </a:ln>
+          </p:spPr>
+          <p:style>
+            <a:lnRef idx="1">
+              <a:schemeClr val="accent1"/>
+            </a:lnRef>
+            <a:fillRef idx="0">
+              <a:schemeClr val="accent1"/>
+            </a:fillRef>
+            <a:effectRef idx="0">
+              <a:schemeClr val="accent1"/>
+            </a:effectRef>
+            <a:fontRef idx="minor">
+              <a:schemeClr val="tx1"/>
+            </a:fontRef>
+          </p:style>
+        </p:cxnSp>
+        <p:sp>
+          <p:nvSpPr>
+            <p:cNvPr id="49" name="Oval 48"/>
+            <p:cNvSpPr/>
+            <p:nvPr/>
+          </p:nvSpPr>
+          <p:spPr>
+            <a:xfrm>
+              <a:off x="64616" y="3009433"/>
+              <a:ext cx="1463040" cy="1188720"/>
+            </a:xfrm>
+            <a:prstGeom prst="ellipse">
+              <a:avLst/>
+            </a:prstGeom>
+          </p:spPr>
+          <p:style>
+            <a:lnRef idx="2">
+              <a:schemeClr val="accent2">
+                <a:shade val="50000"/>
+              </a:schemeClr>
+            </a:lnRef>
+            <a:fillRef idx="1">
+              <a:schemeClr val="accent2"/>
+            </a:fillRef>
+            <a:effectRef idx="0">
+              <a:schemeClr val="accent2"/>
+            </a:effectRef>
+            <a:fontRef idx="minor">
+              <a:schemeClr val="lt1"/>
+            </a:fontRef>
+          </p:style>
+          <p:txBody>
+            <a:bodyPr lIns="0" tIns="9144" rIns="0" bIns="9144" rtlCol="0" anchor="ctr"/>
+            <a:lstStyle/>
+            <a:p>
+              <a:pPr algn="ctr"/>
+              <a:r>
+                <a:rPr lang="en-US" sz="1200" dirty="0" smtClean="0"/>
+                <a:t>America</a:t>
+              </a:r>
+              <a:r>
+                <a:rPr lang="en-US" sz="1200" dirty="0"/>
+                <a:t> </a:t>
+              </a:r>
+              <a:r>
+                <a:rPr lang="en-US" sz="1200" dirty="0" smtClean="0"/>
+                <a:t>no longer has unquestioned global dominance</a:t>
+              </a:r>
+              <a:r>
+                <a:rPr lang="en-US" sz="1200" dirty="0" smtClean="0"/>
+                <a:t>.</a:t>
+              </a:r>
+              <a:endParaRPr lang="en-US" sz="1200" dirty="0"/>
+            </a:p>
+          </p:txBody>
+        </p:sp>
+        <p:cxnSp>
+          <p:nvCxnSpPr>
+            <p:cNvPr id="51" name="Straight Arrow Connector 50"/>
+            <p:cNvCxnSpPr>
+              <a:stCxn id="49" idx="5"/>
+              <a:endCxn id="29" idx="1"/>
+            </p:cNvCxnSpPr>
+            <p:nvPr/>
+          </p:nvCxnSpPr>
+          <p:spPr>
+            <a:xfrm>
+              <a:off x="1313399" y="4024069"/>
+              <a:ext cx="426831" cy="174084"/>
+            </a:xfrm>
+            <a:prstGeom prst="straightConnector1">
+              <a:avLst/>
+            </a:prstGeom>
+            <a:ln w="50800">
+              <a:solidFill>
+                <a:schemeClr val="tx1"/>
+              </a:solidFill>
+              <a:tailEnd type="triangle" w="med" len="med"/>
+            </a:ln>
+          </p:spPr>
+          <p:style>
+            <a:lnRef idx="1">
+              <a:schemeClr val="accent1"/>
+            </a:lnRef>
+            <a:fillRef idx="0">
+              <a:schemeClr val="accent1"/>
+            </a:fillRef>
+            <a:effectRef idx="0">
+              <a:schemeClr val="accent1"/>
+            </a:effectRef>
+            <a:fontRef idx="minor">
+              <a:schemeClr val="tx1"/>
+            </a:fontRef>
+          </p:style>
+        </p:cxnSp>
+      </p:grpSp>
+    </p:spTree>
+    <p:extLst>
+      <p:ext uri="{BB962C8B-B14F-4D97-AF65-F5344CB8AC3E}">
+        <p14:creationId xmlns:p14="http://schemas.microsoft.com/office/powerpoint/2010/main" val="2729307286"/>
+      </p:ext>
+    </p:extLst>
+  </p:cSld>
+  <p:clrMapOvr>
+    <a:masterClrMapping/>
+  </p:clrMapOvr>
+  <p:timing>
+    <p:tnLst>
+      <p:par>
+        <p:cTn id="1" dur="indefinite" restart="never" nodeType="tmRoot"/>
+      </p:par>
+    </p:tnLst>
+  </p:timing>
 </p:sld>
 </file>
 

--- a/Assignments/Townes_POLS6310_Spring2019_Paper01_slides.pptx
+++ b/Assignments/Townes_POLS6310_Spring2019_Paper01_slides.pptx
@@ -1961,7 +1961,11 @@
         <a:p>
           <a:r>
             <a:rPr lang="en-US" sz="1100" dirty="0" smtClean="0"/>
-            <a:t>Small business advocacy organizations</a:t>
+            <a:t>Leaders of small </a:t>
+          </a:r>
+          <a:r>
+            <a:rPr lang="en-US" sz="1100" dirty="0" smtClean="0"/>
+            <a:t>business advocacy organizations</a:t>
           </a:r>
           <a:endParaRPr lang="en-US" sz="1100" dirty="0"/>
         </a:p>
@@ -2757,11 +2761,7 @@
         <a:p>
           <a:r>
             <a:rPr lang="en-US" sz="1100" b="1" dirty="0" smtClean="0"/>
-            <a:t>This policy will unfairly take away opportunities from highly talented and deserving researchers </a:t>
-          </a:r>
-          <a:r>
-            <a:rPr lang="en-US" sz="1100" b="1" dirty="0" smtClean="0"/>
-            <a:t>.</a:t>
+            <a:t>This policy will unfairly take away opportunities from highly talented and deserving researchers .</a:t>
           </a:r>
           <a:endParaRPr lang="en-US" sz="1100" b="1" dirty="0"/>
         </a:p>
@@ -2871,35 +2871,7 @@
         <a:p>
           <a:r>
             <a:rPr lang="en-US" sz="1100" b="1" dirty="0" smtClean="0"/>
-            <a:t>This policy changes the selection </a:t>
-          </a:r>
-          <a:r>
-            <a:rPr lang="en-US" sz="1100" b="1" dirty="0" smtClean="0"/>
-            <a:t>criteria </a:t>
-          </a:r>
-          <a:r>
-            <a:rPr lang="en-US" sz="1100" b="1" dirty="0" smtClean="0"/>
-            <a:t>from </a:t>
-          </a:r>
-          <a:r>
-            <a:rPr lang="en-US" sz="1100" b="1" dirty="0" smtClean="0"/>
-            <a:t> </a:t>
-          </a:r>
-          <a:r>
-            <a:rPr lang="en-US" sz="1100" b="1" dirty="0" smtClean="0"/>
-            <a:t>research </a:t>
-          </a:r>
-          <a:r>
-            <a:rPr lang="en-US" sz="1100" b="1" dirty="0" smtClean="0"/>
-            <a:t>excellence </a:t>
-          </a:r>
-          <a:r>
-            <a:rPr lang="en-US" sz="1100" b="1" dirty="0" smtClean="0"/>
-            <a:t>to a </a:t>
-          </a:r>
-          <a:r>
-            <a:rPr lang="en-US" sz="1100" b="1" dirty="0" smtClean="0"/>
-            <a:t>criteria of privilege.</a:t>
+            <a:t>This policy changes the selection criteria from  research excellence to a criteria of privilege.</a:t>
           </a:r>
           <a:endParaRPr lang="en-US" sz="1100" b="1" dirty="0"/>
         </a:p>
@@ -3607,45 +3579,45 @@
     </dgm:pt>
   </dgm:ptLst>
   <dgm:cxnLst>
+    <dgm:cxn modelId="{B2124052-34AB-4435-8CBA-D34AF146A189}" type="presOf" srcId="{14D29AC4-9FA0-444D-8EE4-E85DEB5E57A2}" destId="{2874E84B-9605-494F-B813-85A702BFCF0F}" srcOrd="0" destOrd="2" presId="urn:microsoft.com/office/officeart/2011/layout/TabList"/>
+    <dgm:cxn modelId="{9139EE07-F69A-425D-9FD3-917AD48F4A26}" type="presOf" srcId="{FCB9211A-ECAF-4092-9AF3-4A80464FEEEF}" destId="{76F4CE38-89D0-4EAB-9E94-FD08C47879E4}" srcOrd="0" destOrd="0" presId="urn:microsoft.com/office/officeart/2011/layout/TabList"/>
+    <dgm:cxn modelId="{E50B4537-4222-4FA6-86D6-900B232A905B}" srcId="{84789903-61AF-4F8F-9430-490306DDBEA0}" destId="{DCB77698-D8A7-43AE-8C12-88D22546D4E0}" srcOrd="3" destOrd="0" parTransId="{0256383B-FBF2-49F0-935C-E17EB2C4D7C4}" sibTransId="{866D160B-DB4E-4FF6-BF8A-FD0216203DA1}"/>
+    <dgm:cxn modelId="{F1C43613-B926-4646-87FA-D992BF0A7796}" type="presOf" srcId="{8B2750EB-B434-41DC-A189-8424894B839C}" destId="{89B6103A-0012-428D-9057-99CB1F4B4519}" srcOrd="0" destOrd="0" presId="urn:microsoft.com/office/officeart/2011/layout/TabList"/>
+    <dgm:cxn modelId="{5B81B842-285D-4C21-BC2F-2555AB323F47}" srcId="{19EF64AF-D0D9-429E-86D3-4CE7A62D9930}" destId="{14D29AC4-9FA0-444D-8EE4-E85DEB5E57A2}" srcOrd="3" destOrd="0" parTransId="{8F845681-B05B-4E32-AD5D-21295FC02A07}" sibTransId="{EE9BAB10-D308-456A-ADB5-78C6FFFB97E6}"/>
+    <dgm:cxn modelId="{AD10BF23-1E69-4909-B6FA-24F65C0F2B83}" type="presOf" srcId="{28A4433D-892C-4392-A0C9-31AA297B23D1}" destId="{ABD9F4AA-584A-4C32-8AC6-1F842D5E3471}" srcOrd="0" destOrd="1" presId="urn:microsoft.com/office/officeart/2011/layout/TabList"/>
+    <dgm:cxn modelId="{E2B364F3-498C-4868-BFEB-56E8969D7655}" type="presOf" srcId="{EB3A3517-BC08-4AB8-AB32-CAA355AEBBAA}" destId="{2874E84B-9605-494F-B813-85A702BFCF0F}" srcOrd="0" destOrd="0" presId="urn:microsoft.com/office/officeart/2011/layout/TabList"/>
+    <dgm:cxn modelId="{96A20728-4B71-426D-8207-8D974A3F5B06}" srcId="{84789903-61AF-4F8F-9430-490306DDBEA0}" destId="{6B0EF60D-A0B1-46C5-9677-4BEA810977D2}" srcOrd="2" destOrd="0" parTransId="{DF3844A8-4E17-463F-BAAD-4ACB2C215D90}" sibTransId="{9DADB796-DA90-4478-BCA3-5929CA4ED0C6}"/>
+    <dgm:cxn modelId="{5F094A65-8D03-4DE2-90BC-845E0B1DF3F3}" srcId="{2F4105CE-F831-4489-A38E-EA308F965E1A}" destId="{8B2750EB-B434-41DC-A189-8424894B839C}" srcOrd="0" destOrd="0" parTransId="{FFC1F60D-411F-463B-80BE-8626FCEE6E20}" sibTransId="{1C68FAD9-F9C9-4D4A-9B81-2E6FECE526EB}"/>
+    <dgm:cxn modelId="{59C1BA7D-4D40-4BB3-8566-6C1139A98E64}" srcId="{19EF64AF-D0D9-429E-86D3-4CE7A62D9930}" destId="{6992769E-C929-46E1-B5DC-0D224D6E5340}" srcOrd="0" destOrd="0" parTransId="{37B9B495-CA51-4955-9418-9A2A7D83A101}" sibTransId="{025A960F-A828-4BA1-B49F-B19476EFF631}"/>
+    <dgm:cxn modelId="{0EB99273-E40B-4BA4-A24F-424DEB53EF5D}" type="presOf" srcId="{A990AE2A-665D-4A90-91E6-8CAE69B9C799}" destId="{ABD9F4AA-584A-4C32-8AC6-1F842D5E3471}" srcOrd="0" destOrd="0" presId="urn:microsoft.com/office/officeart/2011/layout/TabList"/>
+    <dgm:cxn modelId="{EC26D4FA-8D0A-4965-860E-E576DA3FE7C2}" srcId="{84789903-61AF-4F8F-9430-490306DDBEA0}" destId="{2F4105CE-F831-4489-A38E-EA308F965E1A}" srcOrd="1" destOrd="0" parTransId="{B2367E5B-DF6B-423A-8C73-6C51AA905F42}" sibTransId="{42FAF69B-DD6C-4C4C-A008-7959F807FCD6}"/>
+    <dgm:cxn modelId="{3F79F1C5-5A6B-4B5D-ABE8-486E8727C12D}" type="presOf" srcId="{48BF764E-F495-4A56-AE96-47376DC45472}" destId="{F2E5F12B-CEBA-404F-BC59-D0A75B115C1F}" srcOrd="0" destOrd="2" presId="urn:microsoft.com/office/officeart/2011/layout/TabList"/>
+    <dgm:cxn modelId="{08D37855-A906-4ED9-B03D-BFDBE60EF8C7}" srcId="{6B0EF60D-A0B1-46C5-9677-4BEA810977D2}" destId="{FCB9211A-ECAF-4092-9AF3-4A80464FEEEF}" srcOrd="0" destOrd="0" parTransId="{96E2E2CF-28EB-47BD-B8D8-43FB5B4BBC76}" sibTransId="{80A46D5D-E138-4619-973A-52836DB4B626}"/>
+    <dgm:cxn modelId="{6546E246-748E-4D89-8B27-C6C10AA3AC70}" type="presOf" srcId="{ADA4DD4E-A13B-4B3A-BF0B-6A9868DD9270}" destId="{269C0782-BA35-4C3A-B295-D76ACD031E2B}" srcOrd="0" destOrd="1" presId="urn:microsoft.com/office/officeart/2011/layout/TabList"/>
+    <dgm:cxn modelId="{A993A3EF-AF47-4DBB-90D8-CF06FBF70E61}" srcId="{19EF64AF-D0D9-429E-86D3-4CE7A62D9930}" destId="{D4A5DE5E-27AD-4B23-B1EC-53CFB1739A11}" srcOrd="2" destOrd="0" parTransId="{C42F195C-72E6-4357-8789-A7DF85FC0BFF}" sibTransId="{D861C33F-DAAB-4018-91B9-D602CB0B9349}"/>
+    <dgm:cxn modelId="{2367FF4F-D248-4F58-A0D9-784D3549B7D2}" type="presOf" srcId="{F6CCDE68-20A3-48C9-9929-36D9326E50C7}" destId="{269C0782-BA35-4C3A-B295-D76ACD031E2B}" srcOrd="0" destOrd="0" presId="urn:microsoft.com/office/officeart/2011/layout/TabList"/>
+    <dgm:cxn modelId="{42EE89B5-C132-45F6-89DF-FAA355D8AB66}" type="presOf" srcId="{84789903-61AF-4F8F-9430-490306DDBEA0}" destId="{8937854E-C94A-470E-AB4D-2D1BF4D6EC0A}" srcOrd="0" destOrd="0" presId="urn:microsoft.com/office/officeart/2011/layout/TabList"/>
+    <dgm:cxn modelId="{BC8D3C2F-C842-4AEF-9163-91FCF0A63C32}" srcId="{84789903-61AF-4F8F-9430-490306DDBEA0}" destId="{19EF64AF-D0D9-429E-86D3-4CE7A62D9930}" srcOrd="0" destOrd="0" parTransId="{65F72764-603C-4BEA-9757-C2D922CDE6E7}" sibTransId="{A59A006A-971D-4A33-AB31-4CEE6264B4C5}"/>
+    <dgm:cxn modelId="{0536D819-2399-475C-9A09-D2166C361830}" type="presOf" srcId="{03E9865A-20D2-4CF6-AA88-EF74E4A16F4A}" destId="{F2E5F12B-CEBA-404F-BC59-D0A75B115C1F}" srcOrd="0" destOrd="1" presId="urn:microsoft.com/office/officeart/2011/layout/TabList"/>
+    <dgm:cxn modelId="{D1EABC93-08A9-4A6F-84B0-B428BA9969D7}" type="presOf" srcId="{D4A5DE5E-27AD-4B23-B1EC-53CFB1739A11}" destId="{2874E84B-9605-494F-B813-85A702BFCF0F}" srcOrd="0" destOrd="1" presId="urn:microsoft.com/office/officeart/2011/layout/TabList"/>
+    <dgm:cxn modelId="{C33B3223-996C-4204-9B9A-61F80D001862}" srcId="{6B0EF60D-A0B1-46C5-9677-4BEA810977D2}" destId="{48BF764E-F495-4A56-AE96-47376DC45472}" srcOrd="3" destOrd="0" parTransId="{CED2C589-1478-4EE9-8864-36B6C00D583D}" sibTransId="{D6B20742-473A-4B9F-A0CC-85E95BE0720F}"/>
+    <dgm:cxn modelId="{9C741026-5DFA-48E0-BCB8-618D95B45615}" srcId="{2F4105CE-F831-4489-A38E-EA308F965E1A}" destId="{28A4433D-892C-4392-A0C9-31AA297B23D1}" srcOrd="2" destOrd="0" parTransId="{38F9BBF9-BEAA-4EF2-A10C-767F24A70094}" sibTransId="{FF662DDE-5536-4F81-B4BD-F479E8E272D8}"/>
+    <dgm:cxn modelId="{FB51F38E-5F9F-4D3E-BF90-82BB4C1D2DB9}" type="presOf" srcId="{6992769E-C929-46E1-B5DC-0D224D6E5340}" destId="{F82F5449-D542-4810-B467-43A5C2614DD5}" srcOrd="0" destOrd="0" presId="urn:microsoft.com/office/officeart/2011/layout/TabList"/>
+    <dgm:cxn modelId="{9E0BBC12-F01A-46AF-A765-697A5062C11D}" type="presOf" srcId="{54C77FC2-06D5-494F-88FF-639A9A2ADF2B}" destId="{BDDE8257-E413-4550-9DF4-ACE5D4DAF407}" srcOrd="0" destOrd="0" presId="urn:microsoft.com/office/officeart/2011/layout/TabList"/>
+    <dgm:cxn modelId="{272F4F47-B6F0-44E6-BE53-1E568010F73F}" srcId="{6B0EF60D-A0B1-46C5-9677-4BEA810977D2}" destId="{432382F3-03DD-4963-A6A5-C32D1C07F990}" srcOrd="1" destOrd="0" parTransId="{428261C4-B743-4CC1-8298-2B59764B7274}" sibTransId="{19522E25-3C1D-4596-9D61-BE8AA7854562}"/>
+    <dgm:cxn modelId="{2657FA28-A895-46D4-90D1-07F9A903CBBC}" srcId="{19EF64AF-D0D9-429E-86D3-4CE7A62D9930}" destId="{EB3A3517-BC08-4AB8-AB32-CAA355AEBBAA}" srcOrd="1" destOrd="0" parTransId="{B734E8AD-9F0E-4587-9C1F-9483C3D89D69}" sibTransId="{6388FC91-51F0-4583-AFC8-08BE7A667D2D}"/>
+    <dgm:cxn modelId="{6AEA36B3-723E-4C26-991B-32293EC4977D}" srcId="{DCB77698-D8A7-43AE-8C12-88D22546D4E0}" destId="{F6CCDE68-20A3-48C9-9929-36D9326E50C7}" srcOrd="1" destOrd="0" parTransId="{6D777BDB-A14B-4CB9-848E-609F2B89797D}" sibTransId="{E73E6EC1-A77B-4806-AF59-F300788A17A6}"/>
+    <dgm:cxn modelId="{6FBD327E-F3DD-4D5F-892E-365E295EB833}" type="presOf" srcId="{DCB77698-D8A7-43AE-8C12-88D22546D4E0}" destId="{9059B661-BA02-491A-9141-4597C2088440}" srcOrd="0" destOrd="0" presId="urn:microsoft.com/office/officeart/2011/layout/TabList"/>
+    <dgm:cxn modelId="{576B1C0C-BC74-4AB0-84AC-D638255D8C52}" srcId="{2F4105CE-F831-4489-A38E-EA308F965E1A}" destId="{E2EDF958-A636-4721-91E2-1009161BE1BC}" srcOrd="3" destOrd="0" parTransId="{56017F76-3EE4-4B10-980E-2962F4DDFEEC}" sibTransId="{D4D47A36-D2AE-41C2-A545-1538EA1F1179}"/>
     <dgm:cxn modelId="{3DB12D0E-B496-47AC-B9D8-B8B2B6369FEF}" srcId="{6B0EF60D-A0B1-46C5-9677-4BEA810977D2}" destId="{03E9865A-20D2-4CF6-AA88-EF74E4A16F4A}" srcOrd="2" destOrd="0" parTransId="{8248E5BD-5697-4B1E-BCB4-ABC0B2D8E72E}" sibTransId="{EEBE7D8C-BEE1-4AE3-A6A1-B72D470C50D8}"/>
-    <dgm:cxn modelId="{A993A3EF-AF47-4DBB-90D8-CF06FBF70E61}" srcId="{19EF64AF-D0D9-429E-86D3-4CE7A62D9930}" destId="{D4A5DE5E-27AD-4B23-B1EC-53CFB1739A11}" srcOrd="2" destOrd="0" parTransId="{C42F195C-72E6-4357-8789-A7DF85FC0BFF}" sibTransId="{D861C33F-DAAB-4018-91B9-D602CB0B9349}"/>
-    <dgm:cxn modelId="{BC8D3C2F-C842-4AEF-9163-91FCF0A63C32}" srcId="{84789903-61AF-4F8F-9430-490306DDBEA0}" destId="{19EF64AF-D0D9-429E-86D3-4CE7A62D9930}" srcOrd="0" destOrd="0" parTransId="{65F72764-603C-4BEA-9757-C2D922CDE6E7}" sibTransId="{A59A006A-971D-4A33-AB31-4CEE6264B4C5}"/>
-    <dgm:cxn modelId="{E2B364F3-498C-4868-BFEB-56E8969D7655}" type="presOf" srcId="{EB3A3517-BC08-4AB8-AB32-CAA355AEBBAA}" destId="{2874E84B-9605-494F-B813-85A702BFCF0F}" srcOrd="0" destOrd="0" presId="urn:microsoft.com/office/officeart/2011/layout/TabList"/>
-    <dgm:cxn modelId="{9139EE07-F69A-425D-9FD3-917AD48F4A26}" type="presOf" srcId="{FCB9211A-ECAF-4092-9AF3-4A80464FEEEF}" destId="{76F4CE38-89D0-4EAB-9E94-FD08C47879E4}" srcOrd="0" destOrd="0" presId="urn:microsoft.com/office/officeart/2011/layout/TabList"/>
-    <dgm:cxn modelId="{42EE89B5-C132-45F6-89DF-FAA355D8AB66}" type="presOf" srcId="{84789903-61AF-4F8F-9430-490306DDBEA0}" destId="{8937854E-C94A-470E-AB4D-2D1BF4D6EC0A}" srcOrd="0" destOrd="0" presId="urn:microsoft.com/office/officeart/2011/layout/TabList"/>
-    <dgm:cxn modelId="{0536D819-2399-475C-9A09-D2166C361830}" type="presOf" srcId="{03E9865A-20D2-4CF6-AA88-EF74E4A16F4A}" destId="{F2E5F12B-CEBA-404F-BC59-D0A75B115C1F}" srcOrd="0" destOrd="1" presId="urn:microsoft.com/office/officeart/2011/layout/TabList"/>
+    <dgm:cxn modelId="{A9F942E9-1197-421A-8955-236A83F08879}" type="presOf" srcId="{6B0EF60D-A0B1-46C5-9677-4BEA810977D2}" destId="{79569B4D-C26F-4F14-9A58-54D0240E4532}" srcOrd="0" destOrd="0" presId="urn:microsoft.com/office/officeart/2011/layout/TabList"/>
+    <dgm:cxn modelId="{2896DAC6-E607-42B4-9D8E-740D71F49BEA}" srcId="{DCB77698-D8A7-43AE-8C12-88D22546D4E0}" destId="{54C77FC2-06D5-494F-88FF-639A9A2ADF2B}" srcOrd="0" destOrd="0" parTransId="{59058AE7-0BCA-42FD-8DA7-9E303C2F3598}" sibTransId="{DD5B0AF5-4F1F-4F54-9327-3F9C5FD2ADF5}"/>
     <dgm:cxn modelId="{64A82602-28B8-46E2-8A9C-588C292914B6}" type="presOf" srcId="{2F4105CE-F831-4489-A38E-EA308F965E1A}" destId="{8DF5D93B-DC31-4D2E-91E9-BD58313DDF36}" srcOrd="0" destOrd="0" presId="urn:microsoft.com/office/officeart/2011/layout/TabList"/>
-    <dgm:cxn modelId="{B2124052-34AB-4435-8CBA-D34AF146A189}" type="presOf" srcId="{14D29AC4-9FA0-444D-8EE4-E85DEB5E57A2}" destId="{2874E84B-9605-494F-B813-85A702BFCF0F}" srcOrd="0" destOrd="2" presId="urn:microsoft.com/office/officeart/2011/layout/TabList"/>
-    <dgm:cxn modelId="{F1C43613-B926-4646-87FA-D992BF0A7796}" type="presOf" srcId="{8B2750EB-B434-41DC-A189-8424894B839C}" destId="{89B6103A-0012-428D-9057-99CB1F4B4519}" srcOrd="0" destOrd="0" presId="urn:microsoft.com/office/officeart/2011/layout/TabList"/>
-    <dgm:cxn modelId="{3F79F1C5-5A6B-4B5D-ABE8-486E8727C12D}" type="presOf" srcId="{48BF764E-F495-4A56-AE96-47376DC45472}" destId="{F2E5F12B-CEBA-404F-BC59-D0A75B115C1F}" srcOrd="0" destOrd="2" presId="urn:microsoft.com/office/officeart/2011/layout/TabList"/>
-    <dgm:cxn modelId="{6546E246-748E-4D89-8B27-C6C10AA3AC70}" type="presOf" srcId="{ADA4DD4E-A13B-4B3A-BF0B-6A9868DD9270}" destId="{269C0782-BA35-4C3A-B295-D76ACD031E2B}" srcOrd="0" destOrd="1" presId="urn:microsoft.com/office/officeart/2011/layout/TabList"/>
+    <dgm:cxn modelId="{EA29C83E-1DCA-4FBB-975D-0E40E46D2194}" type="presOf" srcId="{432382F3-03DD-4963-A6A5-C32D1C07F990}" destId="{F2E5F12B-CEBA-404F-BC59-D0A75B115C1F}" srcOrd="0" destOrd="0" presId="urn:microsoft.com/office/officeart/2011/layout/TabList"/>
+    <dgm:cxn modelId="{C40B86E0-D802-4C2B-9B30-FF087E46B20A}" srcId="{2F4105CE-F831-4489-A38E-EA308F965E1A}" destId="{A990AE2A-665D-4A90-91E6-8CAE69B9C799}" srcOrd="1" destOrd="0" parTransId="{C4D8ABC1-84E3-45E5-AE1D-9D540D360E76}" sibTransId="{6B7AAB65-DFF8-472A-BB24-DFEC163070BA}"/>
+    <dgm:cxn modelId="{C53AA40F-C7B5-48B1-9833-6AADD820240F}" srcId="{DCB77698-D8A7-43AE-8C12-88D22546D4E0}" destId="{ADA4DD4E-A13B-4B3A-BF0B-6A9868DD9270}" srcOrd="2" destOrd="0" parTransId="{A69BEB30-D4D0-4373-A980-FBE1B2210F40}" sibTransId="{31FC63FF-B7FD-42AA-95A2-FED2E149343F}"/>
+    <dgm:cxn modelId="{D9904F38-9A5D-48F4-991F-91A4A57053FD}" type="presOf" srcId="{19EF64AF-D0D9-429E-86D3-4CE7A62D9930}" destId="{B06197F1-B041-4747-A702-99E72A52C66D}" srcOrd="0" destOrd="0" presId="urn:microsoft.com/office/officeart/2011/layout/TabList"/>
     <dgm:cxn modelId="{4AEC2818-9C22-4CEF-8878-5915FF4711B6}" type="presOf" srcId="{E2EDF958-A636-4721-91E2-1009161BE1BC}" destId="{ABD9F4AA-584A-4C32-8AC6-1F842D5E3471}" srcOrd="0" destOrd="2" presId="urn:microsoft.com/office/officeart/2011/layout/TabList"/>
-    <dgm:cxn modelId="{D9904F38-9A5D-48F4-991F-91A4A57053FD}" type="presOf" srcId="{19EF64AF-D0D9-429E-86D3-4CE7A62D9930}" destId="{B06197F1-B041-4747-A702-99E72A52C66D}" srcOrd="0" destOrd="0" presId="urn:microsoft.com/office/officeart/2011/layout/TabList"/>
-    <dgm:cxn modelId="{2896DAC6-E607-42B4-9D8E-740D71F49BEA}" srcId="{DCB77698-D8A7-43AE-8C12-88D22546D4E0}" destId="{54C77FC2-06D5-494F-88FF-639A9A2ADF2B}" srcOrd="0" destOrd="0" parTransId="{59058AE7-0BCA-42FD-8DA7-9E303C2F3598}" sibTransId="{DD5B0AF5-4F1F-4F54-9327-3F9C5FD2ADF5}"/>
-    <dgm:cxn modelId="{D1EABC93-08A9-4A6F-84B0-B428BA9969D7}" type="presOf" srcId="{D4A5DE5E-27AD-4B23-B1EC-53CFB1739A11}" destId="{2874E84B-9605-494F-B813-85A702BFCF0F}" srcOrd="0" destOrd="1" presId="urn:microsoft.com/office/officeart/2011/layout/TabList"/>
-    <dgm:cxn modelId="{5F094A65-8D03-4DE2-90BC-845E0B1DF3F3}" srcId="{2F4105CE-F831-4489-A38E-EA308F965E1A}" destId="{8B2750EB-B434-41DC-A189-8424894B839C}" srcOrd="0" destOrd="0" parTransId="{FFC1F60D-411F-463B-80BE-8626FCEE6E20}" sibTransId="{1C68FAD9-F9C9-4D4A-9B81-2E6FECE526EB}"/>
-    <dgm:cxn modelId="{576B1C0C-BC74-4AB0-84AC-D638255D8C52}" srcId="{2F4105CE-F831-4489-A38E-EA308F965E1A}" destId="{E2EDF958-A636-4721-91E2-1009161BE1BC}" srcOrd="3" destOrd="0" parTransId="{56017F76-3EE4-4B10-980E-2962F4DDFEEC}" sibTransId="{D4D47A36-D2AE-41C2-A545-1538EA1F1179}"/>
-    <dgm:cxn modelId="{5B81B842-285D-4C21-BC2F-2555AB323F47}" srcId="{19EF64AF-D0D9-429E-86D3-4CE7A62D9930}" destId="{14D29AC4-9FA0-444D-8EE4-E85DEB5E57A2}" srcOrd="3" destOrd="0" parTransId="{8F845681-B05B-4E32-AD5D-21295FC02A07}" sibTransId="{EE9BAB10-D308-456A-ADB5-78C6FFFB97E6}"/>
-    <dgm:cxn modelId="{2657FA28-A895-46D4-90D1-07F9A903CBBC}" srcId="{19EF64AF-D0D9-429E-86D3-4CE7A62D9930}" destId="{EB3A3517-BC08-4AB8-AB32-CAA355AEBBAA}" srcOrd="1" destOrd="0" parTransId="{B734E8AD-9F0E-4587-9C1F-9483C3D89D69}" sibTransId="{6388FC91-51F0-4583-AFC8-08BE7A667D2D}"/>
-    <dgm:cxn modelId="{0EB99273-E40B-4BA4-A24F-424DEB53EF5D}" type="presOf" srcId="{A990AE2A-665D-4A90-91E6-8CAE69B9C799}" destId="{ABD9F4AA-584A-4C32-8AC6-1F842D5E3471}" srcOrd="0" destOrd="0" presId="urn:microsoft.com/office/officeart/2011/layout/TabList"/>
-    <dgm:cxn modelId="{59C1BA7D-4D40-4BB3-8566-6C1139A98E64}" srcId="{19EF64AF-D0D9-429E-86D3-4CE7A62D9930}" destId="{6992769E-C929-46E1-B5DC-0D224D6E5340}" srcOrd="0" destOrd="0" parTransId="{37B9B495-CA51-4955-9418-9A2A7D83A101}" sibTransId="{025A960F-A828-4BA1-B49F-B19476EFF631}"/>
-    <dgm:cxn modelId="{C33B3223-996C-4204-9B9A-61F80D001862}" srcId="{6B0EF60D-A0B1-46C5-9677-4BEA810977D2}" destId="{48BF764E-F495-4A56-AE96-47376DC45472}" srcOrd="3" destOrd="0" parTransId="{CED2C589-1478-4EE9-8864-36B6C00D583D}" sibTransId="{D6B20742-473A-4B9F-A0CC-85E95BE0720F}"/>
-    <dgm:cxn modelId="{C40B86E0-D802-4C2B-9B30-FF087E46B20A}" srcId="{2F4105CE-F831-4489-A38E-EA308F965E1A}" destId="{A990AE2A-665D-4A90-91E6-8CAE69B9C799}" srcOrd="1" destOrd="0" parTransId="{C4D8ABC1-84E3-45E5-AE1D-9D540D360E76}" sibTransId="{6B7AAB65-DFF8-472A-BB24-DFEC163070BA}"/>
-    <dgm:cxn modelId="{6FBD327E-F3DD-4D5F-892E-365E295EB833}" type="presOf" srcId="{DCB77698-D8A7-43AE-8C12-88D22546D4E0}" destId="{9059B661-BA02-491A-9141-4597C2088440}" srcOrd="0" destOrd="0" presId="urn:microsoft.com/office/officeart/2011/layout/TabList"/>
-    <dgm:cxn modelId="{A9F942E9-1197-421A-8955-236A83F08879}" type="presOf" srcId="{6B0EF60D-A0B1-46C5-9677-4BEA810977D2}" destId="{79569B4D-C26F-4F14-9A58-54D0240E4532}" srcOrd="0" destOrd="0" presId="urn:microsoft.com/office/officeart/2011/layout/TabList"/>
-    <dgm:cxn modelId="{9E0BBC12-F01A-46AF-A765-697A5062C11D}" type="presOf" srcId="{54C77FC2-06D5-494F-88FF-639A9A2ADF2B}" destId="{BDDE8257-E413-4550-9DF4-ACE5D4DAF407}" srcOrd="0" destOrd="0" presId="urn:microsoft.com/office/officeart/2011/layout/TabList"/>
-    <dgm:cxn modelId="{08D37855-A906-4ED9-B03D-BFDBE60EF8C7}" srcId="{6B0EF60D-A0B1-46C5-9677-4BEA810977D2}" destId="{FCB9211A-ECAF-4092-9AF3-4A80464FEEEF}" srcOrd="0" destOrd="0" parTransId="{96E2E2CF-28EB-47BD-B8D8-43FB5B4BBC76}" sibTransId="{80A46D5D-E138-4619-973A-52836DB4B626}"/>
-    <dgm:cxn modelId="{272F4F47-B6F0-44E6-BE53-1E568010F73F}" srcId="{6B0EF60D-A0B1-46C5-9677-4BEA810977D2}" destId="{432382F3-03DD-4963-A6A5-C32D1C07F990}" srcOrd="1" destOrd="0" parTransId="{428261C4-B743-4CC1-8298-2B59764B7274}" sibTransId="{19522E25-3C1D-4596-9D61-BE8AA7854562}"/>
-    <dgm:cxn modelId="{6AEA36B3-723E-4C26-991B-32293EC4977D}" srcId="{DCB77698-D8A7-43AE-8C12-88D22546D4E0}" destId="{F6CCDE68-20A3-48C9-9929-36D9326E50C7}" srcOrd="1" destOrd="0" parTransId="{6D777BDB-A14B-4CB9-848E-609F2B89797D}" sibTransId="{E73E6EC1-A77B-4806-AF59-F300788A17A6}"/>
-    <dgm:cxn modelId="{9C741026-5DFA-48E0-BCB8-618D95B45615}" srcId="{2F4105CE-F831-4489-A38E-EA308F965E1A}" destId="{28A4433D-892C-4392-A0C9-31AA297B23D1}" srcOrd="2" destOrd="0" parTransId="{38F9BBF9-BEAA-4EF2-A10C-767F24A70094}" sibTransId="{FF662DDE-5536-4F81-B4BD-F479E8E272D8}"/>
-    <dgm:cxn modelId="{C53AA40F-C7B5-48B1-9833-6AADD820240F}" srcId="{DCB77698-D8A7-43AE-8C12-88D22546D4E0}" destId="{ADA4DD4E-A13B-4B3A-BF0B-6A9868DD9270}" srcOrd="2" destOrd="0" parTransId="{A69BEB30-D4D0-4373-A980-FBE1B2210F40}" sibTransId="{31FC63FF-B7FD-42AA-95A2-FED2E149343F}"/>
-    <dgm:cxn modelId="{EA29C83E-1DCA-4FBB-975D-0E40E46D2194}" type="presOf" srcId="{432382F3-03DD-4963-A6A5-C32D1C07F990}" destId="{F2E5F12B-CEBA-404F-BC59-D0A75B115C1F}" srcOrd="0" destOrd="0" presId="urn:microsoft.com/office/officeart/2011/layout/TabList"/>
-    <dgm:cxn modelId="{2367FF4F-D248-4F58-A0D9-784D3549B7D2}" type="presOf" srcId="{F6CCDE68-20A3-48C9-9929-36D9326E50C7}" destId="{269C0782-BA35-4C3A-B295-D76ACD031E2B}" srcOrd="0" destOrd="0" presId="urn:microsoft.com/office/officeart/2011/layout/TabList"/>
-    <dgm:cxn modelId="{AD10BF23-1E69-4909-B6FA-24F65C0F2B83}" type="presOf" srcId="{28A4433D-892C-4392-A0C9-31AA297B23D1}" destId="{ABD9F4AA-584A-4C32-8AC6-1F842D5E3471}" srcOrd="0" destOrd="1" presId="urn:microsoft.com/office/officeart/2011/layout/TabList"/>
-    <dgm:cxn modelId="{96A20728-4B71-426D-8207-8D974A3F5B06}" srcId="{84789903-61AF-4F8F-9430-490306DDBEA0}" destId="{6B0EF60D-A0B1-46C5-9677-4BEA810977D2}" srcOrd="2" destOrd="0" parTransId="{DF3844A8-4E17-463F-BAAD-4ACB2C215D90}" sibTransId="{9DADB796-DA90-4478-BCA3-5929CA4ED0C6}"/>
-    <dgm:cxn modelId="{FB51F38E-5F9F-4D3E-BF90-82BB4C1D2DB9}" type="presOf" srcId="{6992769E-C929-46E1-B5DC-0D224D6E5340}" destId="{F82F5449-D542-4810-B467-43A5C2614DD5}" srcOrd="0" destOrd="0" presId="urn:microsoft.com/office/officeart/2011/layout/TabList"/>
-    <dgm:cxn modelId="{E50B4537-4222-4FA6-86D6-900B232A905B}" srcId="{84789903-61AF-4F8F-9430-490306DDBEA0}" destId="{DCB77698-D8A7-43AE-8C12-88D22546D4E0}" srcOrd="3" destOrd="0" parTransId="{0256383B-FBF2-49F0-935C-E17EB2C4D7C4}" sibTransId="{866D160B-DB4E-4FF6-BF8A-FD0216203DA1}"/>
-    <dgm:cxn modelId="{EC26D4FA-8D0A-4965-860E-E576DA3FE7C2}" srcId="{84789903-61AF-4F8F-9430-490306DDBEA0}" destId="{2F4105CE-F831-4489-A38E-EA308F965E1A}" srcOrd="1" destOrd="0" parTransId="{B2367E5B-DF6B-423A-8C73-6C51AA905F42}" sibTransId="{42FAF69B-DD6C-4C4C-A008-7959F807FCD6}"/>
     <dgm:cxn modelId="{2F47F51D-5D99-460D-A41A-7BA1B38FCB61}" type="presParOf" srcId="{8937854E-C94A-470E-AB4D-2D1BF4D6EC0A}" destId="{63CF07DF-294E-4215-9B6C-5C3BCCC45688}" srcOrd="0" destOrd="0" presId="urn:microsoft.com/office/officeart/2011/layout/TabList"/>
     <dgm:cxn modelId="{01393574-0C7D-4580-B867-B93CADED6C7E}" type="presParOf" srcId="{63CF07DF-294E-4215-9B6C-5C3BCCC45688}" destId="{F82F5449-D542-4810-B467-43A5C2614DD5}" srcOrd="0" destOrd="0" presId="urn:microsoft.com/office/officeart/2011/layout/TabList"/>
     <dgm:cxn modelId="{2A2C2DA9-9F74-4E94-9167-80C01FF3DC10}" type="presParOf" srcId="{63CF07DF-294E-4215-9B6C-5C3BCCC45688}" destId="{B06197F1-B041-4747-A702-99E72A52C66D}" srcOrd="1" destOrd="0" presId="urn:microsoft.com/office/officeart/2011/layout/TabList"/>
@@ -4502,7 +4474,11 @@
           </a:pPr>
           <a:r>
             <a:rPr lang="en-US" sz="1100" kern="1200" dirty="0" smtClean="0"/>
-            <a:t>Small business advocacy organizations</a:t>
+            <a:t>Leaders of small </a:t>
+          </a:r>
+          <a:r>
+            <a:rPr lang="en-US" sz="1100" kern="1200" dirty="0" smtClean="0"/>
+            <a:t>business advocacy organizations</a:t>
           </a:r>
           <a:endParaRPr lang="en-US" sz="1100" kern="1200" dirty="0"/>
         </a:p>
@@ -5216,35 +5192,7 @@
           </a:pPr>
           <a:r>
             <a:rPr lang="en-US" sz="1100" b="1" kern="1200" dirty="0" smtClean="0"/>
-            <a:t>This policy changes the selection </a:t>
-          </a:r>
-          <a:r>
-            <a:rPr lang="en-US" sz="1100" b="1" kern="1200" dirty="0" smtClean="0"/>
-            <a:t>criteria </a:t>
-          </a:r>
-          <a:r>
-            <a:rPr lang="en-US" sz="1100" b="1" kern="1200" dirty="0" smtClean="0"/>
-            <a:t>from </a:t>
-          </a:r>
-          <a:r>
-            <a:rPr lang="en-US" sz="1100" b="1" kern="1200" dirty="0" smtClean="0"/>
-            <a:t> </a:t>
-          </a:r>
-          <a:r>
-            <a:rPr lang="en-US" sz="1100" b="1" kern="1200" dirty="0" smtClean="0"/>
-            <a:t>research </a:t>
-          </a:r>
-          <a:r>
-            <a:rPr lang="en-US" sz="1100" b="1" kern="1200" dirty="0" smtClean="0"/>
-            <a:t>excellence </a:t>
-          </a:r>
-          <a:r>
-            <a:rPr lang="en-US" sz="1100" b="1" kern="1200" dirty="0" smtClean="0"/>
-            <a:t>to a </a:t>
-          </a:r>
-          <a:r>
-            <a:rPr lang="en-US" sz="1100" b="1" kern="1200" dirty="0" smtClean="0"/>
-            <a:t>criteria of privilege.</a:t>
+            <a:t>This policy changes the selection criteria from  research excellence to a criteria of privilege.</a:t>
           </a:r>
           <a:endParaRPr lang="en-US" sz="1100" b="1" kern="1200" dirty="0"/>
         </a:p>
@@ -5750,11 +5698,7 @@
           </a:pPr>
           <a:r>
             <a:rPr lang="en-US" sz="1100" b="1" kern="1200" dirty="0" smtClean="0"/>
-            <a:t>This policy will unfairly take away opportunities from highly talented and deserving researchers </a:t>
-          </a:r>
-          <a:r>
-            <a:rPr lang="en-US" sz="1100" b="1" kern="1200" dirty="0" smtClean="0"/>
-            <a:t>.</a:t>
+            <a:t>This policy will unfairly take away opportunities from highly talented and deserving researchers .</a:t>
           </a:r>
           <a:endParaRPr lang="en-US" sz="1100" b="1" kern="1200" dirty="0"/>
         </a:p>
@@ -8792,7 +8736,7 @@
           <a:p>
             <a:fld id="{38350BF8-A4DA-458D-AEA8-6A7F2699BE48}" type="datetimeFigureOut">
               <a:rPr lang="en-US" smtClean="0"/>
-              <a:t>03/05/2019</a:t>
+              <a:t>3/5/2019</a:t>
             </a:fld>
             <a:endParaRPr lang="en-US"/>
           </a:p>
@@ -8962,7 +8906,7 @@
           <a:p>
             <a:fld id="{38350BF8-A4DA-458D-AEA8-6A7F2699BE48}" type="datetimeFigureOut">
               <a:rPr lang="en-US" smtClean="0"/>
-              <a:t>03/05/2019</a:t>
+              <a:t>3/5/2019</a:t>
             </a:fld>
             <a:endParaRPr lang="en-US"/>
           </a:p>
@@ -9142,7 +9086,7 @@
           <a:p>
             <a:fld id="{38350BF8-A4DA-458D-AEA8-6A7F2699BE48}" type="datetimeFigureOut">
               <a:rPr lang="en-US" smtClean="0"/>
-              <a:t>03/05/2019</a:t>
+              <a:t>3/5/2019</a:t>
             </a:fld>
             <a:endParaRPr lang="en-US"/>
           </a:p>
@@ -9312,7 +9256,7 @@
           <a:p>
             <a:fld id="{38350BF8-A4DA-458D-AEA8-6A7F2699BE48}" type="datetimeFigureOut">
               <a:rPr lang="en-US" smtClean="0"/>
-              <a:t>03/05/2019</a:t>
+              <a:t>3/5/2019</a:t>
             </a:fld>
             <a:endParaRPr lang="en-US"/>
           </a:p>
@@ -9558,7 +9502,7 @@
           <a:p>
             <a:fld id="{38350BF8-A4DA-458D-AEA8-6A7F2699BE48}" type="datetimeFigureOut">
               <a:rPr lang="en-US" smtClean="0"/>
-              <a:t>03/05/2019</a:t>
+              <a:t>3/5/2019</a:t>
             </a:fld>
             <a:endParaRPr lang="en-US"/>
           </a:p>
@@ -9846,7 +9790,7 @@
           <a:p>
             <a:fld id="{38350BF8-A4DA-458D-AEA8-6A7F2699BE48}" type="datetimeFigureOut">
               <a:rPr lang="en-US" smtClean="0"/>
-              <a:t>03/05/2019</a:t>
+              <a:t>3/5/2019</a:t>
             </a:fld>
             <a:endParaRPr lang="en-US"/>
           </a:p>
@@ -10268,7 +10212,7 @@
           <a:p>
             <a:fld id="{38350BF8-A4DA-458D-AEA8-6A7F2699BE48}" type="datetimeFigureOut">
               <a:rPr lang="en-US" smtClean="0"/>
-              <a:t>03/05/2019</a:t>
+              <a:t>3/5/2019</a:t>
             </a:fld>
             <a:endParaRPr lang="en-US"/>
           </a:p>
@@ -10386,7 +10330,7 @@
           <a:p>
             <a:fld id="{38350BF8-A4DA-458D-AEA8-6A7F2699BE48}" type="datetimeFigureOut">
               <a:rPr lang="en-US" smtClean="0"/>
-              <a:t>03/05/2019</a:t>
+              <a:t>3/5/2019</a:t>
             </a:fld>
             <a:endParaRPr lang="en-US"/>
           </a:p>
@@ -10481,7 +10425,7 @@
           <a:p>
             <a:fld id="{38350BF8-A4DA-458D-AEA8-6A7F2699BE48}" type="datetimeFigureOut">
               <a:rPr lang="en-US" smtClean="0"/>
-              <a:t>03/05/2019</a:t>
+              <a:t>3/5/2019</a:t>
             </a:fld>
             <a:endParaRPr lang="en-US"/>
           </a:p>
@@ -10758,7 +10702,7 @@
           <a:p>
             <a:fld id="{38350BF8-A4DA-458D-AEA8-6A7F2699BE48}" type="datetimeFigureOut">
               <a:rPr lang="en-US" smtClean="0"/>
-              <a:t>03/05/2019</a:t>
+              <a:t>3/5/2019</a:t>
             </a:fld>
             <a:endParaRPr lang="en-US"/>
           </a:p>
@@ -11011,7 +10955,7 @@
           <a:p>
             <a:fld id="{38350BF8-A4DA-458D-AEA8-6A7F2699BE48}" type="datetimeFigureOut">
               <a:rPr lang="en-US" smtClean="0"/>
-              <a:t>03/05/2019</a:t>
+              <a:t>3/5/2019</a:t>
             </a:fld>
             <a:endParaRPr lang="en-US"/>
           </a:p>
@@ -11224,7 +11168,7 @@
           <a:p>
             <a:fld id="{38350BF8-A4DA-458D-AEA8-6A7F2699BE48}" type="datetimeFigureOut">
               <a:rPr lang="en-US" smtClean="0"/>
-              <a:t>03/05/2019</a:t>
+              <a:t>3/5/2019</a:t>
             </a:fld>
             <a:endParaRPr lang="en-US"/>
           </a:p>
@@ -11658,11 +11602,7 @@
             <a:pPr algn="ctr"/>
             <a:r>
               <a:rPr lang="en-US" dirty="0" smtClean="0"/>
-              <a:t>Policy </a:t>
-            </a:r>
-            <a:r>
-              <a:rPr lang="en-US" dirty="0" smtClean="0"/>
-              <a:t>Summary</a:t>
+              <a:t>Policy Summary</a:t>
             </a:r>
             <a:endParaRPr lang="en-US" dirty="0"/>
           </a:p>
@@ -12273,11 +12213,7 @@
             <a:pPr algn="ctr"/>
             <a:r>
               <a:rPr lang="en-US" sz="1400" dirty="0" smtClean="0"/>
-              <a:t>U.S. </a:t>
-            </a:r>
-            <a:r>
-              <a:rPr lang="en-US" sz="1400" dirty="0" smtClean="0"/>
-              <a:t>Senate</a:t>
+              <a:t>U.S. Senate</a:t>
             </a:r>
             <a:endParaRPr lang="en-US" sz="1400" dirty="0"/>
           </a:p>
@@ -12323,11 +12259,7 @@
             <a:pPr algn="ctr"/>
             <a:r>
               <a:rPr lang="en-US" sz="1400" dirty="0" smtClean="0"/>
-              <a:t>U.S. House </a:t>
-            </a:r>
-            <a:r>
-              <a:rPr lang="en-US" sz="1400" dirty="0" smtClean="0"/>
-              <a:t>of Representatives</a:t>
+              <a:t>U.S. House of Representatives</a:t>
             </a:r>
             <a:endParaRPr lang="en-US" sz="1400" dirty="0"/>
           </a:p>
@@ -12373,19 +12305,7 @@
             <a:pPr algn="ctr"/>
             <a:r>
               <a:rPr lang="en-US" sz="1200" dirty="0" smtClean="0"/>
-              <a:t>Senate </a:t>
-            </a:r>
-            <a:r>
-              <a:rPr lang="en-US" sz="1200" dirty="0" smtClean="0"/>
-              <a:t>Subcommittee </a:t>
-            </a:r>
-            <a:r>
-              <a:rPr lang="en-US" sz="1200" dirty="0" smtClean="0"/>
-              <a:t>on </a:t>
-            </a:r>
-            <a:r>
-              <a:rPr lang="en-US" sz="1200" dirty="0" smtClean="0"/>
-              <a:t>Innovation &amp; Technology</a:t>
+              <a:t>Senate Subcommittee on Innovation &amp; Technology</a:t>
             </a:r>
             <a:endParaRPr lang="en-US" sz="1200" dirty="0"/>
           </a:p>
@@ -12429,11 +12349,11 @@
             <a:pPr algn="ctr"/>
             <a:r>
               <a:rPr lang="en-US" sz="1400" dirty="0" smtClean="0"/>
-              <a:t>Owners of </a:t>
+              <a:t>Owners of small </a:t>
             </a:r>
             <a:r>
               <a:rPr lang="en-US" sz="1400" dirty="0" smtClean="0"/>
-              <a:t>small Businesses</a:t>
+              <a:t>businesses</a:t>
             </a:r>
             <a:endParaRPr lang="en-US" sz="1400" dirty="0"/>
           </a:p>
@@ -12477,7 +12397,15 @@
             <a:pPr algn="ctr"/>
             <a:r>
               <a:rPr lang="en-US" sz="1400" dirty="0" smtClean="0"/>
-              <a:t>Leaders of research universities</a:t>
+              <a:t>Leaders </a:t>
+            </a:r>
+            <a:r>
+              <a:rPr lang="en-US" sz="1400" dirty="0" smtClean="0"/>
+              <a:t>and faculty of </a:t>
+            </a:r>
+            <a:r>
+              <a:rPr lang="en-US" sz="1400" dirty="0" smtClean="0"/>
+              <a:t>research universities</a:t>
             </a:r>
             <a:endParaRPr lang="en-US" sz="1400" dirty="0"/>
           </a:p>
@@ -12521,11 +12449,7 @@
             <a:pPr algn="ctr"/>
             <a:r>
               <a:rPr lang="en-US" sz="1400" dirty="0" smtClean="0"/>
-              <a:t>Executives of large </a:t>
-            </a:r>
-            <a:r>
-              <a:rPr lang="en-US" sz="1400" dirty="0" smtClean="0"/>
-              <a:t>businesses</a:t>
+              <a:t>Executives of large businesses</a:t>
             </a:r>
             <a:endParaRPr lang="en-US" sz="1400" dirty="0"/>
           </a:p>
@@ -12964,11 +12888,7 @@
             <a:pPr algn="ctr"/>
             <a:r>
               <a:rPr lang="en-US" sz="1400" dirty="0" smtClean="0"/>
-              <a:t>Leaders of small </a:t>
-            </a:r>
-            <a:r>
-              <a:rPr lang="en-US" sz="1400" dirty="0" smtClean="0"/>
-              <a:t>business advocacy organizations</a:t>
+              <a:t>Leaders of small business advocacy organizations</a:t>
             </a:r>
             <a:endParaRPr lang="en-US" sz="1400" dirty="0"/>
           </a:p>
@@ -13678,7 +13598,7 @@
           <p:nvPr>
             <p:extLst>
               <p:ext uri="{D42A27DB-BD31-4B8C-83A1-F6EECF244321}">
-                <p14:modId xmlns:p14="http://schemas.microsoft.com/office/powerpoint/2010/main" val="3873513919"/>
+                <p14:modId xmlns:p14="http://schemas.microsoft.com/office/powerpoint/2010/main" val="1911662279"/>
               </p:ext>
             </p:extLst>
           </p:nvPr>
@@ -13811,11 +13731,7 @@
             <a:pPr algn="ctr"/>
             <a:r>
               <a:rPr lang="en-US" dirty="0" smtClean="0"/>
-              <a:t>Policy and Political Implications Flow </a:t>
-            </a:r>
-            <a:r>
-              <a:rPr lang="en-US" dirty="0" smtClean="0"/>
-              <a:t>Diagram</a:t>
+              <a:t>Policy and Political Implications Flow Diagram</a:t>
             </a:r>
             <a:endParaRPr lang="en-US" dirty="0"/>
           </a:p>
@@ -13873,15 +13789,7 @@
               <a:pPr algn="ctr"/>
               <a:r>
                 <a:rPr lang="en-US" sz="1200" dirty="0" smtClean="0"/>
-                <a:t>Talented researchers </a:t>
-              </a:r>
-              <a:r>
-                <a:rPr lang="en-US" sz="1200" dirty="0" smtClean="0"/>
-                <a:t>should not be denied </a:t>
-              </a:r>
-              <a:r>
-                <a:rPr lang="en-US" sz="1200" dirty="0" smtClean="0"/>
-                <a:t>opportunities.</a:t>
+                <a:t>Talented researchers should not be denied opportunities.</a:t>
               </a:r>
               <a:endParaRPr lang="en-US" sz="1200" dirty="0"/>
             </a:p>
@@ -13984,19 +13892,7 @@
               <a:pPr algn="ctr"/>
               <a:r>
                 <a:rPr lang="en-US" sz="1200" dirty="0" smtClean="0"/>
-                <a:t>This policy will punish talented researchers </a:t>
-              </a:r>
-              <a:r>
-                <a:rPr lang="en-US" sz="1200" dirty="0" smtClean="0"/>
-                <a:t>at larger institutions </a:t>
-              </a:r>
-              <a:r>
-                <a:rPr lang="en-US" sz="1200" dirty="0" smtClean="0"/>
-                <a:t>simply </a:t>
-              </a:r>
-              <a:r>
-                <a:rPr lang="en-US" sz="1200" dirty="0" smtClean="0"/>
-                <a:t>because of where they work.</a:t>
+                <a:t>This policy will punish talented researchers at larger institutions simply because of where they work.</a:t>
               </a:r>
               <a:endParaRPr lang="en-US" sz="1200" dirty="0"/>
             </a:p>
@@ -14406,23 +14302,7 @@
               <a:pPr algn="ctr"/>
               <a:r>
                 <a:rPr lang="en-US" sz="1200" dirty="0" smtClean="0"/>
-                <a:t>This policy will allow small </a:t>
-              </a:r>
-              <a:r>
-                <a:rPr lang="en-US" sz="1200" dirty="0" smtClean="0"/>
-                <a:t>businesses a </a:t>
-              </a:r>
-              <a:r>
-                <a:rPr lang="en-US" sz="1200" dirty="0" smtClean="0"/>
-                <a:t>fair chance to contribute </a:t>
-              </a:r>
-              <a:r>
-                <a:rPr lang="en-US" sz="1200" dirty="0" smtClean="0"/>
-                <a:t>significant innovations to </a:t>
-              </a:r>
-              <a:r>
-                <a:rPr lang="en-US" sz="1200" dirty="0" smtClean="0"/>
-                <a:t>benefit the nation.</a:t>
+                <a:t>This policy will allow small businesses a fair chance to contribute significant innovations to benefit the nation.</a:t>
               </a:r>
               <a:endParaRPr lang="en-US" sz="1200" dirty="0"/>
             </a:p>
@@ -14927,7 +14807,19 @@
               <a:pPr algn="ctr"/>
               <a:r>
                 <a:rPr lang="en-US" sz="1200" dirty="0" smtClean="0"/>
-                <a:t>This policy stops and reverses the current trends of economic loss and lack of innovation.</a:t>
+                <a:t>This policy stops and reverses the current trends of economic </a:t>
+              </a:r>
+              <a:r>
+                <a:rPr lang="en-US" sz="1200" dirty="0" smtClean="0"/>
+                <a:t>recession</a:t>
+              </a:r>
+              <a:r>
+                <a:rPr lang="en-US" sz="1200" dirty="0" smtClean="0"/>
+                <a:t> </a:t>
+              </a:r>
+              <a:r>
+                <a:rPr lang="en-US" sz="1200" dirty="0" smtClean="0"/>
+                <a:t>and lack of innovation.</a:t>
               </a:r>
               <a:endParaRPr lang="en-US" sz="1200" dirty="0"/>
             </a:p>
@@ -15108,11 +15000,7 @@
             <a:pPr algn="ctr"/>
             <a:r>
               <a:rPr lang="en-US" dirty="0" smtClean="0"/>
-              <a:t>Policy and Political Implications Flow </a:t>
-            </a:r>
-            <a:r>
-              <a:rPr lang="en-US" dirty="0" smtClean="0"/>
-              <a:t>Diagram (cont’d)</a:t>
+              <a:t>Policy and Political Implications Flow Diagram (cont’d)</a:t>
             </a:r>
             <a:endParaRPr lang="en-US" dirty="0"/>
           </a:p>
@@ -15265,11 +15153,7 @@
               <a:pPr algn="ctr"/>
               <a:r>
                 <a:rPr lang="en-US" sz="1200" dirty="0" smtClean="0"/>
-                <a:t>America is </a:t>
-              </a:r>
-              <a:r>
-                <a:rPr lang="en-US" sz="1200" dirty="0" smtClean="0"/>
-                <a:t>guided by principles of fairness.</a:t>
+                <a:t>America is guided by principles of fairness.</a:t>
               </a:r>
               <a:endParaRPr lang="en-US" sz="1200" dirty="0"/>
             </a:p>
@@ -15893,11 +15777,7 @@
               <a:pPr algn="ctr"/>
               <a:r>
                 <a:rPr lang="en-US" sz="1200" dirty="0" smtClean="0"/>
-                <a:t>American research and development is the envy of the world</a:t>
-              </a:r>
-              <a:r>
-                <a:rPr lang="en-US" sz="1200" dirty="0" smtClean="0"/>
-                <a:t>.</a:t>
+                <a:t>American research and development is the envy of the world.</a:t>
               </a:r>
               <a:endParaRPr lang="en-US" sz="1200" dirty="0"/>
             </a:p>
@@ -16226,11 +16106,7 @@
               </a:r>
               <a:r>
                 <a:rPr lang="en-US" sz="1200" dirty="0" smtClean="0"/>
-                <a:t>no longer has a strong </a:t>
-              </a:r>
-              <a:r>
-                <a:rPr lang="en-US" sz="1200" dirty="0" smtClean="0"/>
-                <a:t>economy.</a:t>
+                <a:t>no longer has a strong economy.</a:t>
               </a:r>
               <a:endParaRPr lang="en-US" sz="1200" dirty="0"/>
             </a:p>
@@ -16502,11 +16378,7 @@
               </a:r>
               <a:r>
                 <a:rPr lang="en-US" sz="1200" dirty="0" smtClean="0"/>
-                <a:t>no longer has unquestioned global dominance</a:t>
-              </a:r>
-              <a:r>
-                <a:rPr lang="en-US" sz="1200" dirty="0" smtClean="0"/>
-                <a:t>.</a:t>
+                <a:t>no longer has unquestioned global dominance.</a:t>
               </a:r>
               <a:endParaRPr lang="en-US" sz="1200" dirty="0"/>
             </a:p>
